--- a/Programación web/PW_Sesion7.pptx
+++ b/Programación web/PW_Sesion7.pptx
@@ -6,25 +6,27 @@
     <p:sldMasterId id="2147483699" r:id="rId2"/>
   </p:sldMasterIdLst>
   <p:notesMasterIdLst>
-    <p:notesMasterId r:id="rId16"/>
+    <p:notesMasterId r:id="rId18"/>
   </p:notesMasterIdLst>
   <p:handoutMasterIdLst>
-    <p:handoutMasterId r:id="rId17"/>
+    <p:handoutMasterId r:id="rId19"/>
   </p:handoutMasterIdLst>
   <p:sldIdLst>
     <p:sldId id="256" r:id="rId3"/>
     <p:sldId id="269" r:id="rId4"/>
-    <p:sldId id="262" r:id="rId5"/>
-    <p:sldId id="257" r:id="rId6"/>
-    <p:sldId id="258" r:id="rId7"/>
-    <p:sldId id="259" r:id="rId8"/>
-    <p:sldId id="260" r:id="rId9"/>
-    <p:sldId id="263" r:id="rId10"/>
-    <p:sldId id="264" r:id="rId11"/>
-    <p:sldId id="265" r:id="rId12"/>
-    <p:sldId id="266" r:id="rId13"/>
-    <p:sldId id="267" r:id="rId14"/>
-    <p:sldId id="261" r:id="rId15"/>
+    <p:sldId id="274" r:id="rId5"/>
+    <p:sldId id="262" r:id="rId6"/>
+    <p:sldId id="257" r:id="rId7"/>
+    <p:sldId id="258" r:id="rId8"/>
+    <p:sldId id="259" r:id="rId9"/>
+    <p:sldId id="260" r:id="rId10"/>
+    <p:sldId id="263" r:id="rId11"/>
+    <p:sldId id="264" r:id="rId12"/>
+    <p:sldId id="265" r:id="rId13"/>
+    <p:sldId id="266" r:id="rId14"/>
+    <p:sldId id="267" r:id="rId15"/>
+    <p:sldId id="275" r:id="rId16"/>
+    <p:sldId id="261" r:id="rId17"/>
   </p:sldIdLst>
   <p:sldSz cx="12192000" cy="6858000"/>
   <p:notesSz cx="6858000" cy="9144000"/>
@@ -228,7 +230,7 @@
           <a:p>
             <a:fld id="{7FF7D7FF-DDC7-474C-8526-899954A31AD1}" type="datetimeFigureOut">
               <a:rPr lang="es-EC" smtClean="0"/>
-              <a:t>15/3/2024</a:t>
+              <a:t>31/3/2024</a:t>
             </a:fld>
             <a:endParaRPr lang="es-EC"/>
           </a:p>
@@ -405,7 +407,7 @@
           <a:p>
             <a:fld id="{A266080D-5226-48DF-A08B-67FADEB85FAB}" type="datetimeFigureOut">
               <a:rPr lang="es-419" smtClean="0"/>
-              <a:t>15/3/2024</a:t>
+              <a:t>31/3/2024</a:t>
             </a:fld>
             <a:endParaRPr lang="es-419"/>
           </a:p>
@@ -738,7 +740,7 @@
           <a:p>
             <a:fld id="{F7021451-1387-4CA6-816F-3879F97B5CBC}" type="slidenum">
               <a:rPr lang="en-US"/>
-              <a:t>3</a:t>
+              <a:t>4</a:t>
             </a:fld>
             <a:endParaRPr lang="en-US"/>
           </a:p>
@@ -822,7 +824,7 @@
           <a:p>
             <a:fld id="{F7021451-1387-4CA6-816F-3879F97B5CBC}" type="slidenum">
               <a:rPr lang="en-US"/>
-              <a:t>12</a:t>
+              <a:t>13</a:t>
             </a:fld>
             <a:endParaRPr lang="en-US"/>
           </a:p>
@@ -906,7 +908,7 @@
           <a:p>
             <a:fld id="{F7021451-1387-4CA6-816F-3879F97B5CBC}" type="slidenum">
               <a:rPr lang="en-US"/>
-              <a:t>4</a:t>
+              <a:t>5</a:t>
             </a:fld>
             <a:endParaRPr lang="en-US"/>
           </a:p>
@@ -990,7 +992,7 @@
           <a:p>
             <a:fld id="{F7021451-1387-4CA6-816F-3879F97B5CBC}" type="slidenum">
               <a:rPr lang="en-US"/>
-              <a:t>5</a:t>
+              <a:t>6</a:t>
             </a:fld>
             <a:endParaRPr lang="en-US"/>
           </a:p>
@@ -1074,7 +1076,7 @@
           <a:p>
             <a:fld id="{F7021451-1387-4CA6-816F-3879F97B5CBC}" type="slidenum">
               <a:rPr lang="en-US"/>
-              <a:t>6</a:t>
+              <a:t>7</a:t>
             </a:fld>
             <a:endParaRPr lang="en-US"/>
           </a:p>
@@ -1158,7 +1160,7 @@
           <a:p>
             <a:fld id="{F7021451-1387-4CA6-816F-3879F97B5CBC}" type="slidenum">
               <a:rPr lang="en-US"/>
-              <a:t>7</a:t>
+              <a:t>8</a:t>
             </a:fld>
             <a:endParaRPr lang="en-US"/>
           </a:p>
@@ -1242,7 +1244,7 @@
           <a:p>
             <a:fld id="{F7021451-1387-4CA6-816F-3879F97B5CBC}" type="slidenum">
               <a:rPr lang="en-US"/>
-              <a:t>8</a:t>
+              <a:t>9</a:t>
             </a:fld>
             <a:endParaRPr lang="en-US"/>
           </a:p>
@@ -1326,7 +1328,7 @@
           <a:p>
             <a:fld id="{F7021451-1387-4CA6-816F-3879F97B5CBC}" type="slidenum">
               <a:rPr lang="en-US"/>
-              <a:t>9</a:t>
+              <a:t>10</a:t>
             </a:fld>
             <a:endParaRPr lang="en-US"/>
           </a:p>
@@ -1410,7 +1412,7 @@
           <a:p>
             <a:fld id="{F7021451-1387-4CA6-816F-3879F97B5CBC}" type="slidenum">
               <a:rPr lang="en-US"/>
-              <a:t>10</a:t>
+              <a:t>11</a:t>
             </a:fld>
             <a:endParaRPr lang="en-US"/>
           </a:p>
@@ -1494,7 +1496,7 @@
           <a:p>
             <a:fld id="{F7021451-1387-4CA6-816F-3879F97B5CBC}" type="slidenum">
               <a:rPr lang="en-US"/>
-              <a:t>11</a:t>
+              <a:t>12</a:t>
             </a:fld>
             <a:endParaRPr lang="en-US"/>
           </a:p>
@@ -1644,7 +1646,7 @@
           <a:p>
             <a:fld id="{8FEB83C7-CE7D-EE43-931B-A983B2AE7CF3}" type="datetimeFigureOut">
               <a:rPr lang="es-EC" smtClean="0"/>
-              <a:t>15/3/2024</a:t>
+              <a:t>31/3/2024</a:t>
             </a:fld>
             <a:endParaRPr lang="es-EC"/>
           </a:p>
@@ -1814,7 +1816,7 @@
           <a:p>
             <a:fld id="{8FEB83C7-CE7D-EE43-931B-A983B2AE7CF3}" type="datetimeFigureOut">
               <a:rPr lang="es-EC" smtClean="0"/>
-              <a:t>15/3/2024</a:t>
+              <a:t>31/3/2024</a:t>
             </a:fld>
             <a:endParaRPr lang="es-EC"/>
           </a:p>
@@ -1994,7 +1996,7 @@
           <a:p>
             <a:fld id="{8FEB83C7-CE7D-EE43-931B-A983B2AE7CF3}" type="datetimeFigureOut">
               <a:rPr lang="es-EC" smtClean="0"/>
-              <a:t>15/3/2024</a:t>
+              <a:t>31/3/2024</a:t>
             </a:fld>
             <a:endParaRPr lang="es-EC"/>
           </a:p>
@@ -2606,7 +2608,7 @@
           <a:p>
             <a:fld id="{8FEB83C7-CE7D-EE43-931B-A983B2AE7CF3}" type="datetimeFigureOut">
               <a:rPr lang="es-EC" smtClean="0"/>
-              <a:t>15/3/2024</a:t>
+              <a:t>31/3/2024</a:t>
             </a:fld>
             <a:endParaRPr lang="es-EC"/>
           </a:p>
@@ -2852,7 +2854,7 @@
           <a:p>
             <a:fld id="{8FEB83C7-CE7D-EE43-931B-A983B2AE7CF3}" type="datetimeFigureOut">
               <a:rPr lang="es-EC" smtClean="0"/>
-              <a:t>15/3/2024</a:t>
+              <a:t>31/3/2024</a:t>
             </a:fld>
             <a:endParaRPr lang="es-EC"/>
           </a:p>
@@ -3084,7 +3086,7 @@
           <a:p>
             <a:fld id="{8FEB83C7-CE7D-EE43-931B-A983B2AE7CF3}" type="datetimeFigureOut">
               <a:rPr lang="es-EC" smtClean="0"/>
-              <a:t>15/3/2024</a:t>
+              <a:t>31/3/2024</a:t>
             </a:fld>
             <a:endParaRPr lang="es-EC"/>
           </a:p>
@@ -3451,7 +3453,7 @@
           <a:p>
             <a:fld id="{8FEB83C7-CE7D-EE43-931B-A983B2AE7CF3}" type="datetimeFigureOut">
               <a:rPr lang="es-EC" smtClean="0"/>
-              <a:t>15/3/2024</a:t>
+              <a:t>31/3/2024</a:t>
             </a:fld>
             <a:endParaRPr lang="es-EC"/>
           </a:p>
@@ -3569,7 +3571,7 @@
           <a:p>
             <a:fld id="{8FEB83C7-CE7D-EE43-931B-A983B2AE7CF3}" type="datetimeFigureOut">
               <a:rPr lang="es-EC" smtClean="0"/>
-              <a:t>15/3/2024</a:t>
+              <a:t>31/3/2024</a:t>
             </a:fld>
             <a:endParaRPr lang="es-EC"/>
           </a:p>
@@ -3664,7 +3666,7 @@
           <a:p>
             <a:fld id="{8FEB83C7-CE7D-EE43-931B-A983B2AE7CF3}" type="datetimeFigureOut">
               <a:rPr lang="es-EC" smtClean="0"/>
-              <a:t>15/3/2024</a:t>
+              <a:t>31/3/2024</a:t>
             </a:fld>
             <a:endParaRPr lang="es-EC"/>
           </a:p>
@@ -3941,7 +3943,7 @@
           <a:p>
             <a:fld id="{8FEB83C7-CE7D-EE43-931B-A983B2AE7CF3}" type="datetimeFigureOut">
               <a:rPr lang="es-EC" smtClean="0"/>
-              <a:t>15/3/2024</a:t>
+              <a:t>31/3/2024</a:t>
             </a:fld>
             <a:endParaRPr lang="es-EC"/>
           </a:p>
@@ -4198,7 +4200,7 @@
           <a:p>
             <a:fld id="{8FEB83C7-CE7D-EE43-931B-A983B2AE7CF3}" type="datetimeFigureOut">
               <a:rPr lang="es-EC" smtClean="0"/>
-              <a:t>15/3/2024</a:t>
+              <a:t>31/3/2024</a:t>
             </a:fld>
             <a:endParaRPr lang="es-EC"/>
           </a:p>
@@ -4411,7 +4413,7 @@
           <a:p>
             <a:fld id="{8FEB83C7-CE7D-EE43-931B-A983B2AE7CF3}" type="datetimeFigureOut">
               <a:rPr lang="es-EC" smtClean="0"/>
-              <a:t>15/3/2024</a:t>
+              <a:t>31/3/2024</a:t>
             </a:fld>
             <a:endParaRPr lang="es-EC"/>
           </a:p>
@@ -4948,7 +4950,7 @@
           <a:p>
             <a:fld id="{8FEB83C7-CE7D-EE43-931B-A983B2AE7CF3}" type="datetimeFigureOut">
               <a:rPr lang="es-EC" smtClean="0"/>
-              <a:t>15/3/2024</a:t>
+              <a:t>31/3/2024</a:t>
             </a:fld>
             <a:endParaRPr lang="es-EC"/>
           </a:p>
@@ -5498,16 +5500,40 @@
           <a:ln/>
         </p:spPr>
       </p:sp>
-      <p:sp>
-        <p:nvSpPr>
-          <p:cNvPr id="4" name="Text 2"/>
+      <p:pic>
+        <p:nvPicPr>
+          <p:cNvPr id="4" name="Image 0" descr="preencoded.png"/>
+          <p:cNvPicPr>
+            <a:picLocks noChangeAspect="1"/>
+          </p:cNvPicPr>
+          <p:nvPr/>
+        </p:nvPicPr>
+        <p:blipFill>
+          <a:blip r:embed="rId3"/>
+          <a:stretch>
+            <a:fillRect/>
+          </a:stretch>
+        </p:blipFill>
+        <p:spPr>
+          <a:xfrm>
+            <a:off x="0" y="0"/>
+            <a:ext cx="12192000" cy="1880890"/>
+          </a:xfrm>
+          <a:prstGeom prst="rect">
+            <a:avLst/>
+          </a:prstGeom>
+        </p:spPr>
+      </p:pic>
+      <p:sp>
+        <p:nvSpPr>
+          <p:cNvPr id="5" name="Text 2"/>
           <p:cNvSpPr/>
           <p:nvPr/>
         </p:nvSpPr>
         <p:spPr>
           <a:xfrm>
-            <a:off x="1698328" y="760115"/>
-            <a:ext cx="8795345" cy="1157288"/>
+            <a:off x="2522240" y="2294930"/>
+            <a:ext cx="7147421" cy="940197"/>
           </a:xfrm>
           <a:prstGeom prst="rect">
             <a:avLst/>
@@ -5521,11 +5547,11 @@
           <a:p>
             <a:pPr>
               <a:lnSpc>
-                <a:spcPts val="4556"/>
+                <a:spcPts val="3702"/>
               </a:lnSpc>
             </a:pPr>
             <a:r>
-              <a:rPr lang="en-US" sz="3645" dirty="0">
+              <a:rPr lang="en-US" sz="2962" dirty="0">
                 <a:solidFill>
                   <a:srgbClr val="272D45"/>
                 </a:solidFill>
@@ -5533,30 +5559,30 @@
                 <a:ea typeface="Kanit" pitchFamily="34" charset="-122"/>
                 <a:cs typeface="Kanit" pitchFamily="34" charset="-120"/>
               </a:rPr>
-              <a:t>Tendencias actuales en la maquetación web</a:t>
-            </a:r>
-            <a:endParaRPr lang="en-US" sz="3645" dirty="0"/>
+              <a:t>Consideraciones de accesibilidad en la maquetación web</a:t>
+            </a:r>
+            <a:endParaRPr lang="en-US" sz="2962" dirty="0"/>
           </a:p>
         </p:txBody>
       </p:sp>
       <p:pic>
         <p:nvPicPr>
-          <p:cNvPr id="5" name="Image 0" descr="preencoded.png"/>
+          <p:cNvPr id="6" name="Image 1" descr="preencoded.png"/>
           <p:cNvPicPr>
             <a:picLocks noChangeAspect="1"/>
           </p:cNvPicPr>
           <p:nvPr/>
         </p:nvPicPr>
         <p:blipFill>
-          <a:blip r:embed="rId3"/>
+          <a:blip r:embed="rId4"/>
           <a:stretch>
             <a:fillRect/>
           </a:stretch>
         </p:blipFill>
         <p:spPr>
           <a:xfrm>
-            <a:off x="1698328" y="2287687"/>
-            <a:ext cx="2746573" cy="1697434"/>
+            <a:off x="2522240" y="3460750"/>
+            <a:ext cx="2382441" cy="601861"/>
           </a:xfrm>
           <a:prstGeom prst="rect">
             <a:avLst/>
@@ -5565,14 +5591,14 @@
       </p:pic>
       <p:sp>
         <p:nvSpPr>
-          <p:cNvPr id="6" name="Text 3"/>
+          <p:cNvPr id="7" name="Text 3"/>
           <p:cNvSpPr/>
           <p:nvPr/>
         </p:nvSpPr>
         <p:spPr>
           <a:xfrm>
-            <a:off x="1698328" y="4216499"/>
-            <a:ext cx="2314575" cy="289322"/>
+            <a:off x="2672656" y="4288234"/>
+            <a:ext cx="1880890" cy="235148"/>
           </a:xfrm>
           <a:prstGeom prst="rect">
             <a:avLst/>
@@ -5586,11 +5612,11 @@
           <a:p>
             <a:pPr>
               <a:lnSpc>
-                <a:spcPts val="2278"/>
+                <a:spcPts val="1852"/>
               </a:lnSpc>
             </a:pPr>
             <a:r>
-              <a:rPr lang="en-US" sz="1822" dirty="0">
+              <a:rPr lang="en-US" sz="1481" dirty="0">
                 <a:solidFill>
                   <a:srgbClr val="2C3249"/>
                 </a:solidFill>
@@ -5598,22 +5624,22 @@
                 <a:ea typeface="Kanit" pitchFamily="34" charset="-122"/>
                 <a:cs typeface="Kanit" pitchFamily="34" charset="-120"/>
               </a:rPr>
-              <a:t>Diseño Minimalista</a:t>
-            </a:r>
-            <a:endParaRPr lang="en-US" sz="1822" dirty="0"/>
-          </a:p>
-        </p:txBody>
-      </p:sp>
-      <p:sp>
-        <p:nvSpPr>
-          <p:cNvPr id="7" name="Text 4"/>
+              <a:t>Contraste de color</a:t>
+            </a:r>
+            <a:endParaRPr lang="en-US" sz="1481" dirty="0"/>
+          </a:p>
+        </p:txBody>
+      </p:sp>
+      <p:sp>
+        <p:nvSpPr>
+          <p:cNvPr id="8" name="Text 4"/>
           <p:cNvSpPr/>
           <p:nvPr/>
         </p:nvSpPr>
         <p:spPr>
           <a:xfrm>
-            <a:off x="1698328" y="4616847"/>
-            <a:ext cx="2746573" cy="1184672"/>
+            <a:off x="2672656" y="4613573"/>
+            <a:ext cx="2081609" cy="1204019"/>
           </a:xfrm>
           <a:prstGeom prst="rect">
             <a:avLst/>
@@ -5627,11 +5653,11 @@
           <a:p>
             <a:pPr>
               <a:lnSpc>
-                <a:spcPts val="2332"/>
+                <a:spcPts val="1896"/>
               </a:lnSpc>
             </a:pPr>
             <a:r>
-              <a:rPr lang="en-US" sz="1458" dirty="0">
+              <a:rPr lang="en-US" sz="1185" dirty="0">
                 <a:solidFill>
                   <a:srgbClr val="2C3249"/>
                 </a:solidFill>
@@ -5639,30 +5665,30 @@
                 <a:ea typeface="Martel Sans" pitchFamily="34" charset="-122"/>
                 <a:cs typeface="Martel Sans" pitchFamily="34" charset="-120"/>
               </a:rPr>
-              <a:t>El diseño web minimalista destaca por líneas limpias, tipografía audaz y paletas de colores frescos.</a:t>
-            </a:r>
-            <a:endParaRPr lang="en-US" sz="1458" dirty="0"/>
+              <a:t>Es crucial garantizar un alto contraste entre el texto y el fondo para facilitar la lectura a personas con discapacidad visual.</a:t>
+            </a:r>
+            <a:endParaRPr lang="en-US" sz="1185" dirty="0"/>
           </a:p>
         </p:txBody>
       </p:sp>
       <p:pic>
         <p:nvPicPr>
-          <p:cNvPr id="8" name="Image 1" descr="preencoded.png"/>
+          <p:cNvPr id="9" name="Image 2" descr="preencoded.png"/>
           <p:cNvPicPr>
             <a:picLocks noChangeAspect="1"/>
           </p:cNvPicPr>
           <p:nvPr/>
         </p:nvPicPr>
         <p:blipFill>
-          <a:blip r:embed="rId4"/>
+          <a:blip r:embed="rId5"/>
           <a:stretch>
             <a:fillRect/>
           </a:stretch>
         </p:blipFill>
         <p:spPr>
           <a:xfrm>
-            <a:off x="4722614" y="2287687"/>
-            <a:ext cx="2746673" cy="1697533"/>
+            <a:off x="4904681" y="3460750"/>
+            <a:ext cx="2382441" cy="601861"/>
           </a:xfrm>
           <a:prstGeom prst="rect">
             <a:avLst/>
@@ -5671,14 +5697,14 @@
       </p:pic>
       <p:sp>
         <p:nvSpPr>
-          <p:cNvPr id="9" name="Text 5"/>
+          <p:cNvPr id="10" name="Text 5"/>
           <p:cNvSpPr/>
           <p:nvPr/>
         </p:nvSpPr>
         <p:spPr>
           <a:xfrm>
-            <a:off x="4722614" y="4216598"/>
-            <a:ext cx="2555875" cy="289322"/>
+            <a:off x="5055096" y="4288234"/>
+            <a:ext cx="2081609" cy="470297"/>
           </a:xfrm>
           <a:prstGeom prst="rect">
             <a:avLst/>
@@ -5687,16 +5713,16 @@
           <a:ln/>
         </p:spPr>
         <p:txBody>
-          <a:bodyPr wrap="none" rtlCol="0" anchor="t"/>
+          <a:bodyPr wrap="square" rtlCol="0" anchor="t"/>
           <a:lstStyle/>
           <a:p>
             <a:pPr>
               <a:lnSpc>
-                <a:spcPts val="2278"/>
+                <a:spcPts val="1852"/>
               </a:lnSpc>
             </a:pPr>
             <a:r>
-              <a:rPr lang="en-US" sz="1822" dirty="0">
+              <a:rPr lang="en-US" sz="1481" dirty="0">
                 <a:solidFill>
                   <a:srgbClr val="2C3249"/>
                 </a:solidFill>
@@ -5704,22 +5730,22 @@
                 <a:ea typeface="Kanit" pitchFamily="34" charset="-122"/>
                 <a:cs typeface="Kanit" pitchFamily="34" charset="-120"/>
               </a:rPr>
-              <a:t>Animaciones Interactivas</a:t>
-            </a:r>
-            <a:endParaRPr lang="en-US" sz="1822" dirty="0"/>
-          </a:p>
-        </p:txBody>
-      </p:sp>
-      <p:sp>
-        <p:nvSpPr>
-          <p:cNvPr id="10" name="Text 6"/>
+              <a:t>Compatibilidad con lectores de pantalla</a:t>
+            </a:r>
+            <a:endParaRPr lang="en-US" sz="1481" dirty="0"/>
+          </a:p>
+        </p:txBody>
+      </p:sp>
+      <p:sp>
+        <p:nvSpPr>
+          <p:cNvPr id="11" name="Text 6"/>
           <p:cNvSpPr/>
           <p:nvPr/>
         </p:nvSpPr>
         <p:spPr>
           <a:xfrm>
-            <a:off x="4722614" y="4616946"/>
-            <a:ext cx="2746673" cy="1480840"/>
+            <a:off x="5055096" y="4848721"/>
+            <a:ext cx="2081609" cy="1444823"/>
           </a:xfrm>
           <a:prstGeom prst="rect">
             <a:avLst/>
@@ -5733,11 +5759,11 @@
           <a:p>
             <a:pPr>
               <a:lnSpc>
-                <a:spcPts val="2332"/>
+                <a:spcPts val="1896"/>
               </a:lnSpc>
             </a:pPr>
             <a:r>
-              <a:rPr lang="en-US" sz="1458" dirty="0">
+              <a:rPr lang="en-US" sz="1185" dirty="0">
                 <a:solidFill>
                   <a:srgbClr val="2C3249"/>
                 </a:solidFill>
@@ -5745,30 +5771,30 @@
                 <a:ea typeface="Martel Sans" pitchFamily="34" charset="-122"/>
                 <a:cs typeface="Martel Sans" pitchFamily="34" charset="-120"/>
               </a:rPr>
-              <a:t>Las animaciones web interactivas presentan movimientos dinámicos, colores vibrantes y transiciones fluidas.</a:t>
-            </a:r>
-            <a:endParaRPr lang="en-US" sz="1458" dirty="0"/>
+              <a:t>Utilizar etiquetas y atributos adecuados para que el contenido sea comprensible a través de lectores de pantalla para personas con discapacidad visual.</a:t>
+            </a:r>
+            <a:endParaRPr lang="en-US" sz="1185" dirty="0"/>
           </a:p>
         </p:txBody>
       </p:sp>
       <p:pic>
         <p:nvPicPr>
-          <p:cNvPr id="11" name="Image 2" descr="preencoded.png"/>
+          <p:cNvPr id="12" name="Image 3" descr="preencoded.png"/>
           <p:cNvPicPr>
             <a:picLocks noChangeAspect="1"/>
           </p:cNvPicPr>
           <p:nvPr/>
         </p:nvPicPr>
         <p:blipFill>
-          <a:blip r:embed="rId5"/>
+          <a:blip r:embed="rId6"/>
           <a:stretch>
             <a:fillRect/>
           </a:stretch>
         </p:blipFill>
         <p:spPr>
           <a:xfrm>
-            <a:off x="7747000" y="2287687"/>
-            <a:ext cx="2746673" cy="1697533"/>
+            <a:off x="7287121" y="3460750"/>
+            <a:ext cx="2382540" cy="601861"/>
           </a:xfrm>
           <a:prstGeom prst="rect">
             <a:avLst/>
@@ -5777,14 +5803,14 @@
       </p:pic>
       <p:sp>
         <p:nvSpPr>
-          <p:cNvPr id="12" name="Text 7"/>
+          <p:cNvPr id="13" name="Text 7"/>
           <p:cNvSpPr/>
           <p:nvPr/>
         </p:nvSpPr>
         <p:spPr>
           <a:xfrm>
-            <a:off x="7747000" y="4216598"/>
-            <a:ext cx="2691408" cy="289322"/>
+            <a:off x="7437537" y="4288234"/>
+            <a:ext cx="1975544" cy="235148"/>
           </a:xfrm>
           <a:prstGeom prst="rect">
             <a:avLst/>
@@ -5798,11 +5824,11 @@
           <a:p>
             <a:pPr>
               <a:lnSpc>
-                <a:spcPts val="2278"/>
+                <a:spcPts val="1852"/>
               </a:lnSpc>
             </a:pPr>
             <a:r>
-              <a:rPr lang="en-US" sz="1822" dirty="0">
+              <a:rPr lang="en-US" sz="1481" dirty="0">
                 <a:solidFill>
                   <a:srgbClr val="2C3249"/>
                 </a:solidFill>
@@ -5810,22 +5836,22 @@
                 <a:ea typeface="Kanit" pitchFamily="34" charset="-122"/>
                 <a:cs typeface="Kanit" pitchFamily="34" charset="-120"/>
               </a:rPr>
-              <a:t>Interfaces en Modo Oscuro</a:t>
-            </a:r>
-            <a:endParaRPr lang="en-US" sz="1822" dirty="0"/>
-          </a:p>
-        </p:txBody>
-      </p:sp>
-      <p:sp>
-        <p:nvSpPr>
-          <p:cNvPr id="13" name="Text 8"/>
+              <a:t>Facilidad de navegación</a:t>
+            </a:r>
+            <a:endParaRPr lang="en-US" sz="1481" dirty="0"/>
+          </a:p>
+        </p:txBody>
+      </p:sp>
+      <p:sp>
+        <p:nvSpPr>
+          <p:cNvPr id="14" name="Text 8"/>
           <p:cNvSpPr/>
           <p:nvPr/>
         </p:nvSpPr>
         <p:spPr>
           <a:xfrm>
-            <a:off x="7747000" y="4616946"/>
-            <a:ext cx="2746673" cy="1184672"/>
+            <a:off x="7437537" y="4613573"/>
+            <a:ext cx="2081708" cy="1444823"/>
           </a:xfrm>
           <a:prstGeom prst="rect">
             <a:avLst/>
@@ -5839,11 +5865,11 @@
           <a:p>
             <a:pPr>
               <a:lnSpc>
-                <a:spcPts val="2332"/>
+                <a:spcPts val="1896"/>
               </a:lnSpc>
             </a:pPr>
             <a:r>
-              <a:rPr lang="en-US" sz="1458" dirty="0">
+              <a:rPr lang="en-US" sz="1185" dirty="0">
                 <a:solidFill>
                   <a:srgbClr val="2C3249"/>
                 </a:solidFill>
@@ -5851,72 +5877,12 @@
                 <a:ea typeface="Martel Sans" pitchFamily="34" charset="-122"/>
                 <a:cs typeface="Martel Sans" pitchFamily="34" charset="-120"/>
               </a:rPr>
-              <a:t>Las interfaces web en modo oscuro ofrecen alto contraste, diseño elegante y reducción de la fatiga visual.</a:t>
-            </a:r>
-            <a:endParaRPr lang="en-US" sz="1458" dirty="0"/>
-          </a:p>
-        </p:txBody>
-      </p:sp>
-      <p:pic>
-        <p:nvPicPr>
-          <p:cNvPr id="14" name="Imagen 13">
-            <a:extLst>
-              <a:ext uri="{FF2B5EF4-FFF2-40B4-BE49-F238E27FC236}">
-                <a16:creationId xmlns:a16="http://schemas.microsoft.com/office/drawing/2014/main" id="{CA37A3EC-E57C-2A96-7970-4DFF0DA1D0F5}"/>
-              </a:ext>
-            </a:extLst>
-          </p:cNvPr>
-          <p:cNvPicPr>
-            <a:picLocks noChangeAspect="1"/>
-          </p:cNvPicPr>
-          <p:nvPr/>
-        </p:nvPicPr>
-        <p:blipFill>
-          <a:blip r:embed="rId6"/>
-          <a:stretch>
-            <a:fillRect/>
-          </a:stretch>
-        </p:blipFill>
-        <p:spPr>
-          <a:xfrm>
-            <a:off x="55066" y="0"/>
-            <a:ext cx="11896725" cy="676275"/>
-          </a:xfrm>
-          <a:prstGeom prst="rect">
-            <a:avLst/>
-          </a:prstGeom>
-        </p:spPr>
-      </p:pic>
-      <p:pic>
-        <p:nvPicPr>
-          <p:cNvPr id="15" name="Imagen 14">
-            <a:extLst>
-              <a:ext uri="{FF2B5EF4-FFF2-40B4-BE49-F238E27FC236}">
-                <a16:creationId xmlns:a16="http://schemas.microsoft.com/office/drawing/2014/main" id="{75DD987A-DA6E-36E1-E600-C5D305D4125B}"/>
-              </a:ext>
-            </a:extLst>
-          </p:cNvPr>
-          <p:cNvPicPr>
-            <a:picLocks noChangeAspect="1"/>
-          </p:cNvPicPr>
-          <p:nvPr/>
-        </p:nvPicPr>
-        <p:blipFill>
-          <a:blip r:embed="rId7"/>
-          <a:stretch>
-            <a:fillRect/>
-          </a:stretch>
-        </p:blipFill>
-        <p:spPr>
-          <a:xfrm>
-            <a:off x="0" y="6143625"/>
-            <a:ext cx="11087100" cy="714375"/>
-          </a:xfrm>
-          <a:prstGeom prst="rect">
-            <a:avLst/>
-          </a:prstGeom>
-        </p:spPr>
-      </p:pic>
+              <a:t>Crear una estructura clara y lógica de navegación que permita a los usuarios con discapacidades motoras recorrer el sitio web con facilidad.</a:t>
+            </a:r>
+            <a:endParaRPr lang="en-US" sz="1185" dirty="0"/>
+          </a:p>
+        </p:txBody>
+      </p:sp>
     </p:spTree>
   </p:cSld>
   <p:clrMapOvr>
@@ -5971,7 +5937,7 @@
         <p:spPr>
           <a:xfrm>
             <a:off x="0" y="0"/>
-            <a:ext cx="12192000" cy="6860183"/>
+            <a:ext cx="12192000" cy="6858000"/>
           </a:xfrm>
           <a:prstGeom prst="rect">
             <a:avLst/>
@@ -5990,8 +5956,8 @@
         </p:nvSpPr>
         <p:spPr>
           <a:xfrm>
-            <a:off x="2015629" y="686072"/>
-            <a:ext cx="7594699" cy="536873"/>
+            <a:off x="1698328" y="760115"/>
+            <a:ext cx="8795345" cy="1157288"/>
           </a:xfrm>
           <a:prstGeom prst="rect">
             <a:avLst/>
@@ -6000,16 +5966,16 @@
           <a:ln/>
         </p:spPr>
         <p:txBody>
-          <a:bodyPr wrap="none" rtlCol="0" anchor="t"/>
+          <a:bodyPr wrap="square" rtlCol="0" anchor="t"/>
           <a:lstStyle/>
           <a:p>
             <a:pPr>
               <a:lnSpc>
-                <a:spcPts val="4227"/>
+                <a:spcPts val="4556"/>
               </a:lnSpc>
             </a:pPr>
             <a:r>
-              <a:rPr lang="en-US" sz="3382" dirty="0">
+              <a:rPr lang="en-US" sz="3645" dirty="0">
                 <a:solidFill>
                   <a:srgbClr val="272D45"/>
                 </a:solidFill>
@@ -6017,49 +5983,46 @@
                 <a:ea typeface="Kanit" pitchFamily="34" charset="-122"/>
                 <a:cs typeface="Kanit" pitchFamily="34" charset="-120"/>
               </a:rPr>
-              <a:t>Retos y desafíos en la maquetación web</a:t>
-            </a:r>
-            <a:endParaRPr lang="en-US" sz="3382" dirty="0"/>
-          </a:p>
-        </p:txBody>
-      </p:sp>
-      <p:sp>
-        <p:nvSpPr>
-          <p:cNvPr id="5" name="Shape 3"/>
+              <a:t>Tendencias actuales en la maquetación web</a:t>
+            </a:r>
+            <a:endParaRPr lang="en-US" sz="3645" dirty="0"/>
+          </a:p>
+        </p:txBody>
+      </p:sp>
+      <p:pic>
+        <p:nvPicPr>
+          <p:cNvPr id="5" name="Image 0" descr="preencoded.png"/>
+          <p:cNvPicPr>
+            <a:picLocks noChangeAspect="1"/>
+          </p:cNvPicPr>
+          <p:nvPr/>
+        </p:nvPicPr>
+        <p:blipFill>
+          <a:blip r:embed="rId3"/>
+          <a:stretch>
+            <a:fillRect/>
+          </a:stretch>
+        </p:blipFill>
+        <p:spPr>
+          <a:xfrm>
+            <a:off x="1698328" y="2287687"/>
+            <a:ext cx="2746573" cy="1697434"/>
+          </a:xfrm>
+          <a:prstGeom prst="rect">
+            <a:avLst/>
+          </a:prstGeom>
+        </p:spPr>
+      </p:pic>
+      <p:sp>
+        <p:nvSpPr>
+          <p:cNvPr id="6" name="Text 3"/>
           <p:cNvSpPr/>
           <p:nvPr/>
         </p:nvSpPr>
         <p:spPr>
           <a:xfrm>
-            <a:off x="2015629" y="1352847"/>
-            <a:ext cx="1020068" cy="989807"/>
-          </a:xfrm>
-          <a:prstGeom prst="roundRect">
-            <a:avLst>
-              <a:gd name="adj" fmla="val 7811"/>
-            </a:avLst>
-          </a:prstGeom>
-          <a:solidFill>
-            <a:srgbClr val="DFECE9"/>
-          </a:solidFill>
-          <a:ln w="7620">
-            <a:solidFill>
-              <a:srgbClr val="C5D2CF"/>
-            </a:solidFill>
-            <a:prstDash val="solid"/>
-          </a:ln>
-        </p:spPr>
-      </p:sp>
-      <p:sp>
-        <p:nvSpPr>
-          <p:cNvPr id="6" name="Text 4"/>
-          <p:cNvSpPr/>
-          <p:nvPr/>
-        </p:nvSpPr>
-        <p:spPr>
-          <a:xfrm>
-            <a:off x="2193727" y="1676003"/>
-            <a:ext cx="65286" cy="343495"/>
+            <a:off x="1698328" y="4216499"/>
+            <a:ext cx="2314575" cy="289322"/>
           </a:xfrm>
           <a:prstGeom prst="rect">
             <a:avLst/>
@@ -6071,13 +6034,13 @@
           <a:bodyPr wrap="none" rtlCol="0" anchor="t"/>
           <a:lstStyle/>
           <a:p>
-            <a:pPr algn="ctr">
+            <a:pPr>
               <a:lnSpc>
-                <a:spcPts val="2706"/>
+                <a:spcPts val="2278"/>
               </a:lnSpc>
             </a:pPr>
             <a:r>
-              <a:rPr lang="en-US" sz="1691" dirty="0">
+              <a:rPr lang="en-US" sz="1822" dirty="0">
                 <a:solidFill>
                   <a:srgbClr val="2C3249"/>
                 </a:solidFill>
@@ -6085,22 +6048,22 @@
                 <a:ea typeface="Kanit" pitchFamily="34" charset="-122"/>
                 <a:cs typeface="Kanit" pitchFamily="34" charset="-120"/>
               </a:rPr>
-              <a:t>1</a:t>
-            </a:r>
-            <a:endParaRPr lang="en-US" sz="1691" dirty="0"/>
-          </a:p>
-        </p:txBody>
-      </p:sp>
-      <p:sp>
-        <p:nvSpPr>
-          <p:cNvPr id="7" name="Text 5"/>
+              <a:t>Diseño Minimalista</a:t>
+            </a:r>
+            <a:endParaRPr lang="en-US" sz="1822" dirty="0"/>
+          </a:p>
+        </p:txBody>
+      </p:sp>
+      <p:sp>
+        <p:nvSpPr>
+          <p:cNvPr id="7" name="Text 4"/>
           <p:cNvSpPr/>
           <p:nvPr/>
         </p:nvSpPr>
         <p:spPr>
           <a:xfrm>
-            <a:off x="3207444" y="1524595"/>
-            <a:ext cx="3956348" cy="268387"/>
+            <a:off x="1698328" y="4616847"/>
+            <a:ext cx="2746573" cy="1184672"/>
           </a:xfrm>
           <a:prstGeom prst="rect">
             <a:avLst/>
@@ -6109,16 +6072,81 @@
           <a:ln/>
         </p:spPr>
         <p:txBody>
-          <a:bodyPr wrap="none" rtlCol="0" anchor="t"/>
+          <a:bodyPr wrap="square" rtlCol="0" anchor="t"/>
           <a:lstStyle/>
           <a:p>
             <a:pPr>
               <a:lnSpc>
-                <a:spcPts val="2113"/>
+                <a:spcPts val="2332"/>
               </a:lnSpc>
             </a:pPr>
             <a:r>
-              <a:rPr lang="en-US" sz="1691" dirty="0">
+              <a:rPr lang="en-US" sz="1458" dirty="0">
+                <a:solidFill>
+                  <a:srgbClr val="2C3249"/>
+                </a:solidFill>
+                <a:latin typeface="Martel Sans" pitchFamily="34" charset="0"/>
+                <a:ea typeface="Martel Sans" pitchFamily="34" charset="-122"/>
+                <a:cs typeface="Martel Sans" pitchFamily="34" charset="-120"/>
+              </a:rPr>
+              <a:t>El diseño web minimalista destaca por líneas limpias, tipografía audaz y paletas de colores frescos.</a:t>
+            </a:r>
+            <a:endParaRPr lang="en-US" sz="1458" dirty="0"/>
+          </a:p>
+        </p:txBody>
+      </p:sp>
+      <p:pic>
+        <p:nvPicPr>
+          <p:cNvPr id="8" name="Image 1" descr="preencoded.png"/>
+          <p:cNvPicPr>
+            <a:picLocks noChangeAspect="1"/>
+          </p:cNvPicPr>
+          <p:nvPr/>
+        </p:nvPicPr>
+        <p:blipFill>
+          <a:blip r:embed="rId4"/>
+          <a:stretch>
+            <a:fillRect/>
+          </a:stretch>
+        </p:blipFill>
+        <p:spPr>
+          <a:xfrm>
+            <a:off x="4722614" y="2287687"/>
+            <a:ext cx="2746673" cy="1697533"/>
+          </a:xfrm>
+          <a:prstGeom prst="rect">
+            <a:avLst/>
+          </a:prstGeom>
+        </p:spPr>
+      </p:pic>
+      <p:sp>
+        <p:nvSpPr>
+          <p:cNvPr id="9" name="Text 5"/>
+          <p:cNvSpPr/>
+          <p:nvPr/>
+        </p:nvSpPr>
+        <p:spPr>
+          <a:xfrm>
+            <a:off x="4722614" y="4216598"/>
+            <a:ext cx="2555875" cy="289322"/>
+          </a:xfrm>
+          <a:prstGeom prst="rect">
+            <a:avLst/>
+          </a:prstGeom>
+          <a:noFill/>
+          <a:ln/>
+        </p:spPr>
+        <p:txBody>
+          <a:bodyPr wrap="none" rtlCol="0" anchor="t"/>
+          <a:lstStyle/>
+          <a:p>
+            <a:pPr>
+              <a:lnSpc>
+                <a:spcPts val="2278"/>
+              </a:lnSpc>
+            </a:pPr>
+            <a:r>
+              <a:rPr lang="en-US" sz="1822" dirty="0">
                 <a:solidFill>
                   <a:srgbClr val="2C3249"/>
                 </a:solidFill>
@@ -6126,22 +6154,22 @@
                 <a:ea typeface="Kanit" pitchFamily="34" charset="-122"/>
                 <a:cs typeface="Kanit" pitchFamily="34" charset="-120"/>
               </a:rPr>
-              <a:t>Compatibilidad con múltiples dispositivos</a:t>
-            </a:r>
-            <a:endParaRPr lang="en-US" sz="1691" dirty="0"/>
-          </a:p>
-        </p:txBody>
-      </p:sp>
-      <p:sp>
-        <p:nvSpPr>
-          <p:cNvPr id="8" name="Text 6"/>
+              <a:t>Animaciones Interactivas</a:t>
+            </a:r>
+            <a:endParaRPr lang="en-US" sz="1822" dirty="0"/>
+          </a:p>
+        </p:txBody>
+      </p:sp>
+      <p:sp>
+        <p:nvSpPr>
+          <p:cNvPr id="10" name="Text 6"/>
           <p:cNvSpPr/>
           <p:nvPr/>
         </p:nvSpPr>
         <p:spPr>
           <a:xfrm>
-            <a:off x="3207445" y="1895971"/>
-            <a:ext cx="4494014" cy="274935"/>
+            <a:off x="4722614" y="4616946"/>
+            <a:ext cx="2746673" cy="1480840"/>
           </a:xfrm>
           <a:prstGeom prst="rect">
             <a:avLst/>
@@ -6150,16 +6178,16 @@
           <a:ln/>
         </p:spPr>
         <p:txBody>
-          <a:bodyPr wrap="none" rtlCol="0" anchor="t"/>
+          <a:bodyPr wrap="square" rtlCol="0" anchor="t"/>
           <a:lstStyle/>
           <a:p>
             <a:pPr>
               <a:lnSpc>
-                <a:spcPts val="2164"/>
+                <a:spcPts val="2332"/>
               </a:lnSpc>
             </a:pPr>
             <a:r>
-              <a:rPr lang="en-US" sz="1352" dirty="0">
+              <a:rPr lang="en-US" sz="1458" dirty="0">
                 <a:solidFill>
                   <a:srgbClr val="2C3249"/>
                 </a:solidFill>
@@ -6167,71 +6195,46 @@
                 <a:ea typeface="Martel Sans" pitchFamily="34" charset="-122"/>
                 <a:cs typeface="Martel Sans" pitchFamily="34" charset="-120"/>
               </a:rPr>
-              <a:t>Adaptar el diseño a diferentes pantallas y navegadores.</a:t>
-            </a:r>
-            <a:endParaRPr lang="en-US" sz="1352" dirty="0"/>
-          </a:p>
-        </p:txBody>
-      </p:sp>
-      <p:sp>
-        <p:nvSpPr>
-          <p:cNvPr id="9" name="Shape 7"/>
+              <a:t>Las animaciones web interactivas presentan movimientos dinámicos, colores vibrantes y transiciones fluidas.</a:t>
+            </a:r>
+            <a:endParaRPr lang="en-US" sz="1458" dirty="0"/>
+          </a:p>
+        </p:txBody>
+      </p:sp>
+      <p:pic>
+        <p:nvPicPr>
+          <p:cNvPr id="11" name="Image 2" descr="preencoded.png"/>
+          <p:cNvPicPr>
+            <a:picLocks noChangeAspect="1"/>
+          </p:cNvPicPr>
+          <p:nvPr/>
+        </p:nvPicPr>
+        <p:blipFill>
+          <a:blip r:embed="rId5"/>
+          <a:stretch>
+            <a:fillRect/>
+          </a:stretch>
+        </p:blipFill>
+        <p:spPr>
+          <a:xfrm>
+            <a:off x="7747000" y="2287687"/>
+            <a:ext cx="2746673" cy="1697533"/>
+          </a:xfrm>
+          <a:prstGeom prst="rect">
+            <a:avLst/>
+          </a:prstGeom>
+        </p:spPr>
+      </p:pic>
+      <p:sp>
+        <p:nvSpPr>
+          <p:cNvPr id="12" name="Text 7"/>
           <p:cNvSpPr/>
           <p:nvPr/>
         </p:nvSpPr>
         <p:spPr>
           <a:xfrm>
-            <a:off x="3121521" y="2323257"/>
-            <a:ext cx="6968927" cy="17165"/>
-          </a:xfrm>
-          <a:prstGeom prst="roundRect">
-            <a:avLst>
-              <a:gd name="adj" fmla="val 450403"/>
-            </a:avLst>
-          </a:prstGeom>
-          <a:solidFill>
-            <a:srgbClr val="C5D2CF"/>
-          </a:solidFill>
-          <a:ln/>
-        </p:spPr>
-      </p:sp>
-      <p:sp>
-        <p:nvSpPr>
-          <p:cNvPr id="10" name="Shape 8"/>
-          <p:cNvSpPr/>
-          <p:nvPr/>
-        </p:nvSpPr>
-        <p:spPr>
-          <a:xfrm>
-            <a:off x="2015630" y="2428478"/>
-            <a:ext cx="2040136" cy="989807"/>
-          </a:xfrm>
-          <a:prstGeom prst="roundRect">
-            <a:avLst>
-              <a:gd name="adj" fmla="val 7811"/>
-            </a:avLst>
-          </a:prstGeom>
-          <a:solidFill>
-            <a:srgbClr val="DFECE9"/>
-          </a:solidFill>
-          <a:ln w="7620">
-            <a:solidFill>
-              <a:srgbClr val="C5D2CF"/>
-            </a:solidFill>
-            <a:prstDash val="solid"/>
-          </a:ln>
-        </p:spPr>
-      </p:sp>
-      <p:sp>
-        <p:nvSpPr>
-          <p:cNvPr id="11" name="Text 9"/>
-          <p:cNvSpPr/>
-          <p:nvPr/>
-        </p:nvSpPr>
-        <p:spPr>
-          <a:xfrm>
-            <a:off x="2193727" y="2751633"/>
-            <a:ext cx="108644" cy="343495"/>
+            <a:off x="7747000" y="4216598"/>
+            <a:ext cx="2691408" cy="289322"/>
           </a:xfrm>
           <a:prstGeom prst="rect">
             <a:avLst/>
@@ -6243,13 +6246,13 @@
           <a:bodyPr wrap="none" rtlCol="0" anchor="t"/>
           <a:lstStyle/>
           <a:p>
-            <a:pPr algn="ctr">
+            <a:pPr>
               <a:lnSpc>
-                <a:spcPts val="2706"/>
+                <a:spcPts val="2278"/>
               </a:lnSpc>
             </a:pPr>
             <a:r>
-              <a:rPr lang="en-US" sz="1691" dirty="0">
+              <a:rPr lang="en-US" sz="1822" dirty="0">
                 <a:solidFill>
                   <a:srgbClr val="2C3249"/>
                 </a:solidFill>
@@ -6257,22 +6260,22 @@
                 <a:ea typeface="Kanit" pitchFamily="34" charset="-122"/>
                 <a:cs typeface="Kanit" pitchFamily="34" charset="-120"/>
               </a:rPr>
-              <a:t>2</a:t>
-            </a:r>
-            <a:endParaRPr lang="en-US" sz="1691" dirty="0"/>
-          </a:p>
-        </p:txBody>
-      </p:sp>
-      <p:sp>
-        <p:nvSpPr>
-          <p:cNvPr id="12" name="Text 10"/>
+              <a:t>Interfaces en Modo Oscuro</a:t>
+            </a:r>
+            <a:endParaRPr lang="en-US" sz="1822" dirty="0"/>
+          </a:p>
+        </p:txBody>
+      </p:sp>
+      <p:sp>
+        <p:nvSpPr>
+          <p:cNvPr id="13" name="Text 8"/>
           <p:cNvSpPr/>
           <p:nvPr/>
         </p:nvSpPr>
         <p:spPr>
           <a:xfrm>
-            <a:off x="4227513" y="2600226"/>
-            <a:ext cx="2147491" cy="268387"/>
+            <a:off x="7747000" y="4616946"/>
+            <a:ext cx="2746673" cy="1184672"/>
           </a:xfrm>
           <a:prstGeom prst="rect">
             <a:avLst/>
@@ -6281,57 +6284,16 @@
           <a:ln/>
         </p:spPr>
         <p:txBody>
-          <a:bodyPr wrap="none" rtlCol="0" anchor="t"/>
+          <a:bodyPr wrap="square" rtlCol="0" anchor="t"/>
           <a:lstStyle/>
           <a:p>
             <a:pPr>
               <a:lnSpc>
-                <a:spcPts val="2113"/>
+                <a:spcPts val="2332"/>
               </a:lnSpc>
             </a:pPr>
             <a:r>
-              <a:rPr lang="en-US" sz="1691" dirty="0">
-                <a:solidFill>
-                  <a:srgbClr val="2C3249"/>
-                </a:solidFill>
-                <a:latin typeface="Kanit" pitchFamily="34" charset="0"/>
-                <a:ea typeface="Kanit" pitchFamily="34" charset="-122"/>
-                <a:cs typeface="Kanit" pitchFamily="34" charset="-120"/>
-              </a:rPr>
-              <a:t>Velocidad de carga</a:t>
-            </a:r>
-            <a:endParaRPr lang="en-US" sz="1691" dirty="0"/>
-          </a:p>
-        </p:txBody>
-      </p:sp>
-      <p:sp>
-        <p:nvSpPr>
-          <p:cNvPr id="13" name="Text 11"/>
-          <p:cNvSpPr/>
-          <p:nvPr/>
-        </p:nvSpPr>
-        <p:spPr>
-          <a:xfrm>
-            <a:off x="4227512" y="2971602"/>
-            <a:ext cx="4601667" cy="274935"/>
-          </a:xfrm>
-          <a:prstGeom prst="rect">
-            <a:avLst/>
-          </a:prstGeom>
-          <a:noFill/>
-          <a:ln/>
-        </p:spPr>
-        <p:txBody>
-          <a:bodyPr wrap="none" rtlCol="0" anchor="t"/>
-          <a:lstStyle/>
-          <a:p>
-            <a:pPr>
-              <a:lnSpc>
-                <a:spcPts val="2164"/>
-              </a:lnSpc>
-            </a:pPr>
-            <a:r>
-              <a:rPr lang="en-US" sz="1352" dirty="0">
+              <a:rPr lang="en-US" sz="1458" dirty="0">
                 <a:solidFill>
                   <a:srgbClr val="2C3249"/>
                 </a:solidFill>
@@ -6339,362 +6301,18 @@
                 <a:ea typeface="Martel Sans" pitchFamily="34" charset="-122"/>
                 <a:cs typeface="Martel Sans" pitchFamily="34" charset="-120"/>
               </a:rPr>
-              <a:t>Optimizar el rendimiento para tiempos de carga rápidos.</a:t>
-            </a:r>
-            <a:endParaRPr lang="en-US" sz="1352" dirty="0"/>
-          </a:p>
-        </p:txBody>
-      </p:sp>
-      <p:sp>
-        <p:nvSpPr>
-          <p:cNvPr id="14" name="Shape 12"/>
-          <p:cNvSpPr/>
-          <p:nvPr/>
-        </p:nvSpPr>
-        <p:spPr>
-          <a:xfrm>
-            <a:off x="4141589" y="3398888"/>
-            <a:ext cx="5948858" cy="17165"/>
-          </a:xfrm>
-          <a:prstGeom prst="roundRect">
-            <a:avLst>
-              <a:gd name="adj" fmla="val 450403"/>
-            </a:avLst>
-          </a:prstGeom>
-          <a:solidFill>
-            <a:srgbClr val="C5D2CF"/>
-          </a:solidFill>
-          <a:ln/>
-        </p:spPr>
-      </p:sp>
-      <p:sp>
-        <p:nvSpPr>
-          <p:cNvPr id="15" name="Shape 13"/>
-          <p:cNvSpPr/>
-          <p:nvPr/>
-        </p:nvSpPr>
-        <p:spPr>
-          <a:xfrm>
-            <a:off x="2015630" y="3504108"/>
-            <a:ext cx="3060204" cy="1264742"/>
-          </a:xfrm>
-          <a:prstGeom prst="roundRect">
-            <a:avLst>
-              <a:gd name="adj" fmla="val 6113"/>
-            </a:avLst>
-          </a:prstGeom>
-          <a:solidFill>
-            <a:srgbClr val="DFECE9"/>
-          </a:solidFill>
-          <a:ln w="7620">
-            <a:solidFill>
-              <a:srgbClr val="C5D2CF"/>
-            </a:solidFill>
-            <a:prstDash val="solid"/>
-          </a:ln>
-        </p:spPr>
-      </p:sp>
-      <p:sp>
-        <p:nvSpPr>
-          <p:cNvPr id="16" name="Text 14"/>
-          <p:cNvSpPr/>
-          <p:nvPr/>
-        </p:nvSpPr>
-        <p:spPr>
-          <a:xfrm>
-            <a:off x="2193727" y="3964682"/>
-            <a:ext cx="110332" cy="343495"/>
-          </a:xfrm>
-          <a:prstGeom prst="rect">
-            <a:avLst/>
-          </a:prstGeom>
-          <a:noFill/>
-          <a:ln/>
-        </p:spPr>
-        <p:txBody>
-          <a:bodyPr wrap="none" rtlCol="0" anchor="t"/>
-          <a:lstStyle/>
-          <a:p>
-            <a:pPr algn="ctr">
-              <a:lnSpc>
-                <a:spcPts val="2706"/>
-              </a:lnSpc>
-            </a:pPr>
-            <a:r>
-              <a:rPr lang="en-US" sz="1691" dirty="0">
-                <a:solidFill>
-                  <a:srgbClr val="2C3249"/>
-                </a:solidFill>
-                <a:latin typeface="Kanit" pitchFamily="34" charset="0"/>
-                <a:ea typeface="Kanit" pitchFamily="34" charset="-122"/>
-                <a:cs typeface="Kanit" pitchFamily="34" charset="-120"/>
-              </a:rPr>
-              <a:t>3</a:t>
-            </a:r>
-            <a:endParaRPr lang="en-US" sz="1691" dirty="0"/>
-          </a:p>
-        </p:txBody>
-      </p:sp>
-      <p:sp>
-        <p:nvSpPr>
-          <p:cNvPr id="17" name="Text 15"/>
-          <p:cNvSpPr/>
-          <p:nvPr/>
-        </p:nvSpPr>
-        <p:spPr>
-          <a:xfrm>
-            <a:off x="5247581" y="3675857"/>
-            <a:ext cx="2147491" cy="268387"/>
-          </a:xfrm>
-          <a:prstGeom prst="rect">
-            <a:avLst/>
-          </a:prstGeom>
-          <a:noFill/>
-          <a:ln/>
-        </p:spPr>
-        <p:txBody>
-          <a:bodyPr wrap="none" rtlCol="0" anchor="t"/>
-          <a:lstStyle/>
-          <a:p>
-            <a:pPr>
-              <a:lnSpc>
-                <a:spcPts val="2113"/>
-              </a:lnSpc>
-            </a:pPr>
-            <a:r>
-              <a:rPr lang="en-US" sz="1691" dirty="0">
-                <a:solidFill>
-                  <a:srgbClr val="2C3249"/>
-                </a:solidFill>
-                <a:latin typeface="Kanit" pitchFamily="34" charset="0"/>
-                <a:ea typeface="Kanit" pitchFamily="34" charset="-122"/>
-                <a:cs typeface="Kanit" pitchFamily="34" charset="-120"/>
-              </a:rPr>
-              <a:t>Consistencia visual</a:t>
-            </a:r>
-            <a:endParaRPr lang="en-US" sz="1691" dirty="0"/>
-          </a:p>
-        </p:txBody>
-      </p:sp>
-      <p:sp>
-        <p:nvSpPr>
-          <p:cNvPr id="18" name="Text 16"/>
-          <p:cNvSpPr/>
-          <p:nvPr/>
-        </p:nvSpPr>
-        <p:spPr>
-          <a:xfrm>
-            <a:off x="5247581" y="4047232"/>
-            <a:ext cx="4756944" cy="549870"/>
-          </a:xfrm>
-          <a:prstGeom prst="rect">
-            <a:avLst/>
-          </a:prstGeom>
-          <a:noFill/>
-          <a:ln/>
-        </p:spPr>
-        <p:txBody>
-          <a:bodyPr wrap="square" rtlCol="0" anchor="t"/>
-          <a:lstStyle/>
-          <a:p>
-            <a:pPr>
-              <a:lnSpc>
-                <a:spcPts val="2164"/>
-              </a:lnSpc>
-            </a:pPr>
-            <a:r>
-              <a:rPr lang="en-US" sz="1352" dirty="0">
-                <a:solidFill>
-                  <a:srgbClr val="2C3249"/>
-                </a:solidFill>
-                <a:latin typeface="Martel Sans" pitchFamily="34" charset="0"/>
-                <a:ea typeface="Martel Sans" pitchFamily="34" charset="-122"/>
-                <a:cs typeface="Martel Sans" pitchFamily="34" charset="-120"/>
-              </a:rPr>
-              <a:t>Mantener la coherencia en diferentes entornos de visualización.</a:t>
-            </a:r>
-            <a:endParaRPr lang="en-US" sz="1352" dirty="0"/>
-          </a:p>
-        </p:txBody>
-      </p:sp>
-      <p:sp>
-        <p:nvSpPr>
-          <p:cNvPr id="19" name="Shape 17"/>
-          <p:cNvSpPr/>
-          <p:nvPr/>
-        </p:nvSpPr>
-        <p:spPr>
-          <a:xfrm>
-            <a:off x="5161657" y="4749453"/>
-            <a:ext cx="4928791" cy="17165"/>
-          </a:xfrm>
-          <a:prstGeom prst="roundRect">
-            <a:avLst>
-              <a:gd name="adj" fmla="val 450403"/>
-            </a:avLst>
-          </a:prstGeom>
-          <a:solidFill>
-            <a:srgbClr val="C5D2CF"/>
-          </a:solidFill>
-          <a:ln/>
-        </p:spPr>
-      </p:sp>
-      <p:sp>
-        <p:nvSpPr>
-          <p:cNvPr id="20" name="Shape 18"/>
-          <p:cNvSpPr/>
-          <p:nvPr/>
-        </p:nvSpPr>
-        <p:spPr>
-          <a:xfrm>
-            <a:off x="2015629" y="4854674"/>
-            <a:ext cx="4080272" cy="1533128"/>
-          </a:xfrm>
-          <a:prstGeom prst="roundRect">
-            <a:avLst>
-              <a:gd name="adj" fmla="val 5043"/>
-            </a:avLst>
-          </a:prstGeom>
-          <a:solidFill>
-            <a:srgbClr val="DFECE9"/>
-          </a:solidFill>
-          <a:ln w="7620">
-            <a:solidFill>
-              <a:srgbClr val="C5D2CF"/>
-            </a:solidFill>
-            <a:prstDash val="solid"/>
-          </a:ln>
-        </p:spPr>
-      </p:sp>
-      <p:sp>
-        <p:nvSpPr>
-          <p:cNvPr id="21" name="Text 19"/>
-          <p:cNvSpPr/>
-          <p:nvPr/>
-        </p:nvSpPr>
-        <p:spPr>
-          <a:xfrm>
-            <a:off x="2193727" y="5449491"/>
-            <a:ext cx="116185" cy="343495"/>
-          </a:xfrm>
-          <a:prstGeom prst="rect">
-            <a:avLst/>
-          </a:prstGeom>
-          <a:noFill/>
-          <a:ln/>
-        </p:spPr>
-        <p:txBody>
-          <a:bodyPr wrap="none" rtlCol="0" anchor="t"/>
-          <a:lstStyle/>
-          <a:p>
-            <a:pPr algn="ctr">
-              <a:lnSpc>
-                <a:spcPts val="2706"/>
-              </a:lnSpc>
-            </a:pPr>
-            <a:r>
-              <a:rPr lang="en-US" sz="1691" dirty="0">
-                <a:solidFill>
-                  <a:srgbClr val="2C3249"/>
-                </a:solidFill>
-                <a:latin typeface="Kanit" pitchFamily="34" charset="0"/>
-                <a:ea typeface="Kanit" pitchFamily="34" charset="-122"/>
-                <a:cs typeface="Kanit" pitchFamily="34" charset="-120"/>
-              </a:rPr>
-              <a:t>4</a:t>
-            </a:r>
-            <a:endParaRPr lang="en-US" sz="1691" dirty="0"/>
-          </a:p>
-        </p:txBody>
-      </p:sp>
-      <p:sp>
-        <p:nvSpPr>
-          <p:cNvPr id="22" name="Text 20"/>
-          <p:cNvSpPr/>
-          <p:nvPr/>
-        </p:nvSpPr>
-        <p:spPr>
-          <a:xfrm>
-            <a:off x="6267649" y="5026422"/>
-            <a:ext cx="3736876" cy="536773"/>
-          </a:xfrm>
-          <a:prstGeom prst="rect">
-            <a:avLst/>
-          </a:prstGeom>
-          <a:noFill/>
-          <a:ln/>
-        </p:spPr>
-        <p:txBody>
-          <a:bodyPr wrap="square" rtlCol="0" anchor="t"/>
-          <a:lstStyle/>
-          <a:p>
-            <a:pPr>
-              <a:lnSpc>
-                <a:spcPts val="2113"/>
-              </a:lnSpc>
-            </a:pPr>
-            <a:r>
-              <a:rPr lang="en-US" sz="1691" dirty="0">
-                <a:solidFill>
-                  <a:srgbClr val="2C3249"/>
-                </a:solidFill>
-                <a:latin typeface="Kanit" pitchFamily="34" charset="0"/>
-                <a:ea typeface="Kanit" pitchFamily="34" charset="-122"/>
-                <a:cs typeface="Kanit" pitchFamily="34" charset="-120"/>
-              </a:rPr>
-              <a:t>Interoperabilidad con navegadores antiguos</a:t>
-            </a:r>
-            <a:endParaRPr lang="en-US" sz="1691" dirty="0"/>
-          </a:p>
-        </p:txBody>
-      </p:sp>
-      <p:sp>
-        <p:nvSpPr>
-          <p:cNvPr id="23" name="Text 21"/>
-          <p:cNvSpPr/>
-          <p:nvPr/>
-        </p:nvSpPr>
-        <p:spPr>
-          <a:xfrm>
-            <a:off x="6267649" y="5666184"/>
-            <a:ext cx="3736876" cy="549870"/>
-          </a:xfrm>
-          <a:prstGeom prst="rect">
-            <a:avLst/>
-          </a:prstGeom>
-          <a:noFill/>
-          <a:ln/>
-        </p:spPr>
-        <p:txBody>
-          <a:bodyPr wrap="square" rtlCol="0" anchor="t"/>
-          <a:lstStyle/>
-          <a:p>
-            <a:pPr>
-              <a:lnSpc>
-                <a:spcPts val="2164"/>
-              </a:lnSpc>
-            </a:pPr>
-            <a:r>
-              <a:rPr lang="en-US" sz="1352" dirty="0">
-                <a:solidFill>
-                  <a:srgbClr val="2C3249"/>
-                </a:solidFill>
-                <a:latin typeface="Martel Sans" pitchFamily="34" charset="0"/>
-                <a:ea typeface="Martel Sans" pitchFamily="34" charset="-122"/>
-                <a:cs typeface="Martel Sans" pitchFamily="34" charset="-120"/>
-              </a:rPr>
-              <a:t>Garantizar que la maquetación sea compatible con navegadores obsoletos.</a:t>
-            </a:r>
-            <a:endParaRPr lang="en-US" sz="1352" dirty="0"/>
+              <a:t>Las interfaces web en modo oscuro ofrecen alto contraste, diseño elegante y reducción de la fatiga visual.</a:t>
+            </a:r>
+            <a:endParaRPr lang="en-US" sz="1458" dirty="0"/>
           </a:p>
         </p:txBody>
       </p:sp>
       <p:pic>
         <p:nvPicPr>
-          <p:cNvPr id="24" name="Imagen 23">
+          <p:cNvPr id="14" name="Imagen 13">
             <a:extLst>
               <a:ext uri="{FF2B5EF4-FFF2-40B4-BE49-F238E27FC236}">
-                <a16:creationId xmlns:a16="http://schemas.microsoft.com/office/drawing/2014/main" id="{86E2097A-E903-994C-B8D2-5642987EA2AD}"/>
+                <a16:creationId xmlns:a16="http://schemas.microsoft.com/office/drawing/2014/main" id="{CA37A3EC-E57C-2A96-7970-4DFF0DA1D0F5}"/>
               </a:ext>
             </a:extLst>
           </p:cNvPr>
@@ -6704,7 +6322,7 @@
           <p:nvPr/>
         </p:nvPicPr>
         <p:blipFill>
-          <a:blip r:embed="rId3"/>
+          <a:blip r:embed="rId6"/>
           <a:stretch>
             <a:fillRect/>
           </a:stretch>
@@ -6713,6 +6331,36 @@
           <a:xfrm>
             <a:off x="55066" y="0"/>
             <a:ext cx="11896725" cy="676275"/>
+          </a:xfrm>
+          <a:prstGeom prst="rect">
+            <a:avLst/>
+          </a:prstGeom>
+        </p:spPr>
+      </p:pic>
+      <p:pic>
+        <p:nvPicPr>
+          <p:cNvPr id="15" name="Imagen 14">
+            <a:extLst>
+              <a:ext uri="{FF2B5EF4-FFF2-40B4-BE49-F238E27FC236}">
+                <a16:creationId xmlns:a16="http://schemas.microsoft.com/office/drawing/2014/main" id="{75DD987A-DA6E-36E1-E600-C5D305D4125B}"/>
+              </a:ext>
+            </a:extLst>
+          </p:cNvPr>
+          <p:cNvPicPr>
+            <a:picLocks noChangeAspect="1"/>
+          </p:cNvPicPr>
+          <p:nvPr/>
+        </p:nvPicPr>
+        <p:blipFill>
+          <a:blip r:embed="rId7"/>
+          <a:stretch>
+            <a:fillRect/>
+          </a:stretch>
+        </p:blipFill>
+        <p:spPr>
+          <a:xfrm>
+            <a:off x="0" y="6143625"/>
+            <a:ext cx="11087100" cy="714375"/>
           </a:xfrm>
           <a:prstGeom prst="rect">
             <a:avLst/>
@@ -6773,6 +6421,808 @@
         <p:spPr>
           <a:xfrm>
             <a:off x="0" y="0"/>
+            <a:ext cx="12192000" cy="6860183"/>
+          </a:xfrm>
+          <a:prstGeom prst="rect">
+            <a:avLst/>
+          </a:prstGeom>
+          <a:solidFill>
+            <a:srgbClr val="FFFFFF"/>
+          </a:solidFill>
+          <a:ln/>
+        </p:spPr>
+      </p:sp>
+      <p:sp>
+        <p:nvSpPr>
+          <p:cNvPr id="4" name="Text 2"/>
+          <p:cNvSpPr/>
+          <p:nvPr/>
+        </p:nvSpPr>
+        <p:spPr>
+          <a:xfrm>
+            <a:off x="2015629" y="686072"/>
+            <a:ext cx="7594699" cy="536873"/>
+          </a:xfrm>
+          <a:prstGeom prst="rect">
+            <a:avLst/>
+          </a:prstGeom>
+          <a:noFill/>
+          <a:ln/>
+        </p:spPr>
+        <p:txBody>
+          <a:bodyPr wrap="none" rtlCol="0" anchor="t"/>
+          <a:lstStyle/>
+          <a:p>
+            <a:pPr>
+              <a:lnSpc>
+                <a:spcPts val="4227"/>
+              </a:lnSpc>
+            </a:pPr>
+            <a:r>
+              <a:rPr lang="en-US" sz="3382" dirty="0">
+                <a:solidFill>
+                  <a:srgbClr val="272D45"/>
+                </a:solidFill>
+                <a:latin typeface="Kanit" pitchFamily="34" charset="0"/>
+                <a:ea typeface="Kanit" pitchFamily="34" charset="-122"/>
+                <a:cs typeface="Kanit" pitchFamily="34" charset="-120"/>
+              </a:rPr>
+              <a:t>Retos y desafíos en la maquetación web</a:t>
+            </a:r>
+            <a:endParaRPr lang="en-US" sz="3382" dirty="0"/>
+          </a:p>
+        </p:txBody>
+      </p:sp>
+      <p:sp>
+        <p:nvSpPr>
+          <p:cNvPr id="5" name="Shape 3"/>
+          <p:cNvSpPr/>
+          <p:nvPr/>
+        </p:nvSpPr>
+        <p:spPr>
+          <a:xfrm>
+            <a:off x="2015629" y="1352847"/>
+            <a:ext cx="1020068" cy="989807"/>
+          </a:xfrm>
+          <a:prstGeom prst="roundRect">
+            <a:avLst>
+              <a:gd name="adj" fmla="val 7811"/>
+            </a:avLst>
+          </a:prstGeom>
+          <a:solidFill>
+            <a:srgbClr val="DFECE9"/>
+          </a:solidFill>
+          <a:ln w="7620">
+            <a:solidFill>
+              <a:srgbClr val="C5D2CF"/>
+            </a:solidFill>
+            <a:prstDash val="solid"/>
+          </a:ln>
+        </p:spPr>
+      </p:sp>
+      <p:sp>
+        <p:nvSpPr>
+          <p:cNvPr id="6" name="Text 4"/>
+          <p:cNvSpPr/>
+          <p:nvPr/>
+        </p:nvSpPr>
+        <p:spPr>
+          <a:xfrm>
+            <a:off x="2193727" y="1676003"/>
+            <a:ext cx="65286" cy="343495"/>
+          </a:xfrm>
+          <a:prstGeom prst="rect">
+            <a:avLst/>
+          </a:prstGeom>
+          <a:noFill/>
+          <a:ln/>
+        </p:spPr>
+        <p:txBody>
+          <a:bodyPr wrap="none" rtlCol="0" anchor="t"/>
+          <a:lstStyle/>
+          <a:p>
+            <a:pPr algn="ctr">
+              <a:lnSpc>
+                <a:spcPts val="2706"/>
+              </a:lnSpc>
+            </a:pPr>
+            <a:r>
+              <a:rPr lang="en-US" sz="1691" dirty="0">
+                <a:solidFill>
+                  <a:srgbClr val="2C3249"/>
+                </a:solidFill>
+                <a:latin typeface="Kanit" pitchFamily="34" charset="0"/>
+                <a:ea typeface="Kanit" pitchFamily="34" charset="-122"/>
+                <a:cs typeface="Kanit" pitchFamily="34" charset="-120"/>
+              </a:rPr>
+              <a:t>1</a:t>
+            </a:r>
+            <a:endParaRPr lang="en-US" sz="1691" dirty="0"/>
+          </a:p>
+        </p:txBody>
+      </p:sp>
+      <p:sp>
+        <p:nvSpPr>
+          <p:cNvPr id="7" name="Text 5"/>
+          <p:cNvSpPr/>
+          <p:nvPr/>
+        </p:nvSpPr>
+        <p:spPr>
+          <a:xfrm>
+            <a:off x="3207444" y="1524595"/>
+            <a:ext cx="3956348" cy="268387"/>
+          </a:xfrm>
+          <a:prstGeom prst="rect">
+            <a:avLst/>
+          </a:prstGeom>
+          <a:noFill/>
+          <a:ln/>
+        </p:spPr>
+        <p:txBody>
+          <a:bodyPr wrap="none" rtlCol="0" anchor="t"/>
+          <a:lstStyle/>
+          <a:p>
+            <a:pPr>
+              <a:lnSpc>
+                <a:spcPts val="2113"/>
+              </a:lnSpc>
+            </a:pPr>
+            <a:r>
+              <a:rPr lang="en-US" sz="1691" dirty="0">
+                <a:solidFill>
+                  <a:srgbClr val="2C3249"/>
+                </a:solidFill>
+                <a:latin typeface="Kanit" pitchFamily="34" charset="0"/>
+                <a:ea typeface="Kanit" pitchFamily="34" charset="-122"/>
+                <a:cs typeface="Kanit" pitchFamily="34" charset="-120"/>
+              </a:rPr>
+              <a:t>Compatibilidad con múltiples dispositivos</a:t>
+            </a:r>
+            <a:endParaRPr lang="en-US" sz="1691" dirty="0"/>
+          </a:p>
+        </p:txBody>
+      </p:sp>
+      <p:sp>
+        <p:nvSpPr>
+          <p:cNvPr id="8" name="Text 6"/>
+          <p:cNvSpPr/>
+          <p:nvPr/>
+        </p:nvSpPr>
+        <p:spPr>
+          <a:xfrm>
+            <a:off x="3207445" y="1895971"/>
+            <a:ext cx="4494014" cy="274935"/>
+          </a:xfrm>
+          <a:prstGeom prst="rect">
+            <a:avLst/>
+          </a:prstGeom>
+          <a:noFill/>
+          <a:ln/>
+        </p:spPr>
+        <p:txBody>
+          <a:bodyPr wrap="none" rtlCol="0" anchor="t"/>
+          <a:lstStyle/>
+          <a:p>
+            <a:pPr>
+              <a:lnSpc>
+                <a:spcPts val="2164"/>
+              </a:lnSpc>
+            </a:pPr>
+            <a:r>
+              <a:rPr lang="en-US" sz="1352" dirty="0">
+                <a:solidFill>
+                  <a:srgbClr val="2C3249"/>
+                </a:solidFill>
+                <a:latin typeface="Martel Sans" pitchFamily="34" charset="0"/>
+                <a:ea typeface="Martel Sans" pitchFamily="34" charset="-122"/>
+                <a:cs typeface="Martel Sans" pitchFamily="34" charset="-120"/>
+              </a:rPr>
+              <a:t>Adaptar el diseño a diferentes pantallas y navegadores.</a:t>
+            </a:r>
+            <a:endParaRPr lang="en-US" sz="1352" dirty="0"/>
+          </a:p>
+        </p:txBody>
+      </p:sp>
+      <p:sp>
+        <p:nvSpPr>
+          <p:cNvPr id="9" name="Shape 7"/>
+          <p:cNvSpPr/>
+          <p:nvPr/>
+        </p:nvSpPr>
+        <p:spPr>
+          <a:xfrm>
+            <a:off x="3121521" y="2323257"/>
+            <a:ext cx="6968927" cy="17165"/>
+          </a:xfrm>
+          <a:prstGeom prst="roundRect">
+            <a:avLst>
+              <a:gd name="adj" fmla="val 450403"/>
+            </a:avLst>
+          </a:prstGeom>
+          <a:solidFill>
+            <a:srgbClr val="C5D2CF"/>
+          </a:solidFill>
+          <a:ln/>
+        </p:spPr>
+      </p:sp>
+      <p:sp>
+        <p:nvSpPr>
+          <p:cNvPr id="10" name="Shape 8"/>
+          <p:cNvSpPr/>
+          <p:nvPr/>
+        </p:nvSpPr>
+        <p:spPr>
+          <a:xfrm>
+            <a:off x="2015630" y="2428478"/>
+            <a:ext cx="2040136" cy="989807"/>
+          </a:xfrm>
+          <a:prstGeom prst="roundRect">
+            <a:avLst>
+              <a:gd name="adj" fmla="val 7811"/>
+            </a:avLst>
+          </a:prstGeom>
+          <a:solidFill>
+            <a:srgbClr val="DFECE9"/>
+          </a:solidFill>
+          <a:ln w="7620">
+            <a:solidFill>
+              <a:srgbClr val="C5D2CF"/>
+            </a:solidFill>
+            <a:prstDash val="solid"/>
+          </a:ln>
+        </p:spPr>
+      </p:sp>
+      <p:sp>
+        <p:nvSpPr>
+          <p:cNvPr id="11" name="Text 9"/>
+          <p:cNvSpPr/>
+          <p:nvPr/>
+        </p:nvSpPr>
+        <p:spPr>
+          <a:xfrm>
+            <a:off x="2193727" y="2751633"/>
+            <a:ext cx="108644" cy="343495"/>
+          </a:xfrm>
+          <a:prstGeom prst="rect">
+            <a:avLst/>
+          </a:prstGeom>
+          <a:noFill/>
+          <a:ln/>
+        </p:spPr>
+        <p:txBody>
+          <a:bodyPr wrap="none" rtlCol="0" anchor="t"/>
+          <a:lstStyle/>
+          <a:p>
+            <a:pPr algn="ctr">
+              <a:lnSpc>
+                <a:spcPts val="2706"/>
+              </a:lnSpc>
+            </a:pPr>
+            <a:r>
+              <a:rPr lang="en-US" sz="1691" dirty="0">
+                <a:solidFill>
+                  <a:srgbClr val="2C3249"/>
+                </a:solidFill>
+                <a:latin typeface="Kanit" pitchFamily="34" charset="0"/>
+                <a:ea typeface="Kanit" pitchFamily="34" charset="-122"/>
+                <a:cs typeface="Kanit" pitchFamily="34" charset="-120"/>
+              </a:rPr>
+              <a:t>2</a:t>
+            </a:r>
+            <a:endParaRPr lang="en-US" sz="1691" dirty="0"/>
+          </a:p>
+        </p:txBody>
+      </p:sp>
+      <p:sp>
+        <p:nvSpPr>
+          <p:cNvPr id="12" name="Text 10"/>
+          <p:cNvSpPr/>
+          <p:nvPr/>
+        </p:nvSpPr>
+        <p:spPr>
+          <a:xfrm>
+            <a:off x="4227513" y="2600226"/>
+            <a:ext cx="2147491" cy="268387"/>
+          </a:xfrm>
+          <a:prstGeom prst="rect">
+            <a:avLst/>
+          </a:prstGeom>
+          <a:noFill/>
+          <a:ln/>
+        </p:spPr>
+        <p:txBody>
+          <a:bodyPr wrap="none" rtlCol="0" anchor="t"/>
+          <a:lstStyle/>
+          <a:p>
+            <a:pPr>
+              <a:lnSpc>
+                <a:spcPts val="2113"/>
+              </a:lnSpc>
+            </a:pPr>
+            <a:r>
+              <a:rPr lang="en-US" sz="1691" dirty="0">
+                <a:solidFill>
+                  <a:srgbClr val="2C3249"/>
+                </a:solidFill>
+                <a:latin typeface="Kanit" pitchFamily="34" charset="0"/>
+                <a:ea typeface="Kanit" pitchFamily="34" charset="-122"/>
+                <a:cs typeface="Kanit" pitchFamily="34" charset="-120"/>
+              </a:rPr>
+              <a:t>Velocidad de carga</a:t>
+            </a:r>
+            <a:endParaRPr lang="en-US" sz="1691" dirty="0"/>
+          </a:p>
+        </p:txBody>
+      </p:sp>
+      <p:sp>
+        <p:nvSpPr>
+          <p:cNvPr id="13" name="Text 11"/>
+          <p:cNvSpPr/>
+          <p:nvPr/>
+        </p:nvSpPr>
+        <p:spPr>
+          <a:xfrm>
+            <a:off x="4227512" y="2971602"/>
+            <a:ext cx="4601667" cy="274935"/>
+          </a:xfrm>
+          <a:prstGeom prst="rect">
+            <a:avLst/>
+          </a:prstGeom>
+          <a:noFill/>
+          <a:ln/>
+        </p:spPr>
+        <p:txBody>
+          <a:bodyPr wrap="none" rtlCol="0" anchor="t"/>
+          <a:lstStyle/>
+          <a:p>
+            <a:pPr>
+              <a:lnSpc>
+                <a:spcPts val="2164"/>
+              </a:lnSpc>
+            </a:pPr>
+            <a:r>
+              <a:rPr lang="en-US" sz="1352" dirty="0">
+                <a:solidFill>
+                  <a:srgbClr val="2C3249"/>
+                </a:solidFill>
+                <a:latin typeface="Martel Sans" pitchFamily="34" charset="0"/>
+                <a:ea typeface="Martel Sans" pitchFamily="34" charset="-122"/>
+                <a:cs typeface="Martel Sans" pitchFamily="34" charset="-120"/>
+              </a:rPr>
+              <a:t>Optimizar el rendimiento para tiempos de carga rápidos.</a:t>
+            </a:r>
+            <a:endParaRPr lang="en-US" sz="1352" dirty="0"/>
+          </a:p>
+        </p:txBody>
+      </p:sp>
+      <p:sp>
+        <p:nvSpPr>
+          <p:cNvPr id="14" name="Shape 12"/>
+          <p:cNvSpPr/>
+          <p:nvPr/>
+        </p:nvSpPr>
+        <p:spPr>
+          <a:xfrm>
+            <a:off x="4141589" y="3398888"/>
+            <a:ext cx="5948858" cy="17165"/>
+          </a:xfrm>
+          <a:prstGeom prst="roundRect">
+            <a:avLst>
+              <a:gd name="adj" fmla="val 450403"/>
+            </a:avLst>
+          </a:prstGeom>
+          <a:solidFill>
+            <a:srgbClr val="C5D2CF"/>
+          </a:solidFill>
+          <a:ln/>
+        </p:spPr>
+      </p:sp>
+      <p:sp>
+        <p:nvSpPr>
+          <p:cNvPr id="15" name="Shape 13"/>
+          <p:cNvSpPr/>
+          <p:nvPr/>
+        </p:nvSpPr>
+        <p:spPr>
+          <a:xfrm>
+            <a:off x="2015630" y="3504108"/>
+            <a:ext cx="3060204" cy="1264742"/>
+          </a:xfrm>
+          <a:prstGeom prst="roundRect">
+            <a:avLst>
+              <a:gd name="adj" fmla="val 6113"/>
+            </a:avLst>
+          </a:prstGeom>
+          <a:solidFill>
+            <a:srgbClr val="DFECE9"/>
+          </a:solidFill>
+          <a:ln w="7620">
+            <a:solidFill>
+              <a:srgbClr val="C5D2CF"/>
+            </a:solidFill>
+            <a:prstDash val="solid"/>
+          </a:ln>
+        </p:spPr>
+      </p:sp>
+      <p:sp>
+        <p:nvSpPr>
+          <p:cNvPr id="16" name="Text 14"/>
+          <p:cNvSpPr/>
+          <p:nvPr/>
+        </p:nvSpPr>
+        <p:spPr>
+          <a:xfrm>
+            <a:off x="2193727" y="3964682"/>
+            <a:ext cx="110332" cy="343495"/>
+          </a:xfrm>
+          <a:prstGeom prst="rect">
+            <a:avLst/>
+          </a:prstGeom>
+          <a:noFill/>
+          <a:ln/>
+        </p:spPr>
+        <p:txBody>
+          <a:bodyPr wrap="none" rtlCol="0" anchor="t"/>
+          <a:lstStyle/>
+          <a:p>
+            <a:pPr algn="ctr">
+              <a:lnSpc>
+                <a:spcPts val="2706"/>
+              </a:lnSpc>
+            </a:pPr>
+            <a:r>
+              <a:rPr lang="en-US" sz="1691" dirty="0">
+                <a:solidFill>
+                  <a:srgbClr val="2C3249"/>
+                </a:solidFill>
+                <a:latin typeface="Kanit" pitchFamily="34" charset="0"/>
+                <a:ea typeface="Kanit" pitchFamily="34" charset="-122"/>
+                <a:cs typeface="Kanit" pitchFamily="34" charset="-120"/>
+              </a:rPr>
+              <a:t>3</a:t>
+            </a:r>
+            <a:endParaRPr lang="en-US" sz="1691" dirty="0"/>
+          </a:p>
+        </p:txBody>
+      </p:sp>
+      <p:sp>
+        <p:nvSpPr>
+          <p:cNvPr id="17" name="Text 15"/>
+          <p:cNvSpPr/>
+          <p:nvPr/>
+        </p:nvSpPr>
+        <p:spPr>
+          <a:xfrm>
+            <a:off x="5247581" y="3675857"/>
+            <a:ext cx="2147491" cy="268387"/>
+          </a:xfrm>
+          <a:prstGeom prst="rect">
+            <a:avLst/>
+          </a:prstGeom>
+          <a:noFill/>
+          <a:ln/>
+        </p:spPr>
+        <p:txBody>
+          <a:bodyPr wrap="none" rtlCol="0" anchor="t"/>
+          <a:lstStyle/>
+          <a:p>
+            <a:pPr>
+              <a:lnSpc>
+                <a:spcPts val="2113"/>
+              </a:lnSpc>
+            </a:pPr>
+            <a:r>
+              <a:rPr lang="en-US" sz="1691" dirty="0">
+                <a:solidFill>
+                  <a:srgbClr val="2C3249"/>
+                </a:solidFill>
+                <a:latin typeface="Kanit" pitchFamily="34" charset="0"/>
+                <a:ea typeface="Kanit" pitchFamily="34" charset="-122"/>
+                <a:cs typeface="Kanit" pitchFamily="34" charset="-120"/>
+              </a:rPr>
+              <a:t>Consistencia visual</a:t>
+            </a:r>
+            <a:endParaRPr lang="en-US" sz="1691" dirty="0"/>
+          </a:p>
+        </p:txBody>
+      </p:sp>
+      <p:sp>
+        <p:nvSpPr>
+          <p:cNvPr id="18" name="Text 16"/>
+          <p:cNvSpPr/>
+          <p:nvPr/>
+        </p:nvSpPr>
+        <p:spPr>
+          <a:xfrm>
+            <a:off x="5247581" y="4047232"/>
+            <a:ext cx="4756944" cy="549870"/>
+          </a:xfrm>
+          <a:prstGeom prst="rect">
+            <a:avLst/>
+          </a:prstGeom>
+          <a:noFill/>
+          <a:ln/>
+        </p:spPr>
+        <p:txBody>
+          <a:bodyPr wrap="square" rtlCol="0" anchor="t"/>
+          <a:lstStyle/>
+          <a:p>
+            <a:pPr>
+              <a:lnSpc>
+                <a:spcPts val="2164"/>
+              </a:lnSpc>
+            </a:pPr>
+            <a:r>
+              <a:rPr lang="en-US" sz="1352" dirty="0">
+                <a:solidFill>
+                  <a:srgbClr val="2C3249"/>
+                </a:solidFill>
+                <a:latin typeface="Martel Sans" pitchFamily="34" charset="0"/>
+                <a:ea typeface="Martel Sans" pitchFamily="34" charset="-122"/>
+                <a:cs typeface="Martel Sans" pitchFamily="34" charset="-120"/>
+              </a:rPr>
+              <a:t>Mantener la coherencia en diferentes entornos de visualización.</a:t>
+            </a:r>
+            <a:endParaRPr lang="en-US" sz="1352" dirty="0"/>
+          </a:p>
+        </p:txBody>
+      </p:sp>
+      <p:sp>
+        <p:nvSpPr>
+          <p:cNvPr id="19" name="Shape 17"/>
+          <p:cNvSpPr/>
+          <p:nvPr/>
+        </p:nvSpPr>
+        <p:spPr>
+          <a:xfrm>
+            <a:off x="5161657" y="4749453"/>
+            <a:ext cx="4928791" cy="17165"/>
+          </a:xfrm>
+          <a:prstGeom prst="roundRect">
+            <a:avLst>
+              <a:gd name="adj" fmla="val 450403"/>
+            </a:avLst>
+          </a:prstGeom>
+          <a:solidFill>
+            <a:srgbClr val="C5D2CF"/>
+          </a:solidFill>
+          <a:ln/>
+        </p:spPr>
+      </p:sp>
+      <p:sp>
+        <p:nvSpPr>
+          <p:cNvPr id="20" name="Shape 18"/>
+          <p:cNvSpPr/>
+          <p:nvPr/>
+        </p:nvSpPr>
+        <p:spPr>
+          <a:xfrm>
+            <a:off x="2015629" y="4854674"/>
+            <a:ext cx="4080272" cy="1533128"/>
+          </a:xfrm>
+          <a:prstGeom prst="roundRect">
+            <a:avLst>
+              <a:gd name="adj" fmla="val 5043"/>
+            </a:avLst>
+          </a:prstGeom>
+          <a:solidFill>
+            <a:srgbClr val="DFECE9"/>
+          </a:solidFill>
+          <a:ln w="7620">
+            <a:solidFill>
+              <a:srgbClr val="C5D2CF"/>
+            </a:solidFill>
+            <a:prstDash val="solid"/>
+          </a:ln>
+        </p:spPr>
+      </p:sp>
+      <p:sp>
+        <p:nvSpPr>
+          <p:cNvPr id="21" name="Text 19"/>
+          <p:cNvSpPr/>
+          <p:nvPr/>
+        </p:nvSpPr>
+        <p:spPr>
+          <a:xfrm>
+            <a:off x="2193727" y="5449491"/>
+            <a:ext cx="116185" cy="343495"/>
+          </a:xfrm>
+          <a:prstGeom prst="rect">
+            <a:avLst/>
+          </a:prstGeom>
+          <a:noFill/>
+          <a:ln/>
+        </p:spPr>
+        <p:txBody>
+          <a:bodyPr wrap="none" rtlCol="0" anchor="t"/>
+          <a:lstStyle/>
+          <a:p>
+            <a:pPr algn="ctr">
+              <a:lnSpc>
+                <a:spcPts val="2706"/>
+              </a:lnSpc>
+            </a:pPr>
+            <a:r>
+              <a:rPr lang="en-US" sz="1691" dirty="0">
+                <a:solidFill>
+                  <a:srgbClr val="2C3249"/>
+                </a:solidFill>
+                <a:latin typeface="Kanit" pitchFamily="34" charset="0"/>
+                <a:ea typeface="Kanit" pitchFamily="34" charset="-122"/>
+                <a:cs typeface="Kanit" pitchFamily="34" charset="-120"/>
+              </a:rPr>
+              <a:t>4</a:t>
+            </a:r>
+            <a:endParaRPr lang="en-US" sz="1691" dirty="0"/>
+          </a:p>
+        </p:txBody>
+      </p:sp>
+      <p:sp>
+        <p:nvSpPr>
+          <p:cNvPr id="22" name="Text 20"/>
+          <p:cNvSpPr/>
+          <p:nvPr/>
+        </p:nvSpPr>
+        <p:spPr>
+          <a:xfrm>
+            <a:off x="6267649" y="5026422"/>
+            <a:ext cx="3736876" cy="536773"/>
+          </a:xfrm>
+          <a:prstGeom prst="rect">
+            <a:avLst/>
+          </a:prstGeom>
+          <a:noFill/>
+          <a:ln/>
+        </p:spPr>
+        <p:txBody>
+          <a:bodyPr wrap="square" rtlCol="0" anchor="t"/>
+          <a:lstStyle/>
+          <a:p>
+            <a:pPr>
+              <a:lnSpc>
+                <a:spcPts val="2113"/>
+              </a:lnSpc>
+            </a:pPr>
+            <a:r>
+              <a:rPr lang="en-US" sz="1691" dirty="0">
+                <a:solidFill>
+                  <a:srgbClr val="2C3249"/>
+                </a:solidFill>
+                <a:latin typeface="Kanit" pitchFamily="34" charset="0"/>
+                <a:ea typeface="Kanit" pitchFamily="34" charset="-122"/>
+                <a:cs typeface="Kanit" pitchFamily="34" charset="-120"/>
+              </a:rPr>
+              <a:t>Interoperabilidad con navegadores antiguos</a:t>
+            </a:r>
+            <a:endParaRPr lang="en-US" sz="1691" dirty="0"/>
+          </a:p>
+        </p:txBody>
+      </p:sp>
+      <p:sp>
+        <p:nvSpPr>
+          <p:cNvPr id="23" name="Text 21"/>
+          <p:cNvSpPr/>
+          <p:nvPr/>
+        </p:nvSpPr>
+        <p:spPr>
+          <a:xfrm>
+            <a:off x="6267649" y="5666184"/>
+            <a:ext cx="3736876" cy="549870"/>
+          </a:xfrm>
+          <a:prstGeom prst="rect">
+            <a:avLst/>
+          </a:prstGeom>
+          <a:noFill/>
+          <a:ln/>
+        </p:spPr>
+        <p:txBody>
+          <a:bodyPr wrap="square" rtlCol="0" anchor="t"/>
+          <a:lstStyle/>
+          <a:p>
+            <a:pPr>
+              <a:lnSpc>
+                <a:spcPts val="2164"/>
+              </a:lnSpc>
+            </a:pPr>
+            <a:r>
+              <a:rPr lang="en-US" sz="1352" dirty="0">
+                <a:solidFill>
+                  <a:srgbClr val="2C3249"/>
+                </a:solidFill>
+                <a:latin typeface="Martel Sans" pitchFamily="34" charset="0"/>
+                <a:ea typeface="Martel Sans" pitchFamily="34" charset="-122"/>
+                <a:cs typeface="Martel Sans" pitchFamily="34" charset="-120"/>
+              </a:rPr>
+              <a:t>Garantizar que la maquetación sea compatible con navegadores obsoletos.</a:t>
+            </a:r>
+            <a:endParaRPr lang="en-US" sz="1352" dirty="0"/>
+          </a:p>
+        </p:txBody>
+      </p:sp>
+      <p:pic>
+        <p:nvPicPr>
+          <p:cNvPr id="24" name="Imagen 23">
+            <a:extLst>
+              <a:ext uri="{FF2B5EF4-FFF2-40B4-BE49-F238E27FC236}">
+                <a16:creationId xmlns:a16="http://schemas.microsoft.com/office/drawing/2014/main" id="{86E2097A-E903-994C-B8D2-5642987EA2AD}"/>
+              </a:ext>
+            </a:extLst>
+          </p:cNvPr>
+          <p:cNvPicPr>
+            <a:picLocks noChangeAspect="1"/>
+          </p:cNvPicPr>
+          <p:nvPr/>
+        </p:nvPicPr>
+        <p:blipFill>
+          <a:blip r:embed="rId3"/>
+          <a:stretch>
+            <a:fillRect/>
+          </a:stretch>
+        </p:blipFill>
+        <p:spPr>
+          <a:xfrm>
+            <a:off x="55066" y="0"/>
+            <a:ext cx="11896725" cy="676275"/>
+          </a:xfrm>
+          <a:prstGeom prst="rect">
+            <a:avLst/>
+          </a:prstGeom>
+        </p:spPr>
+      </p:pic>
+    </p:spTree>
+  </p:cSld>
+  <p:clrMapOvr>
+    <a:masterClrMapping/>
+  </p:clrMapOvr>
+</p:sld>
+</file>
+
+<file path=ppt/slides/slide13.xml><?xml version="1.0" encoding="utf-8"?>
+<p:sld xmlns:a="http://schemas.openxmlformats.org/drawingml/2006/main" xmlns:r="http://schemas.openxmlformats.org/officeDocument/2006/relationships" xmlns:p="http://schemas.openxmlformats.org/presentationml/2006/main">
+  <p:cSld>
+    <p:spTree>
+      <p:nvGrpSpPr>
+        <p:cNvPr id="1" name=""/>
+        <p:cNvGrpSpPr/>
+        <p:nvPr/>
+      </p:nvGrpSpPr>
+      <p:grpSpPr>
+        <a:xfrm>
+          <a:off x="0" y="0"/>
+          <a:ext cx="0" cy="0"/>
+          <a:chOff x="0" y="0"/>
+          <a:chExt cx="0" cy="0"/>
+        </a:xfrm>
+      </p:grpSpPr>
+      <p:sp>
+        <p:nvSpPr>
+          <p:cNvPr id="2" name="Shape 0"/>
+          <p:cNvSpPr/>
+          <p:nvPr/>
+        </p:nvSpPr>
+        <p:spPr>
+          <a:xfrm>
+            <a:off x="0" y="0"/>
+            <a:ext cx="12192000" cy="6858000"/>
+          </a:xfrm>
+          <a:prstGeom prst="rect">
+            <a:avLst/>
+          </a:prstGeom>
+          <a:solidFill>
+            <a:srgbClr val="EBF4F3"/>
+          </a:solidFill>
+          <a:ln/>
+        </p:spPr>
+      </p:sp>
+      <p:sp>
+        <p:nvSpPr>
+          <p:cNvPr id="3" name="Shape 1"/>
+          <p:cNvSpPr/>
+          <p:nvPr/>
+        </p:nvSpPr>
+        <p:spPr>
+          <a:xfrm>
+            <a:off x="0" y="0"/>
             <a:ext cx="12192000" cy="6858000"/>
           </a:xfrm>
           <a:prstGeom prst="rect">
@@ -7101,7 +7551,175 @@
 </p:sld>
 </file>
 
-<file path=ppt/slides/slide13.xml><?xml version="1.0" encoding="utf-8"?>
+<file path=ppt/slides/slide14.xml><?xml version="1.0" encoding="utf-8"?>
+<p:sld xmlns:a="http://schemas.openxmlformats.org/drawingml/2006/main" xmlns:r="http://schemas.openxmlformats.org/officeDocument/2006/relationships" xmlns:p="http://schemas.openxmlformats.org/presentationml/2006/main">
+  <p:cSld>
+    <p:spTree>
+      <p:nvGrpSpPr>
+        <p:cNvPr id="1" name=""/>
+        <p:cNvGrpSpPr/>
+        <p:nvPr/>
+      </p:nvGrpSpPr>
+      <p:grpSpPr>
+        <a:xfrm>
+          <a:off x="0" y="0"/>
+          <a:ext cx="0" cy="0"/>
+          <a:chOff x="0" y="0"/>
+          <a:chExt cx="0" cy="0"/>
+        </a:xfrm>
+      </p:grpSpPr>
+      <p:sp>
+        <p:nvSpPr>
+          <p:cNvPr id="2" name="Título 1">
+            <a:extLst>
+              <a:ext uri="{FF2B5EF4-FFF2-40B4-BE49-F238E27FC236}">
+                <a16:creationId xmlns:a16="http://schemas.microsoft.com/office/drawing/2014/main" id="{B8ABAACC-5240-4E68-A4E9-ACA6E7A4B0A2}"/>
+              </a:ext>
+            </a:extLst>
+          </p:cNvPr>
+          <p:cNvSpPr>
+            <a:spLocks noGrp="1"/>
+          </p:cNvSpPr>
+          <p:nvPr>
+            <p:ph type="title" idx="4294967295"/>
+          </p:nvPr>
+        </p:nvSpPr>
+        <p:spPr>
+          <a:xfrm>
+            <a:off x="492369" y="1395046"/>
+            <a:ext cx="11218985" cy="295642"/>
+          </a:xfrm>
+        </p:spPr>
+        <p:txBody>
+          <a:bodyPr>
+            <a:noAutofit/>
+          </a:bodyPr>
+          <a:lstStyle/>
+          <a:p>
+            <a:r>
+              <a:rPr lang="es-EC" sz="3200" b="1" dirty="0"/>
+              <a:t>Tarea: Maquetación web </a:t>
+            </a:r>
+          </a:p>
+        </p:txBody>
+      </p:sp>
+      <p:sp>
+        <p:nvSpPr>
+          <p:cNvPr id="3" name="Marcador de contenido 2">
+            <a:extLst>
+              <a:ext uri="{FF2B5EF4-FFF2-40B4-BE49-F238E27FC236}">
+                <a16:creationId xmlns:a16="http://schemas.microsoft.com/office/drawing/2014/main" id="{055CBC30-9FA5-4F46-97C3-766A43887EE6}"/>
+              </a:ext>
+            </a:extLst>
+          </p:cNvPr>
+          <p:cNvSpPr>
+            <a:spLocks noGrp="1"/>
+          </p:cNvSpPr>
+          <p:nvPr>
+            <p:ph idx="4294967295"/>
+          </p:nvPr>
+        </p:nvSpPr>
+        <p:spPr>
+          <a:xfrm>
+            <a:off x="492369" y="1825625"/>
+            <a:ext cx="11218985" cy="4351338"/>
+          </a:xfrm>
+        </p:spPr>
+        <p:txBody>
+          <a:bodyPr>
+            <a:normAutofit/>
+          </a:bodyPr>
+          <a:lstStyle/>
+          <a:p>
+            <a:pPr algn="just"/>
+            <a:endParaRPr lang="es-EC" sz="1400" dirty="0"/>
+          </a:p>
+          <a:p>
+            <a:pPr algn="just"/>
+            <a:r>
+              <a:rPr lang="es-EC" sz="2000" dirty="0"/>
+              <a:t>Realizar un cuadro sinóptico de los principales elementos HTML, como por ejemplo, h1, p, </a:t>
+            </a:r>
+            <a:r>
+              <a:rPr lang="es-EC" sz="2000" dirty="0" err="1"/>
+              <a:t>div</a:t>
+            </a:r>
+            <a:r>
+              <a:rPr lang="es-EC" sz="2000" dirty="0"/>
+              <a:t>, </a:t>
+            </a:r>
+            <a:r>
+              <a:rPr lang="es-EC" sz="2000" dirty="0" err="1"/>
+              <a:t>row</a:t>
+            </a:r>
+            <a:r>
+              <a:rPr lang="es-EC" sz="2000" dirty="0"/>
+              <a:t>, col, table.</a:t>
+            </a:r>
+          </a:p>
+        </p:txBody>
+      </p:sp>
+      <p:pic>
+        <p:nvPicPr>
+          <p:cNvPr id="1028" name="Picture 4" descr="Cómo hacer una maquetación web óptima?">
+            <a:extLst>
+              <a:ext uri="{FF2B5EF4-FFF2-40B4-BE49-F238E27FC236}">
+                <a16:creationId xmlns:a16="http://schemas.microsoft.com/office/drawing/2014/main" id="{D62FD894-7ACC-6C05-06CC-B38F16A17B04}"/>
+              </a:ext>
+            </a:extLst>
+          </p:cNvPr>
+          <p:cNvPicPr>
+            <a:picLocks noChangeAspect="1" noChangeArrowheads="1"/>
+          </p:cNvPicPr>
+          <p:nvPr/>
+        </p:nvPicPr>
+        <p:blipFill>
+          <a:blip r:embed="rId2">
+            <a:extLst>
+              <a:ext uri="{28A0092B-C50C-407E-A947-70E740481C1C}">
+                <a14:useLocalDpi xmlns:a14="http://schemas.microsoft.com/office/drawing/2010/main" val="0"/>
+              </a:ext>
+            </a:extLst>
+          </a:blip>
+          <a:srcRect/>
+          <a:stretch>
+            <a:fillRect/>
+          </a:stretch>
+        </p:blipFill>
+        <p:spPr bwMode="auto">
+          <a:xfrm>
+            <a:off x="3032643" y="2780523"/>
+            <a:ext cx="5796642" cy="3265714"/>
+          </a:xfrm>
+          <a:prstGeom prst="rect">
+            <a:avLst/>
+          </a:prstGeom>
+          <a:noFill/>
+          <a:extLst>
+            <a:ext uri="{909E8E84-426E-40DD-AFC4-6F175D3DCCD1}">
+              <a14:hiddenFill xmlns:a14="http://schemas.microsoft.com/office/drawing/2010/main">
+                <a:solidFill>
+                  <a:srgbClr val="FFFFFF"/>
+                </a:solidFill>
+              </a14:hiddenFill>
+            </a:ext>
+          </a:extLst>
+        </p:spPr>
+      </p:pic>
+    </p:spTree>
+    <p:extLst>
+      <p:ext uri="{BB962C8B-B14F-4D97-AF65-F5344CB8AC3E}">
+        <p14:creationId xmlns:p14="http://schemas.microsoft.com/office/powerpoint/2010/main" val="161920326"/>
+      </p:ext>
+    </p:extLst>
+  </p:cSld>
+  <p:clrMapOvr>
+    <a:masterClrMapping/>
+  </p:clrMapOvr>
+</p:sld>
+</file>
+
+<file path=ppt/slides/slide15.xml><?xml version="1.0" encoding="utf-8"?>
 <p:sld xmlns:a="http://schemas.openxmlformats.org/drawingml/2006/main" xmlns:r="http://schemas.openxmlformats.org/officeDocument/2006/relationships" xmlns:p="http://schemas.openxmlformats.org/presentationml/2006/main">
   <p:cSld>
     <p:spTree>
@@ -7301,211 +7919,149 @@
       </p:grpSpPr>
       <p:sp>
         <p:nvSpPr>
-          <p:cNvPr id="2" name="Shape 0"/>
-          <p:cNvSpPr/>
-          <p:nvPr/>
-        </p:nvSpPr>
-        <p:spPr>
-          <a:xfrm>
-            <a:off x="0" y="0"/>
-            <a:ext cx="12192000" cy="6858000"/>
-          </a:xfrm>
-          <a:prstGeom prst="rect">
-            <a:avLst/>
-          </a:prstGeom>
-          <a:solidFill>
-            <a:srgbClr val="EBF4F3"/>
-          </a:solidFill>
-          <a:ln/>
-        </p:spPr>
-      </p:sp>
-      <p:sp>
-        <p:nvSpPr>
-          <p:cNvPr id="3" name="Shape 1"/>
-          <p:cNvSpPr/>
-          <p:nvPr/>
-        </p:nvSpPr>
-        <p:spPr>
-          <a:xfrm>
-            <a:off x="0" y="0"/>
-            <a:ext cx="12192000" cy="6858000"/>
-          </a:xfrm>
-          <a:prstGeom prst="rect">
-            <a:avLst/>
-          </a:prstGeom>
-          <a:solidFill>
-            <a:srgbClr val="FFFFFF"/>
-          </a:solidFill>
-          <a:ln/>
-        </p:spPr>
+          <p:cNvPr id="2" name="Título 1">
+            <a:extLst>
+              <a:ext uri="{FF2B5EF4-FFF2-40B4-BE49-F238E27FC236}">
+                <a16:creationId xmlns:a16="http://schemas.microsoft.com/office/drawing/2014/main" id="{B8ABAACC-5240-4E68-A4E9-ACA6E7A4B0A2}"/>
+              </a:ext>
+            </a:extLst>
+          </p:cNvPr>
+          <p:cNvSpPr>
+            <a:spLocks noGrp="1"/>
+          </p:cNvSpPr>
+          <p:nvPr>
+            <p:ph type="title" idx="4294967295"/>
+          </p:nvPr>
+        </p:nvSpPr>
+        <p:spPr>
+          <a:xfrm>
+            <a:off x="343079" y="1409161"/>
+            <a:ext cx="11218985" cy="295642"/>
+          </a:xfrm>
+        </p:spPr>
+        <p:txBody>
+          <a:bodyPr>
+            <a:noAutofit/>
+          </a:bodyPr>
+          <a:lstStyle/>
+          <a:p>
+            <a:pPr algn="ctr"/>
+            <a:r>
+              <a:rPr lang="es-EC" sz="3200" b="1" dirty="0"/>
+              <a:t>Agenda</a:t>
+            </a:r>
+          </a:p>
+        </p:txBody>
+      </p:sp>
+      <p:sp>
+        <p:nvSpPr>
+          <p:cNvPr id="3" name="Marcador de contenido 2">
+            <a:extLst>
+              <a:ext uri="{FF2B5EF4-FFF2-40B4-BE49-F238E27FC236}">
+                <a16:creationId xmlns:a16="http://schemas.microsoft.com/office/drawing/2014/main" id="{055CBC30-9FA5-4F46-97C3-766A43887EE6}"/>
+              </a:ext>
+            </a:extLst>
+          </p:cNvPr>
+          <p:cNvSpPr>
+            <a:spLocks noGrp="1"/>
+          </p:cNvSpPr>
+          <p:nvPr>
+            <p:ph idx="4294967295"/>
+          </p:nvPr>
+        </p:nvSpPr>
+        <p:spPr>
+          <a:xfrm>
+            <a:off x="492369" y="2012615"/>
+            <a:ext cx="11218985" cy="1171984"/>
+          </a:xfrm>
+        </p:spPr>
+        <p:txBody>
+          <a:bodyPr>
+            <a:normAutofit/>
+          </a:bodyPr>
+          <a:lstStyle/>
+          <a:p>
+            <a:pPr marL="457200" indent="-457200" algn="ctr">
+              <a:buAutoNum type="arabicPeriod"/>
+            </a:pPr>
+            <a:r>
+              <a:rPr lang="es-EC" sz="2000" dirty="0"/>
+              <a:t>Maquetación Web: Concepto e importancia</a:t>
+            </a:r>
+          </a:p>
+          <a:p>
+            <a:pPr marL="457200" indent="-457200" algn="ctr">
+              <a:buAutoNum type="arabicPeriod"/>
+            </a:pPr>
+            <a:r>
+              <a:rPr lang="es-EC" sz="2000" dirty="0"/>
+              <a:t> Principios de diseño y diseño responsive</a:t>
+            </a:r>
+          </a:p>
+          <a:p>
+            <a:pPr marL="457200" indent="-457200" algn="ctr">
+              <a:buAutoNum type="arabicPeriod"/>
+            </a:pPr>
+            <a:r>
+              <a:rPr lang="es-EC" sz="2000" dirty="0"/>
+              <a:t>Retos en la maquetación web actual.</a:t>
+            </a:r>
+          </a:p>
+        </p:txBody>
       </p:sp>
       <p:pic>
         <p:nvPicPr>
-          <p:cNvPr id="4" name="Image 0" descr="preencoded.png"/>
+          <p:cNvPr id="2050" name="Picture 2" descr="870.700+ Agenda Fotografías de stock, fotos e imágenes libres de derechos -  iStock | Calendario, Indice, Reloj">
+            <a:extLst>
+              <a:ext uri="{FF2B5EF4-FFF2-40B4-BE49-F238E27FC236}">
+                <a16:creationId xmlns:a16="http://schemas.microsoft.com/office/drawing/2014/main" id="{62461B0E-7D99-532C-B023-030084F16629}"/>
+              </a:ext>
+            </a:extLst>
+          </p:cNvPr>
           <p:cNvPicPr>
-            <a:picLocks noChangeAspect="1"/>
+            <a:picLocks noChangeAspect="1" noChangeArrowheads="1"/>
           </p:cNvPicPr>
           <p:nvPr/>
         </p:nvPicPr>
         <p:blipFill>
-          <a:blip r:embed="rId3"/>
+          <a:blip r:embed="rId2">
+            <a:extLst>
+              <a:ext uri="{28A0092B-C50C-407E-A947-70E740481C1C}">
+                <a14:useLocalDpi xmlns:a14="http://schemas.microsoft.com/office/drawing/2010/main" val="0"/>
+              </a:ext>
+            </a:extLst>
+          </a:blip>
+          <a:srcRect/>
           <a:stretch>
             <a:fillRect/>
           </a:stretch>
         </p:blipFill>
-        <p:spPr>
-          <a:xfrm>
-            <a:off x="7620000" y="0"/>
-            <a:ext cx="4572000" cy="6858000"/>
-          </a:xfrm>
-          <a:prstGeom prst="rect">
-            <a:avLst/>
-          </a:prstGeom>
-        </p:spPr>
-      </p:pic>
-      <p:sp>
-        <p:nvSpPr>
-          <p:cNvPr id="5" name="Text 2"/>
-          <p:cNvSpPr/>
-          <p:nvPr/>
-        </p:nvSpPr>
-        <p:spPr>
-          <a:xfrm>
-            <a:off x="694333" y="1737320"/>
-            <a:ext cx="6231334" cy="1388666"/>
+        <p:spPr bwMode="auto">
+          <a:xfrm>
+            <a:off x="4818289" y="3429000"/>
+            <a:ext cx="2555421" cy="2555421"/>
           </a:xfrm>
           <a:prstGeom prst="rect">
             <a:avLst/>
           </a:prstGeom>
           <a:noFill/>
-          <a:ln/>
-        </p:spPr>
-        <p:txBody>
-          <a:bodyPr wrap="square" rtlCol="0" anchor="t"/>
-          <a:lstStyle/>
-          <a:p>
-            <a:pPr>
-              <a:lnSpc>
-                <a:spcPts val="5467"/>
-              </a:lnSpc>
-            </a:pPr>
-            <a:r>
-              <a:rPr lang="en-US" sz="4374" dirty="0">
+          <a:extLst>
+            <a:ext uri="{909E8E84-426E-40DD-AFC4-6F175D3DCCD1}">
+              <a14:hiddenFill xmlns:a14="http://schemas.microsoft.com/office/drawing/2010/main">
                 <a:solidFill>
-                  <a:srgbClr val="272D45"/>
+                  <a:srgbClr val="FFFFFF"/>
                 </a:solidFill>
-                <a:latin typeface="Kanit" pitchFamily="34" charset="0"/>
-                <a:ea typeface="Kanit" pitchFamily="34" charset="-122"/>
-                <a:cs typeface="Kanit" pitchFamily="34" charset="-120"/>
-              </a:rPr>
-              <a:t>¿Qué es la maquetación web?</a:t>
-            </a:r>
-            <a:endParaRPr lang="en-US" sz="4374" dirty="0"/>
-          </a:p>
-        </p:txBody>
-      </p:sp>
-      <p:sp>
-        <p:nvSpPr>
-          <p:cNvPr id="6" name="Text 3"/>
-          <p:cNvSpPr/>
-          <p:nvPr/>
-        </p:nvSpPr>
-        <p:spPr>
-          <a:xfrm>
-            <a:off x="694333" y="3403699"/>
-            <a:ext cx="6231334" cy="1184672"/>
-          </a:xfrm>
-          <a:prstGeom prst="rect">
-            <a:avLst/>
-          </a:prstGeom>
-          <a:noFill/>
-          <a:ln/>
-        </p:spPr>
-        <p:txBody>
-          <a:bodyPr wrap="square" rtlCol="0" anchor="t"/>
-          <a:lstStyle/>
-          <a:p>
-            <a:pPr>
-              <a:lnSpc>
-                <a:spcPts val="2332"/>
-              </a:lnSpc>
-            </a:pPr>
-            <a:r>
-              <a:rPr lang="en-US" sz="1458" dirty="0">
-                <a:solidFill>
-                  <a:srgbClr val="2C3249"/>
-                </a:solidFill>
-                <a:latin typeface="Martel Sans" pitchFamily="34" charset="0"/>
-                <a:ea typeface="Martel Sans" pitchFamily="34" charset="-122"/>
-                <a:cs typeface="Martel Sans" pitchFamily="34" charset="-120"/>
-              </a:rPr>
-              <a:t>La maquetación web es el proceso de crear la estructura visual de una página web. Incluye el diseño de la disposición de los elementos, la tipografía, los colores y la interactividad. Esta fase es crucial para la experiencia del usuario y la funcionalidad del sitio.</a:t>
-            </a:r>
-            <a:endParaRPr lang="en-US" sz="1458" dirty="0"/>
-          </a:p>
-        </p:txBody>
-      </p:sp>
-      <p:pic>
-        <p:nvPicPr>
-          <p:cNvPr id="7" name="Imagen 6">
-            <a:extLst>
-              <a:ext uri="{FF2B5EF4-FFF2-40B4-BE49-F238E27FC236}">
-                <a16:creationId xmlns:a16="http://schemas.microsoft.com/office/drawing/2014/main" id="{C8CF5DA4-4C66-8DD7-323A-5CFBBCBD4F34}"/>
-              </a:ext>
-            </a:extLst>
-          </p:cNvPr>
-          <p:cNvPicPr>
-            <a:picLocks noChangeAspect="1"/>
-          </p:cNvPicPr>
-          <p:nvPr/>
-        </p:nvPicPr>
-        <p:blipFill>
-          <a:blip r:embed="rId4"/>
-          <a:stretch>
-            <a:fillRect/>
-          </a:stretch>
-        </p:blipFill>
-        <p:spPr>
-          <a:xfrm>
-            <a:off x="55066" y="0"/>
-            <a:ext cx="11896725" cy="676275"/>
-          </a:xfrm>
-          <a:prstGeom prst="rect">
-            <a:avLst/>
-          </a:prstGeom>
-        </p:spPr>
-      </p:pic>
-      <p:pic>
-        <p:nvPicPr>
-          <p:cNvPr id="8" name="Imagen 7">
-            <a:extLst>
-              <a:ext uri="{FF2B5EF4-FFF2-40B4-BE49-F238E27FC236}">
-                <a16:creationId xmlns:a16="http://schemas.microsoft.com/office/drawing/2014/main" id="{84853416-3F1C-384D-B9F2-AE7256F1F4A7}"/>
-              </a:ext>
-            </a:extLst>
-          </p:cNvPr>
-          <p:cNvPicPr>
-            <a:picLocks noChangeAspect="1"/>
-          </p:cNvPicPr>
-          <p:nvPr/>
-        </p:nvPicPr>
-        <p:blipFill>
-          <a:blip r:embed="rId5"/>
-          <a:stretch>
-            <a:fillRect/>
-          </a:stretch>
-        </p:blipFill>
-        <p:spPr>
-          <a:xfrm>
-            <a:off x="0" y="6143625"/>
-            <a:ext cx="7417837" cy="714375"/>
-          </a:xfrm>
-          <a:prstGeom prst="rect">
-            <a:avLst/>
-          </a:prstGeom>
+              </a14:hiddenFill>
+            </a:ext>
+          </a:extLst>
         </p:spPr>
       </p:pic>
     </p:spTree>
+    <p:extLst>
+      <p:ext uri="{BB962C8B-B14F-4D97-AF65-F5344CB8AC3E}">
+        <p14:creationId xmlns:p14="http://schemas.microsoft.com/office/powerpoint/2010/main" val="15895652"/>
+      </p:ext>
+    </p:extLst>
   </p:cSld>
   <p:clrMapOvr>
     <a:masterClrMapping/>
@@ -7586,8 +8142,8 @@
         </p:blipFill>
         <p:spPr>
           <a:xfrm>
-            <a:off x="9144000" y="447868"/>
-            <a:ext cx="3048000" cy="6410131"/>
+            <a:off x="7620000" y="0"/>
+            <a:ext cx="4572000" cy="6858000"/>
           </a:xfrm>
           <a:prstGeom prst="rect">
             <a:avLst/>
@@ -7602,8 +8158,8 @@
         </p:nvSpPr>
         <p:spPr>
           <a:xfrm>
-            <a:off x="694332" y="1266429"/>
-            <a:ext cx="7285832" cy="578644"/>
+            <a:off x="694333" y="1737320"/>
+            <a:ext cx="6231334" cy="1388666"/>
           </a:xfrm>
           <a:prstGeom prst="rect">
             <a:avLst/>
@@ -7612,16 +8168,16 @@
           <a:ln/>
         </p:spPr>
         <p:txBody>
-          <a:bodyPr wrap="none" rtlCol="0" anchor="t"/>
+          <a:bodyPr wrap="square" rtlCol="0" anchor="t"/>
           <a:lstStyle/>
           <a:p>
             <a:pPr>
               <a:lnSpc>
-                <a:spcPts val="4556"/>
+                <a:spcPts val="5467"/>
               </a:lnSpc>
             </a:pPr>
             <a:r>
-              <a:rPr lang="en-US" sz="3645" dirty="0">
+              <a:rPr lang="en-US" sz="4374" dirty="0">
                 <a:solidFill>
                   <a:srgbClr val="272D45"/>
                 </a:solidFill>
@@ -7629,90 +8185,22 @@
                 <a:ea typeface="Kanit" pitchFamily="34" charset="-122"/>
                 <a:cs typeface="Kanit" pitchFamily="34" charset="-120"/>
               </a:rPr>
-              <a:t>Importancia de la maquetación web</a:t>
-            </a:r>
-            <a:endParaRPr lang="en-US" sz="3645" dirty="0"/>
-          </a:p>
-        </p:txBody>
-      </p:sp>
-      <p:sp>
-        <p:nvSpPr>
-          <p:cNvPr id="6" name="Shape 3"/>
+              <a:t>¿Qué es la maquetación web?</a:t>
+            </a:r>
+            <a:endParaRPr lang="en-US" sz="4374" dirty="0"/>
+          </a:p>
+        </p:txBody>
+      </p:sp>
+      <p:sp>
+        <p:nvSpPr>
+          <p:cNvPr id="6" name="Text 3"/>
           <p:cNvSpPr/>
           <p:nvPr/>
         </p:nvSpPr>
         <p:spPr>
           <a:xfrm>
-            <a:off x="694333" y="2313782"/>
-            <a:ext cx="323949" cy="323949"/>
-          </a:xfrm>
-          <a:prstGeom prst="roundRect">
-            <a:avLst>
-              <a:gd name="adj" fmla="val 25722"/>
-            </a:avLst>
-          </a:prstGeom>
-          <a:solidFill>
-            <a:srgbClr val="DFECE9"/>
-          </a:solidFill>
-          <a:ln w="7620">
-            <a:solidFill>
-              <a:srgbClr val="C5D2CF"/>
-            </a:solidFill>
-            <a:prstDash val="solid"/>
-          </a:ln>
-        </p:spPr>
-      </p:sp>
-      <p:sp>
-        <p:nvSpPr>
-          <p:cNvPr id="7" name="Text 4"/>
-          <p:cNvSpPr/>
-          <p:nvPr/>
-        </p:nvSpPr>
-        <p:spPr>
-          <a:xfrm>
-            <a:off x="1203424" y="2331046"/>
-            <a:ext cx="3276005" cy="578644"/>
-          </a:xfrm>
-          <a:prstGeom prst="rect">
-            <a:avLst/>
-          </a:prstGeom>
-          <a:noFill/>
-          <a:ln/>
-        </p:spPr>
-        <p:txBody>
-          <a:bodyPr wrap="square" rtlCol="0" anchor="t"/>
-          <a:lstStyle/>
-          <a:p>
-            <a:pPr>
-              <a:lnSpc>
-                <a:spcPts val="2278"/>
-              </a:lnSpc>
-            </a:pPr>
-            <a:r>
-              <a:rPr lang="en-US" sz="1822" dirty="0">
-                <a:solidFill>
-                  <a:srgbClr val="2C3249"/>
-                </a:solidFill>
-                <a:latin typeface="Kanit" pitchFamily="34" charset="0"/>
-                <a:ea typeface="Kanit" pitchFamily="34" charset="-122"/>
-                <a:cs typeface="Kanit" pitchFamily="34" charset="-120"/>
-              </a:rPr>
-              <a:t>Interactividad y Experiencia del Usuario</a:t>
-            </a:r>
-            <a:endParaRPr lang="en-US" sz="1822" dirty="0"/>
-          </a:p>
-        </p:txBody>
-      </p:sp>
-      <p:sp>
-        <p:nvSpPr>
-          <p:cNvPr id="8" name="Text 5"/>
-          <p:cNvSpPr/>
-          <p:nvPr/>
-        </p:nvSpPr>
-        <p:spPr>
-          <a:xfrm>
-            <a:off x="1203424" y="3020715"/>
-            <a:ext cx="3276005" cy="1184672"/>
+            <a:off x="694333" y="3403699"/>
+            <a:ext cx="6231334" cy="1184672"/>
           </a:xfrm>
           <a:prstGeom prst="rect">
             <a:avLst/>
@@ -7738,225 +8226,7 @@
                 <a:ea typeface="Martel Sans" pitchFamily="34" charset="-122"/>
                 <a:cs typeface="Martel Sans" pitchFamily="34" charset="-120"/>
               </a:rPr>
-              <a:t>La maquetación web influye directamente en la experiencia del usuario al interactuar con un sitio web.</a:t>
-            </a:r>
-            <a:endParaRPr lang="en-US" sz="1458" dirty="0"/>
-          </a:p>
-        </p:txBody>
-      </p:sp>
-      <p:sp>
-        <p:nvSpPr>
-          <p:cNvPr id="9" name="Shape 6"/>
-          <p:cNvSpPr/>
-          <p:nvPr/>
-        </p:nvSpPr>
-        <p:spPr>
-          <a:xfrm>
-            <a:off x="4664571" y="2313782"/>
-            <a:ext cx="323949" cy="323949"/>
-          </a:xfrm>
-          <a:prstGeom prst="roundRect">
-            <a:avLst>
-              <a:gd name="adj" fmla="val 25722"/>
-            </a:avLst>
-          </a:prstGeom>
-          <a:solidFill>
-            <a:srgbClr val="DFECE9"/>
-          </a:solidFill>
-          <a:ln w="7620">
-            <a:solidFill>
-              <a:srgbClr val="C5D2CF"/>
-            </a:solidFill>
-            <a:prstDash val="solid"/>
-          </a:ln>
-        </p:spPr>
-      </p:sp>
-      <p:sp>
-        <p:nvSpPr>
-          <p:cNvPr id="10" name="Text 7"/>
-          <p:cNvSpPr/>
-          <p:nvPr/>
-        </p:nvSpPr>
-        <p:spPr>
-          <a:xfrm>
-            <a:off x="5173663" y="2331046"/>
-            <a:ext cx="3276005" cy="578644"/>
-          </a:xfrm>
-          <a:prstGeom prst="rect">
-            <a:avLst/>
-          </a:prstGeom>
-          <a:noFill/>
-          <a:ln/>
-        </p:spPr>
-        <p:txBody>
-          <a:bodyPr wrap="square" rtlCol="0" anchor="t"/>
-          <a:lstStyle/>
-          <a:p>
-            <a:pPr>
-              <a:lnSpc>
-                <a:spcPts val="2278"/>
-              </a:lnSpc>
-            </a:pPr>
-            <a:r>
-              <a:rPr lang="en-US" sz="1822" dirty="0">
-                <a:solidFill>
-                  <a:srgbClr val="2C3249"/>
-                </a:solidFill>
-                <a:latin typeface="Kanit" pitchFamily="34" charset="0"/>
-                <a:ea typeface="Kanit" pitchFamily="34" charset="-122"/>
-                <a:cs typeface="Kanit" pitchFamily="34" charset="-120"/>
-              </a:rPr>
-              <a:t>Optimización para Motores de Búsqueda</a:t>
-            </a:r>
-            <a:endParaRPr lang="en-US" sz="1822" dirty="0"/>
-          </a:p>
-        </p:txBody>
-      </p:sp>
-      <p:sp>
-        <p:nvSpPr>
-          <p:cNvPr id="11" name="Text 8"/>
-          <p:cNvSpPr/>
-          <p:nvPr/>
-        </p:nvSpPr>
-        <p:spPr>
-          <a:xfrm>
-            <a:off x="5173663" y="3020715"/>
-            <a:ext cx="3276005" cy="1184672"/>
-          </a:xfrm>
-          <a:prstGeom prst="rect">
-            <a:avLst/>
-          </a:prstGeom>
-          <a:noFill/>
-          <a:ln/>
-        </p:spPr>
-        <p:txBody>
-          <a:bodyPr wrap="square" rtlCol="0" anchor="t"/>
-          <a:lstStyle/>
-          <a:p>
-            <a:pPr>
-              <a:lnSpc>
-                <a:spcPts val="2332"/>
-              </a:lnSpc>
-            </a:pPr>
-            <a:r>
-              <a:rPr lang="en-US" sz="1458" dirty="0">
-                <a:solidFill>
-                  <a:srgbClr val="2C3249"/>
-                </a:solidFill>
-                <a:latin typeface="Martel Sans" pitchFamily="34" charset="0"/>
-                <a:ea typeface="Martel Sans" pitchFamily="34" charset="-122"/>
-                <a:cs typeface="Martel Sans" pitchFamily="34" charset="-120"/>
-              </a:rPr>
-              <a:t>Una maquetación web adecuada puede mejorar el posicionamiento del sitio en los resultados de búsqueda.</a:t>
-            </a:r>
-            <a:endParaRPr lang="en-US" sz="1458" dirty="0"/>
-          </a:p>
-        </p:txBody>
-      </p:sp>
-      <p:sp>
-        <p:nvSpPr>
-          <p:cNvPr id="12" name="Shape 9"/>
-          <p:cNvSpPr/>
-          <p:nvPr/>
-        </p:nvSpPr>
-        <p:spPr>
-          <a:xfrm>
-            <a:off x="694333" y="4581526"/>
-            <a:ext cx="323949" cy="323949"/>
-          </a:xfrm>
-          <a:prstGeom prst="roundRect">
-            <a:avLst>
-              <a:gd name="adj" fmla="val 25722"/>
-            </a:avLst>
-          </a:prstGeom>
-          <a:solidFill>
-            <a:srgbClr val="DFECE9"/>
-          </a:solidFill>
-          <a:ln w="7620">
-            <a:solidFill>
-              <a:srgbClr val="C5D2CF"/>
-            </a:solidFill>
-            <a:prstDash val="solid"/>
-          </a:ln>
-        </p:spPr>
-      </p:sp>
-      <p:sp>
-        <p:nvSpPr>
-          <p:cNvPr id="13" name="Text 10"/>
-          <p:cNvSpPr/>
-          <p:nvPr/>
-        </p:nvSpPr>
-        <p:spPr>
-          <a:xfrm>
-            <a:off x="1203424" y="4598789"/>
-            <a:ext cx="3175198" cy="289322"/>
-          </a:xfrm>
-          <a:prstGeom prst="rect">
-            <a:avLst/>
-          </a:prstGeom>
-          <a:noFill/>
-          <a:ln/>
-        </p:spPr>
-        <p:txBody>
-          <a:bodyPr wrap="none" rtlCol="0" anchor="t"/>
-          <a:lstStyle/>
-          <a:p>
-            <a:pPr>
-              <a:lnSpc>
-                <a:spcPts val="2278"/>
-              </a:lnSpc>
-            </a:pPr>
-            <a:r>
-              <a:rPr lang="en-US" sz="1822" dirty="0">
-                <a:solidFill>
-                  <a:srgbClr val="2C3249"/>
-                </a:solidFill>
-                <a:latin typeface="Kanit" pitchFamily="34" charset="0"/>
-                <a:ea typeface="Kanit" pitchFamily="34" charset="-122"/>
-                <a:cs typeface="Kanit" pitchFamily="34" charset="-120"/>
-              </a:rPr>
-              <a:t>Consistencia y Profesionalismo</a:t>
-            </a:r>
-            <a:endParaRPr lang="en-US" sz="1822" dirty="0"/>
-          </a:p>
-        </p:txBody>
-      </p:sp>
-      <p:sp>
-        <p:nvSpPr>
-          <p:cNvPr id="14" name="Text 11"/>
-          <p:cNvSpPr/>
-          <p:nvPr/>
-        </p:nvSpPr>
-        <p:spPr>
-          <a:xfrm>
-            <a:off x="1203424" y="4999137"/>
-            <a:ext cx="7246243" cy="592336"/>
-          </a:xfrm>
-          <a:prstGeom prst="rect">
-            <a:avLst/>
-          </a:prstGeom>
-          <a:noFill/>
-          <a:ln/>
-        </p:spPr>
-        <p:txBody>
-          <a:bodyPr wrap="square" rtlCol="0" anchor="t"/>
-          <a:lstStyle/>
-          <a:p>
-            <a:pPr>
-              <a:lnSpc>
-                <a:spcPts val="2332"/>
-              </a:lnSpc>
-            </a:pPr>
-            <a:r>
-              <a:rPr lang="en-US" sz="1458" dirty="0">
-                <a:solidFill>
-                  <a:srgbClr val="2C3249"/>
-                </a:solidFill>
-                <a:latin typeface="Martel Sans" pitchFamily="34" charset="0"/>
-                <a:ea typeface="Martel Sans" pitchFamily="34" charset="-122"/>
-                <a:cs typeface="Martel Sans" pitchFamily="34" charset="-120"/>
-              </a:rPr>
-              <a:t>Ayuda a mantener una apariencia profesional y consistente en todas las páginas del sitio.</a:t>
+              <a:t>La maquetación web es el proceso de crear la estructura visual de una página web. Incluye el diseño de la disposición de los elementos, la tipografía, los colores y la interactividad. Esta fase es crucial para la experiencia del usuario y la funcionalidad del sitio.</a:t>
             </a:r>
             <a:endParaRPr lang="en-US" sz="1458" dirty="0"/>
           </a:p>
@@ -7964,10 +8234,10 @@
       </p:sp>
       <p:pic>
         <p:nvPicPr>
-          <p:cNvPr id="15" name="Imagen 14">
+          <p:cNvPr id="7" name="Imagen 6">
             <a:extLst>
               <a:ext uri="{FF2B5EF4-FFF2-40B4-BE49-F238E27FC236}">
-                <a16:creationId xmlns:a16="http://schemas.microsoft.com/office/drawing/2014/main" id="{F510617A-B066-33B4-B7AB-3FE26FC1EEAD}"/>
+                <a16:creationId xmlns:a16="http://schemas.microsoft.com/office/drawing/2014/main" id="{C8CF5DA4-4C66-8DD7-323A-5CFBBCBD4F34}"/>
               </a:ext>
             </a:extLst>
           </p:cNvPr>
@@ -7994,10 +8264,10 @@
       </p:pic>
       <p:pic>
         <p:nvPicPr>
-          <p:cNvPr id="16" name="Imagen 15">
+          <p:cNvPr id="8" name="Imagen 7">
             <a:extLst>
               <a:ext uri="{FF2B5EF4-FFF2-40B4-BE49-F238E27FC236}">
-                <a16:creationId xmlns:a16="http://schemas.microsoft.com/office/drawing/2014/main" id="{F87A3C4E-727E-35EB-F4B1-8941114492AE}"/>
+                <a16:creationId xmlns:a16="http://schemas.microsoft.com/office/drawing/2014/main" id="{84853416-3F1C-384D-B9F2-AE7256F1F4A7}"/>
               </a:ext>
             </a:extLst>
           </p:cNvPr>
@@ -8015,7 +8285,7 @@
         <p:spPr>
           <a:xfrm>
             <a:off x="0" y="6143625"/>
-            <a:ext cx="9144000" cy="714375"/>
+            <a:ext cx="7417837" cy="714375"/>
           </a:xfrm>
           <a:prstGeom prst="rect">
             <a:avLst/>
@@ -8087,16 +8357,40 @@
           <a:ln/>
         </p:spPr>
       </p:sp>
-      <p:sp>
-        <p:nvSpPr>
-          <p:cNvPr id="4" name="Text 2"/>
+      <p:pic>
+        <p:nvPicPr>
+          <p:cNvPr id="4" name="Image 0" descr="preencoded.png"/>
+          <p:cNvPicPr>
+            <a:picLocks noChangeAspect="1"/>
+          </p:cNvPicPr>
+          <p:nvPr/>
+        </p:nvPicPr>
+        <p:blipFill>
+          <a:blip r:embed="rId3"/>
+          <a:stretch>
+            <a:fillRect/>
+          </a:stretch>
+        </p:blipFill>
+        <p:spPr>
+          <a:xfrm>
+            <a:off x="9144000" y="447868"/>
+            <a:ext cx="3048000" cy="6410131"/>
+          </a:xfrm>
+          <a:prstGeom prst="rect">
+            <a:avLst/>
+          </a:prstGeom>
+        </p:spPr>
+      </p:pic>
+      <p:sp>
+        <p:nvSpPr>
+          <p:cNvPr id="5" name="Text 2"/>
           <p:cNvSpPr/>
           <p:nvPr/>
         </p:nvSpPr>
         <p:spPr>
           <a:xfrm>
-            <a:off x="1698328" y="1585913"/>
-            <a:ext cx="8795345" cy="1157288"/>
+            <a:off x="694332" y="1266429"/>
+            <a:ext cx="7285832" cy="578644"/>
           </a:xfrm>
           <a:prstGeom prst="rect">
             <a:avLst/>
@@ -8105,7 +8399,7 @@
           <a:ln/>
         </p:spPr>
         <p:txBody>
-          <a:bodyPr wrap="square" rtlCol="0" anchor="t"/>
+          <a:bodyPr wrap="none" rtlCol="0" anchor="t"/>
           <a:lstStyle/>
           <a:p>
             <a:pPr>
@@ -8122,46 +8416,49 @@
                 <a:ea typeface="Kanit" pitchFamily="34" charset="-122"/>
                 <a:cs typeface="Kanit" pitchFamily="34" charset="-120"/>
               </a:rPr>
-              <a:t>Herramientas y tecnologías utilizadas en la maquetación web</a:t>
+              <a:t>Importancia de la maquetación web</a:t>
             </a:r>
             <a:endParaRPr lang="en-US" sz="3645" dirty="0"/>
           </a:p>
         </p:txBody>
       </p:sp>
-      <p:pic>
-        <p:nvPicPr>
-          <p:cNvPr id="5" name="Image 0" descr="preencoded.png"/>
-          <p:cNvPicPr>
-            <a:picLocks noChangeAspect="1"/>
-          </p:cNvPicPr>
-          <p:nvPr/>
-        </p:nvPicPr>
-        <p:blipFill>
-          <a:blip r:embed="rId3"/>
-          <a:stretch>
-            <a:fillRect/>
-          </a:stretch>
-        </p:blipFill>
-        <p:spPr>
-          <a:xfrm>
-            <a:off x="1698328" y="3113485"/>
-            <a:ext cx="370284" cy="370284"/>
-          </a:xfrm>
-          <a:prstGeom prst="rect">
-            <a:avLst/>
-          </a:prstGeom>
-        </p:spPr>
-      </p:pic>
-      <p:sp>
-        <p:nvSpPr>
-          <p:cNvPr id="6" name="Text 3"/>
+      <p:sp>
+        <p:nvSpPr>
+          <p:cNvPr id="6" name="Shape 3"/>
           <p:cNvSpPr/>
           <p:nvPr/>
         </p:nvSpPr>
         <p:spPr>
           <a:xfrm>
-            <a:off x="1698327" y="3668911"/>
-            <a:ext cx="1990527" cy="289322"/>
+            <a:off x="694333" y="2313782"/>
+            <a:ext cx="323949" cy="323949"/>
+          </a:xfrm>
+          <a:prstGeom prst="roundRect">
+            <a:avLst>
+              <a:gd name="adj" fmla="val 25722"/>
+            </a:avLst>
+          </a:prstGeom>
+          <a:solidFill>
+            <a:srgbClr val="DFECE9"/>
+          </a:solidFill>
+          <a:ln w="7620">
+            <a:solidFill>
+              <a:srgbClr val="C5D2CF"/>
+            </a:solidFill>
+            <a:prstDash val="solid"/>
+          </a:ln>
+        </p:spPr>
+      </p:sp>
+      <p:sp>
+        <p:nvSpPr>
+          <p:cNvPr id="7" name="Text 4"/>
+          <p:cNvSpPr/>
+          <p:nvPr/>
+        </p:nvSpPr>
+        <p:spPr>
+          <a:xfrm>
+            <a:off x="1203424" y="2331046"/>
+            <a:ext cx="3276005" cy="578644"/>
           </a:xfrm>
           <a:prstGeom prst="rect">
             <a:avLst/>
@@ -8170,7 +8467,7 @@
           <a:ln/>
         </p:spPr>
         <p:txBody>
-          <a:bodyPr wrap="none" rtlCol="0" anchor="t"/>
+          <a:bodyPr wrap="square" rtlCol="0" anchor="t"/>
           <a:lstStyle/>
           <a:p>
             <a:pPr>
@@ -8187,7 +8484,7 @@
                 <a:ea typeface="Kanit" pitchFamily="34" charset="-122"/>
                 <a:cs typeface="Kanit" pitchFamily="34" charset="-120"/>
               </a:rPr>
-              <a:t>HTML5</a:t>
+              <a:t>Interactividad y Experiencia del Usuario</a:t>
             </a:r>
             <a:endParaRPr lang="en-US" sz="1822" dirty="0"/>
           </a:p>
@@ -8195,14 +8492,14 @@
       </p:sp>
       <p:sp>
         <p:nvSpPr>
-          <p:cNvPr id="7" name="Text 4"/>
+          <p:cNvPr id="8" name="Text 5"/>
           <p:cNvSpPr/>
           <p:nvPr/>
         </p:nvSpPr>
         <p:spPr>
           <a:xfrm>
-            <a:off x="1698327" y="4069259"/>
-            <a:ext cx="1990527" cy="888504"/>
+            <a:off x="1203424" y="3020715"/>
+            <a:ext cx="3276005" cy="1184672"/>
           </a:xfrm>
           <a:prstGeom prst="rect">
             <a:avLst/>
@@ -8228,46 +8525,49 @@
                 <a:ea typeface="Martel Sans" pitchFamily="34" charset="-122"/>
                 <a:cs typeface="Martel Sans" pitchFamily="34" charset="-120"/>
               </a:rPr>
-              <a:t>Lenguaje de marcado para la estructura de páginas web.</a:t>
+              <a:t>La maquetación web influye directamente en la experiencia del usuario al interactuar con un sitio web.</a:t>
             </a:r>
             <a:endParaRPr lang="en-US" sz="1458" dirty="0"/>
           </a:p>
         </p:txBody>
       </p:sp>
-      <p:pic>
-        <p:nvPicPr>
-          <p:cNvPr id="8" name="Image 1" descr="preencoded.png"/>
-          <p:cNvPicPr>
-            <a:picLocks noChangeAspect="1"/>
-          </p:cNvPicPr>
-          <p:nvPr/>
-        </p:nvPicPr>
-        <p:blipFill>
-          <a:blip r:embed="rId4"/>
-          <a:stretch>
-            <a:fillRect/>
-          </a:stretch>
-        </p:blipFill>
-        <p:spPr>
-          <a:xfrm>
-            <a:off x="3966568" y="3113484"/>
-            <a:ext cx="370284" cy="388343"/>
-          </a:xfrm>
-          <a:prstGeom prst="rect">
-            <a:avLst/>
-          </a:prstGeom>
-        </p:spPr>
-      </p:pic>
-      <p:sp>
-        <p:nvSpPr>
-          <p:cNvPr id="9" name="Text 5"/>
+      <p:sp>
+        <p:nvSpPr>
+          <p:cNvPr id="9" name="Shape 6"/>
           <p:cNvSpPr/>
           <p:nvPr/>
         </p:nvSpPr>
         <p:spPr>
           <a:xfrm>
-            <a:off x="3966567" y="3686969"/>
-            <a:ext cx="1990527" cy="289322"/>
+            <a:off x="4664571" y="2313782"/>
+            <a:ext cx="323949" cy="323949"/>
+          </a:xfrm>
+          <a:prstGeom prst="roundRect">
+            <a:avLst>
+              <a:gd name="adj" fmla="val 25722"/>
+            </a:avLst>
+          </a:prstGeom>
+          <a:solidFill>
+            <a:srgbClr val="DFECE9"/>
+          </a:solidFill>
+          <a:ln w="7620">
+            <a:solidFill>
+              <a:srgbClr val="C5D2CF"/>
+            </a:solidFill>
+            <a:prstDash val="solid"/>
+          </a:ln>
+        </p:spPr>
+      </p:sp>
+      <p:sp>
+        <p:nvSpPr>
+          <p:cNvPr id="10" name="Text 7"/>
+          <p:cNvSpPr/>
+          <p:nvPr/>
+        </p:nvSpPr>
+        <p:spPr>
+          <a:xfrm>
+            <a:off x="5173663" y="2331046"/>
+            <a:ext cx="3276005" cy="578644"/>
           </a:xfrm>
           <a:prstGeom prst="rect">
             <a:avLst/>
@@ -8276,7 +8576,7 @@
           <a:ln/>
         </p:spPr>
         <p:txBody>
-          <a:bodyPr wrap="none" rtlCol="0" anchor="t"/>
+          <a:bodyPr wrap="square" rtlCol="0" anchor="t"/>
           <a:lstStyle/>
           <a:p>
             <a:pPr>
@@ -8293,7 +8593,7 @@
                 <a:ea typeface="Kanit" pitchFamily="34" charset="-122"/>
                 <a:cs typeface="Kanit" pitchFamily="34" charset="-120"/>
               </a:rPr>
-              <a:t>CSS3</a:t>
+              <a:t>Optimización para Motores de Búsqueda</a:t>
             </a:r>
             <a:endParaRPr lang="en-US" sz="1822" dirty="0"/>
           </a:p>
@@ -8301,14 +8601,14 @@
       </p:sp>
       <p:sp>
         <p:nvSpPr>
-          <p:cNvPr id="10" name="Text 6"/>
+          <p:cNvPr id="11" name="Text 8"/>
           <p:cNvSpPr/>
           <p:nvPr/>
         </p:nvSpPr>
         <p:spPr>
           <a:xfrm>
-            <a:off x="3966567" y="4087317"/>
-            <a:ext cx="1990527" cy="1184672"/>
+            <a:off x="5173663" y="3020715"/>
+            <a:ext cx="3276005" cy="1184672"/>
           </a:xfrm>
           <a:prstGeom prst="rect">
             <a:avLst/>
@@ -8334,46 +8634,49 @@
                 <a:ea typeface="Martel Sans" pitchFamily="34" charset="-122"/>
                 <a:cs typeface="Martel Sans" pitchFamily="34" charset="-120"/>
               </a:rPr>
-              <a:t>Utilizado para estilizar y presentar visualmente el contenido.</a:t>
+              <a:t>Una maquetación web adecuada puede mejorar el posicionamiento del sitio en los resultados de búsqueda.</a:t>
             </a:r>
             <a:endParaRPr lang="en-US" sz="1458" dirty="0"/>
           </a:p>
         </p:txBody>
       </p:sp>
-      <p:pic>
-        <p:nvPicPr>
-          <p:cNvPr id="11" name="Image 2" descr="preencoded.png"/>
-          <p:cNvPicPr>
-            <a:picLocks noChangeAspect="1"/>
-          </p:cNvPicPr>
-          <p:nvPr/>
-        </p:nvPicPr>
-        <p:blipFill>
-          <a:blip r:embed="rId5"/>
-          <a:stretch>
-            <a:fillRect/>
-          </a:stretch>
-        </p:blipFill>
-        <p:spPr>
-          <a:xfrm>
-            <a:off x="6234807" y="3113485"/>
-            <a:ext cx="370284" cy="370284"/>
-          </a:xfrm>
-          <a:prstGeom prst="rect">
-            <a:avLst/>
-          </a:prstGeom>
-        </p:spPr>
-      </p:pic>
-      <p:sp>
-        <p:nvSpPr>
-          <p:cNvPr id="12" name="Text 7"/>
+      <p:sp>
+        <p:nvSpPr>
+          <p:cNvPr id="12" name="Shape 9"/>
           <p:cNvSpPr/>
           <p:nvPr/>
         </p:nvSpPr>
         <p:spPr>
           <a:xfrm>
-            <a:off x="6234807" y="3668911"/>
-            <a:ext cx="1990527" cy="289322"/>
+            <a:off x="694333" y="4581526"/>
+            <a:ext cx="323949" cy="323949"/>
+          </a:xfrm>
+          <a:prstGeom prst="roundRect">
+            <a:avLst>
+              <a:gd name="adj" fmla="val 25722"/>
+            </a:avLst>
+          </a:prstGeom>
+          <a:solidFill>
+            <a:srgbClr val="DFECE9"/>
+          </a:solidFill>
+          <a:ln w="7620">
+            <a:solidFill>
+              <a:srgbClr val="C5D2CF"/>
+            </a:solidFill>
+            <a:prstDash val="solid"/>
+          </a:ln>
+        </p:spPr>
+      </p:sp>
+      <p:sp>
+        <p:nvSpPr>
+          <p:cNvPr id="13" name="Text 10"/>
+          <p:cNvSpPr/>
+          <p:nvPr/>
+        </p:nvSpPr>
+        <p:spPr>
+          <a:xfrm>
+            <a:off x="1203424" y="4598789"/>
+            <a:ext cx="3175198" cy="289322"/>
           </a:xfrm>
           <a:prstGeom prst="rect">
             <a:avLst/>
@@ -8399,7 +8702,7 @@
                 <a:ea typeface="Kanit" pitchFamily="34" charset="-122"/>
                 <a:cs typeface="Kanit" pitchFamily="34" charset="-120"/>
               </a:rPr>
-              <a:t>JavaScript/Python</a:t>
+              <a:t>Consistencia y Profesionalismo</a:t>
             </a:r>
             <a:endParaRPr lang="en-US" sz="1822" dirty="0"/>
           </a:p>
@@ -8407,14 +8710,14 @@
       </p:sp>
       <p:sp>
         <p:nvSpPr>
-          <p:cNvPr id="13" name="Text 8"/>
+          <p:cNvPr id="14" name="Text 11"/>
           <p:cNvSpPr/>
           <p:nvPr/>
         </p:nvSpPr>
         <p:spPr>
           <a:xfrm>
-            <a:off x="6234807" y="4069258"/>
-            <a:ext cx="1990527" cy="1184672"/>
+            <a:off x="1203424" y="4999137"/>
+            <a:ext cx="7246243" cy="592336"/>
           </a:xfrm>
           <a:prstGeom prst="rect">
             <a:avLst/>
@@ -8431,17 +8734,6 @@
                 <a:spcPts val="2332"/>
               </a:lnSpc>
             </a:pPr>
-            <a:r>
-              <a:rPr lang="en-US" sz="1458" dirty="0" err="1">
-                <a:solidFill>
-                  <a:srgbClr val="2C3249"/>
-                </a:solidFill>
-                <a:latin typeface="Martel Sans" pitchFamily="34" charset="0"/>
-                <a:ea typeface="Martel Sans" pitchFamily="34" charset="-122"/>
-                <a:cs typeface="Martel Sans" pitchFamily="34" charset="-120"/>
-              </a:rPr>
-              <a:t>Lenguajes</a:t>
-            </a:r>
             <a:r>
               <a:rPr lang="en-US" sz="1458" dirty="0">
                 <a:solidFill>
@@ -8451,7 +8743,7 @@
                 <a:ea typeface="Martel Sans" pitchFamily="34" charset="-122"/>
                 <a:cs typeface="Martel Sans" pitchFamily="34" charset="-120"/>
               </a:rPr>
-              <a:t> de programación para interactividad y dinamismo en la web.</a:t>
+              <a:t>Ayuda a mantener una apariencia profesional y consistente en todas las páginas del sitio.</a:t>
             </a:r>
             <a:endParaRPr lang="en-US" sz="1458" dirty="0"/>
           </a:p>
@@ -8459,116 +8751,10 @@
       </p:sp>
       <p:pic>
         <p:nvPicPr>
-          <p:cNvPr id="14" name="Image 3" descr="preencoded.png"/>
-          <p:cNvPicPr>
-            <a:picLocks noChangeAspect="1"/>
-          </p:cNvPicPr>
-          <p:nvPr/>
-        </p:nvPicPr>
-        <p:blipFill>
-          <a:blip r:embed="rId6"/>
-          <a:stretch>
-            <a:fillRect/>
-          </a:stretch>
-        </p:blipFill>
-        <p:spPr>
-          <a:xfrm>
-            <a:off x="8503047" y="3113485"/>
-            <a:ext cx="370284" cy="370284"/>
-          </a:xfrm>
-          <a:prstGeom prst="rect">
-            <a:avLst/>
-          </a:prstGeom>
-        </p:spPr>
-      </p:pic>
-      <p:sp>
-        <p:nvSpPr>
-          <p:cNvPr id="15" name="Text 9"/>
-          <p:cNvSpPr/>
-          <p:nvPr/>
-        </p:nvSpPr>
-        <p:spPr>
-          <a:xfrm>
-            <a:off x="8503047" y="3668911"/>
-            <a:ext cx="1990626" cy="289322"/>
-          </a:xfrm>
-          <a:prstGeom prst="rect">
-            <a:avLst/>
-          </a:prstGeom>
-          <a:noFill/>
-          <a:ln/>
-        </p:spPr>
-        <p:txBody>
-          <a:bodyPr wrap="none" rtlCol="0" anchor="t"/>
-          <a:lstStyle/>
-          <a:p>
-            <a:pPr>
-              <a:lnSpc>
-                <a:spcPts val="2278"/>
-              </a:lnSpc>
-            </a:pPr>
-            <a:r>
-              <a:rPr lang="en-US" sz="1822" dirty="0">
-                <a:solidFill>
-                  <a:srgbClr val="2C3249"/>
-                </a:solidFill>
-                <a:latin typeface="Kanit" pitchFamily="34" charset="0"/>
-                <a:ea typeface="Kanit" pitchFamily="34" charset="-122"/>
-                <a:cs typeface="Kanit" pitchFamily="34" charset="-120"/>
-              </a:rPr>
-              <a:t>Diseño Responsivo</a:t>
-            </a:r>
-            <a:endParaRPr lang="en-US" sz="1822" dirty="0"/>
-          </a:p>
-        </p:txBody>
-      </p:sp>
-      <p:sp>
-        <p:nvSpPr>
-          <p:cNvPr id="16" name="Text 10"/>
-          <p:cNvSpPr/>
-          <p:nvPr/>
-        </p:nvSpPr>
-        <p:spPr>
-          <a:xfrm>
-            <a:off x="8503047" y="4069258"/>
-            <a:ext cx="1990626" cy="1184672"/>
-          </a:xfrm>
-          <a:prstGeom prst="rect">
-            <a:avLst/>
-          </a:prstGeom>
-          <a:noFill/>
-          <a:ln/>
-        </p:spPr>
-        <p:txBody>
-          <a:bodyPr wrap="square" rtlCol="0" anchor="t"/>
-          <a:lstStyle/>
-          <a:p>
-            <a:pPr>
-              <a:lnSpc>
-                <a:spcPts val="2332"/>
-              </a:lnSpc>
-            </a:pPr>
-            <a:r>
-              <a:rPr lang="en-US" sz="1458" dirty="0">
-                <a:solidFill>
-                  <a:srgbClr val="2C3249"/>
-                </a:solidFill>
-                <a:latin typeface="Martel Sans" pitchFamily="34" charset="0"/>
-                <a:ea typeface="Martel Sans" pitchFamily="34" charset="-122"/>
-                <a:cs typeface="Martel Sans" pitchFamily="34" charset="-120"/>
-              </a:rPr>
-              <a:t>Tecnología que permite adaptar la maquetación al tamaño de la pantalla.</a:t>
-            </a:r>
-            <a:endParaRPr lang="en-US" sz="1458" dirty="0"/>
-          </a:p>
-        </p:txBody>
-      </p:sp>
-      <p:pic>
-        <p:nvPicPr>
-          <p:cNvPr id="17" name="Imagen 16">
+          <p:cNvPr id="15" name="Imagen 14">
             <a:extLst>
               <a:ext uri="{FF2B5EF4-FFF2-40B4-BE49-F238E27FC236}">
-                <a16:creationId xmlns:a16="http://schemas.microsoft.com/office/drawing/2014/main" id="{471FC300-650D-739C-6BE2-01D92EB2411B}"/>
+                <a16:creationId xmlns:a16="http://schemas.microsoft.com/office/drawing/2014/main" id="{F510617A-B066-33B4-B7AB-3FE26FC1EEAD}"/>
               </a:ext>
             </a:extLst>
           </p:cNvPr>
@@ -8578,7 +8764,7 @@
           <p:nvPr/>
         </p:nvPicPr>
         <p:blipFill>
-          <a:blip r:embed="rId7"/>
+          <a:blip r:embed="rId4"/>
           <a:stretch>
             <a:fillRect/>
           </a:stretch>
@@ -8595,10 +8781,10 @@
       </p:pic>
       <p:pic>
         <p:nvPicPr>
-          <p:cNvPr id="18" name="Imagen 17">
+          <p:cNvPr id="16" name="Imagen 15">
             <a:extLst>
               <a:ext uri="{FF2B5EF4-FFF2-40B4-BE49-F238E27FC236}">
-                <a16:creationId xmlns:a16="http://schemas.microsoft.com/office/drawing/2014/main" id="{C444BEBB-DE3B-2C11-3AA8-6CE3CFD0094F}"/>
+                <a16:creationId xmlns:a16="http://schemas.microsoft.com/office/drawing/2014/main" id="{F87A3C4E-727E-35EB-F4B1-8941114492AE}"/>
               </a:ext>
             </a:extLst>
           </p:cNvPr>
@@ -8608,7 +8794,7 @@
           <p:nvPr/>
         </p:nvPicPr>
         <p:blipFill>
-          <a:blip r:embed="rId8"/>
+          <a:blip r:embed="rId5"/>
           <a:stretch>
             <a:fillRect/>
           </a:stretch>
@@ -8616,7 +8802,7 @@
         <p:spPr>
           <a:xfrm>
             <a:off x="0" y="6143625"/>
-            <a:ext cx="11087100" cy="714375"/>
+            <a:ext cx="9144000" cy="714375"/>
           </a:xfrm>
           <a:prstGeom prst="rect">
             <a:avLst/>
@@ -8696,7 +8882,7 @@
         </p:nvSpPr>
         <p:spPr>
           <a:xfrm>
-            <a:off x="1698328" y="2072879"/>
+            <a:off x="1698328" y="1585913"/>
             <a:ext cx="8795345" cy="1157288"/>
           </a:xfrm>
           <a:prstGeom prst="rect">
@@ -8723,22 +8909,87 @@
                 <a:ea typeface="Kanit" pitchFamily="34" charset="-122"/>
                 <a:cs typeface="Kanit" pitchFamily="34" charset="-120"/>
               </a:rPr>
-              <a:t>Principios de diseño en la maquetación web</a:t>
+              <a:t>Herramientas y tecnologías utilizadas en la maquetación web</a:t>
             </a:r>
             <a:endParaRPr lang="en-US" sz="3645" dirty="0"/>
           </a:p>
         </p:txBody>
       </p:sp>
-      <p:sp>
-        <p:nvSpPr>
-          <p:cNvPr id="5" name="Text 3"/>
+      <p:pic>
+        <p:nvPicPr>
+          <p:cNvPr id="5" name="Image 0" descr="preencoded.png"/>
+          <p:cNvPicPr>
+            <a:picLocks noChangeAspect="1"/>
+          </p:cNvPicPr>
+          <p:nvPr/>
+        </p:nvPicPr>
+        <p:blipFill>
+          <a:blip r:embed="rId3"/>
+          <a:stretch>
+            <a:fillRect/>
+          </a:stretch>
+        </p:blipFill>
+        <p:spPr>
+          <a:xfrm>
+            <a:off x="1698328" y="3113485"/>
+            <a:ext cx="370284" cy="370284"/>
+          </a:xfrm>
+          <a:prstGeom prst="rect">
+            <a:avLst/>
+          </a:prstGeom>
+        </p:spPr>
+      </p:pic>
+      <p:sp>
+        <p:nvSpPr>
+          <p:cNvPr id="6" name="Text 3"/>
           <p:cNvSpPr/>
           <p:nvPr/>
         </p:nvSpPr>
         <p:spPr>
           <a:xfrm>
-            <a:off x="1698328" y="3600450"/>
-            <a:ext cx="8795345" cy="1184672"/>
+            <a:off x="1698327" y="3668911"/>
+            <a:ext cx="1990527" cy="289322"/>
+          </a:xfrm>
+          <a:prstGeom prst="rect">
+            <a:avLst/>
+          </a:prstGeom>
+          <a:noFill/>
+          <a:ln/>
+        </p:spPr>
+        <p:txBody>
+          <a:bodyPr wrap="none" rtlCol="0" anchor="t"/>
+          <a:lstStyle/>
+          <a:p>
+            <a:pPr>
+              <a:lnSpc>
+                <a:spcPts val="2278"/>
+              </a:lnSpc>
+            </a:pPr>
+            <a:r>
+              <a:rPr lang="en-US" sz="1822" dirty="0">
+                <a:solidFill>
+                  <a:srgbClr val="2C3249"/>
+                </a:solidFill>
+                <a:latin typeface="Kanit" pitchFamily="34" charset="0"/>
+                <a:ea typeface="Kanit" pitchFamily="34" charset="-122"/>
+                <a:cs typeface="Kanit" pitchFamily="34" charset="-120"/>
+              </a:rPr>
+              <a:t>HTML5</a:t>
+            </a:r>
+            <a:endParaRPr lang="en-US" sz="1822" dirty="0"/>
+          </a:p>
+        </p:txBody>
+      </p:sp>
+      <p:sp>
+        <p:nvSpPr>
+          <p:cNvPr id="7" name="Text 4"/>
+          <p:cNvSpPr/>
+          <p:nvPr/>
+        </p:nvSpPr>
+        <p:spPr>
+          <a:xfrm>
+            <a:off x="1698327" y="4069259"/>
+            <a:ext cx="1990527" cy="888504"/>
           </a:xfrm>
           <a:prstGeom prst="rect">
             <a:avLst/>
@@ -8764,7 +9015,7 @@
                 <a:ea typeface="Martel Sans" pitchFamily="34" charset="-122"/>
                 <a:cs typeface="Martel Sans" pitchFamily="34" charset="-120"/>
               </a:rPr>
-              <a:t>Los principios de diseño en la maquetación web son fundamentales para la usabilidad y la estética del sitio. La simplicidad, la consistencia y la jerarquía visual son aspectos clave a considerar. Por ejemplo, la simplicidad favorece la claridad, la consistencia asegura una experiencia coherente y la jerarquía visual guía la atención del usuario.</a:t>
+              <a:t>Lenguaje de marcado para la estructura de páginas web.</a:t>
             </a:r>
             <a:endParaRPr lang="en-US" sz="1458" dirty="0"/>
           </a:p>
@@ -8772,10 +9023,339 @@
       </p:sp>
       <p:pic>
         <p:nvPicPr>
-          <p:cNvPr id="6" name="Imagen 5">
+          <p:cNvPr id="8" name="Image 1" descr="preencoded.png"/>
+          <p:cNvPicPr>
+            <a:picLocks noChangeAspect="1"/>
+          </p:cNvPicPr>
+          <p:nvPr/>
+        </p:nvPicPr>
+        <p:blipFill>
+          <a:blip r:embed="rId4"/>
+          <a:stretch>
+            <a:fillRect/>
+          </a:stretch>
+        </p:blipFill>
+        <p:spPr>
+          <a:xfrm>
+            <a:off x="3966568" y="3113484"/>
+            <a:ext cx="370284" cy="388343"/>
+          </a:xfrm>
+          <a:prstGeom prst="rect">
+            <a:avLst/>
+          </a:prstGeom>
+        </p:spPr>
+      </p:pic>
+      <p:sp>
+        <p:nvSpPr>
+          <p:cNvPr id="9" name="Text 5"/>
+          <p:cNvSpPr/>
+          <p:nvPr/>
+        </p:nvSpPr>
+        <p:spPr>
+          <a:xfrm>
+            <a:off x="3966567" y="3686969"/>
+            <a:ext cx="1990527" cy="289322"/>
+          </a:xfrm>
+          <a:prstGeom prst="rect">
+            <a:avLst/>
+          </a:prstGeom>
+          <a:noFill/>
+          <a:ln/>
+        </p:spPr>
+        <p:txBody>
+          <a:bodyPr wrap="none" rtlCol="0" anchor="t"/>
+          <a:lstStyle/>
+          <a:p>
+            <a:pPr>
+              <a:lnSpc>
+                <a:spcPts val="2278"/>
+              </a:lnSpc>
+            </a:pPr>
+            <a:r>
+              <a:rPr lang="en-US" sz="1822" dirty="0">
+                <a:solidFill>
+                  <a:srgbClr val="2C3249"/>
+                </a:solidFill>
+                <a:latin typeface="Kanit" pitchFamily="34" charset="0"/>
+                <a:ea typeface="Kanit" pitchFamily="34" charset="-122"/>
+                <a:cs typeface="Kanit" pitchFamily="34" charset="-120"/>
+              </a:rPr>
+              <a:t>CSS3</a:t>
+            </a:r>
+            <a:endParaRPr lang="en-US" sz="1822" dirty="0"/>
+          </a:p>
+        </p:txBody>
+      </p:sp>
+      <p:sp>
+        <p:nvSpPr>
+          <p:cNvPr id="10" name="Text 6"/>
+          <p:cNvSpPr/>
+          <p:nvPr/>
+        </p:nvSpPr>
+        <p:spPr>
+          <a:xfrm>
+            <a:off x="3966567" y="4087317"/>
+            <a:ext cx="1990527" cy="1184672"/>
+          </a:xfrm>
+          <a:prstGeom prst="rect">
+            <a:avLst/>
+          </a:prstGeom>
+          <a:noFill/>
+          <a:ln/>
+        </p:spPr>
+        <p:txBody>
+          <a:bodyPr wrap="square" rtlCol="0" anchor="t"/>
+          <a:lstStyle/>
+          <a:p>
+            <a:pPr>
+              <a:lnSpc>
+                <a:spcPts val="2332"/>
+              </a:lnSpc>
+            </a:pPr>
+            <a:r>
+              <a:rPr lang="en-US" sz="1458" dirty="0">
+                <a:solidFill>
+                  <a:srgbClr val="2C3249"/>
+                </a:solidFill>
+                <a:latin typeface="Martel Sans" pitchFamily="34" charset="0"/>
+                <a:ea typeface="Martel Sans" pitchFamily="34" charset="-122"/>
+                <a:cs typeface="Martel Sans" pitchFamily="34" charset="-120"/>
+              </a:rPr>
+              <a:t>Utilizado para estilizar y presentar visualmente el contenido.</a:t>
+            </a:r>
+            <a:endParaRPr lang="en-US" sz="1458" dirty="0"/>
+          </a:p>
+        </p:txBody>
+      </p:sp>
+      <p:pic>
+        <p:nvPicPr>
+          <p:cNvPr id="11" name="Image 2" descr="preencoded.png"/>
+          <p:cNvPicPr>
+            <a:picLocks noChangeAspect="1"/>
+          </p:cNvPicPr>
+          <p:nvPr/>
+        </p:nvPicPr>
+        <p:blipFill>
+          <a:blip r:embed="rId5"/>
+          <a:stretch>
+            <a:fillRect/>
+          </a:stretch>
+        </p:blipFill>
+        <p:spPr>
+          <a:xfrm>
+            <a:off x="6234807" y="3113485"/>
+            <a:ext cx="370284" cy="370284"/>
+          </a:xfrm>
+          <a:prstGeom prst="rect">
+            <a:avLst/>
+          </a:prstGeom>
+        </p:spPr>
+      </p:pic>
+      <p:sp>
+        <p:nvSpPr>
+          <p:cNvPr id="12" name="Text 7"/>
+          <p:cNvSpPr/>
+          <p:nvPr/>
+        </p:nvSpPr>
+        <p:spPr>
+          <a:xfrm>
+            <a:off x="6234807" y="3668911"/>
+            <a:ext cx="1990527" cy="289322"/>
+          </a:xfrm>
+          <a:prstGeom prst="rect">
+            <a:avLst/>
+          </a:prstGeom>
+          <a:noFill/>
+          <a:ln/>
+        </p:spPr>
+        <p:txBody>
+          <a:bodyPr wrap="none" rtlCol="0" anchor="t"/>
+          <a:lstStyle/>
+          <a:p>
+            <a:pPr>
+              <a:lnSpc>
+                <a:spcPts val="2278"/>
+              </a:lnSpc>
+            </a:pPr>
+            <a:r>
+              <a:rPr lang="en-US" sz="1822" dirty="0">
+                <a:solidFill>
+                  <a:srgbClr val="2C3249"/>
+                </a:solidFill>
+                <a:latin typeface="Kanit" pitchFamily="34" charset="0"/>
+                <a:ea typeface="Kanit" pitchFamily="34" charset="-122"/>
+                <a:cs typeface="Kanit" pitchFamily="34" charset="-120"/>
+              </a:rPr>
+              <a:t>JavaScript/Python</a:t>
+            </a:r>
+            <a:endParaRPr lang="en-US" sz="1822" dirty="0"/>
+          </a:p>
+        </p:txBody>
+      </p:sp>
+      <p:sp>
+        <p:nvSpPr>
+          <p:cNvPr id="13" name="Text 8"/>
+          <p:cNvSpPr/>
+          <p:nvPr/>
+        </p:nvSpPr>
+        <p:spPr>
+          <a:xfrm>
+            <a:off x="6234807" y="4069258"/>
+            <a:ext cx="1990527" cy="1184672"/>
+          </a:xfrm>
+          <a:prstGeom prst="rect">
+            <a:avLst/>
+          </a:prstGeom>
+          <a:noFill/>
+          <a:ln/>
+        </p:spPr>
+        <p:txBody>
+          <a:bodyPr wrap="square" rtlCol="0" anchor="t"/>
+          <a:lstStyle/>
+          <a:p>
+            <a:pPr>
+              <a:lnSpc>
+                <a:spcPts val="2332"/>
+              </a:lnSpc>
+            </a:pPr>
+            <a:r>
+              <a:rPr lang="en-US" sz="1458" dirty="0" err="1">
+                <a:solidFill>
+                  <a:srgbClr val="2C3249"/>
+                </a:solidFill>
+                <a:latin typeface="Martel Sans" pitchFamily="34" charset="0"/>
+                <a:ea typeface="Martel Sans" pitchFamily="34" charset="-122"/>
+                <a:cs typeface="Martel Sans" pitchFamily="34" charset="-120"/>
+              </a:rPr>
+              <a:t>Lenguajes</a:t>
+            </a:r>
+            <a:r>
+              <a:rPr lang="en-US" sz="1458" dirty="0">
+                <a:solidFill>
+                  <a:srgbClr val="2C3249"/>
+                </a:solidFill>
+                <a:latin typeface="Martel Sans" pitchFamily="34" charset="0"/>
+                <a:ea typeface="Martel Sans" pitchFamily="34" charset="-122"/>
+                <a:cs typeface="Martel Sans" pitchFamily="34" charset="-120"/>
+              </a:rPr>
+              <a:t> de programación para interactividad y dinamismo en la web.</a:t>
+            </a:r>
+            <a:endParaRPr lang="en-US" sz="1458" dirty="0"/>
+          </a:p>
+        </p:txBody>
+      </p:sp>
+      <p:pic>
+        <p:nvPicPr>
+          <p:cNvPr id="14" name="Image 3" descr="preencoded.png"/>
+          <p:cNvPicPr>
+            <a:picLocks noChangeAspect="1"/>
+          </p:cNvPicPr>
+          <p:nvPr/>
+        </p:nvPicPr>
+        <p:blipFill>
+          <a:blip r:embed="rId6"/>
+          <a:stretch>
+            <a:fillRect/>
+          </a:stretch>
+        </p:blipFill>
+        <p:spPr>
+          <a:xfrm>
+            <a:off x="8503047" y="3113485"/>
+            <a:ext cx="370284" cy="370284"/>
+          </a:xfrm>
+          <a:prstGeom prst="rect">
+            <a:avLst/>
+          </a:prstGeom>
+        </p:spPr>
+      </p:pic>
+      <p:sp>
+        <p:nvSpPr>
+          <p:cNvPr id="15" name="Text 9"/>
+          <p:cNvSpPr/>
+          <p:nvPr/>
+        </p:nvSpPr>
+        <p:spPr>
+          <a:xfrm>
+            <a:off x="8503047" y="3668911"/>
+            <a:ext cx="1990626" cy="289322"/>
+          </a:xfrm>
+          <a:prstGeom prst="rect">
+            <a:avLst/>
+          </a:prstGeom>
+          <a:noFill/>
+          <a:ln/>
+        </p:spPr>
+        <p:txBody>
+          <a:bodyPr wrap="none" rtlCol="0" anchor="t"/>
+          <a:lstStyle/>
+          <a:p>
+            <a:pPr>
+              <a:lnSpc>
+                <a:spcPts val="2278"/>
+              </a:lnSpc>
+            </a:pPr>
+            <a:r>
+              <a:rPr lang="en-US" sz="1822" dirty="0">
+                <a:solidFill>
+                  <a:srgbClr val="2C3249"/>
+                </a:solidFill>
+                <a:latin typeface="Kanit" pitchFamily="34" charset="0"/>
+                <a:ea typeface="Kanit" pitchFamily="34" charset="-122"/>
+                <a:cs typeface="Kanit" pitchFamily="34" charset="-120"/>
+              </a:rPr>
+              <a:t>Diseño Responsivo</a:t>
+            </a:r>
+            <a:endParaRPr lang="en-US" sz="1822" dirty="0"/>
+          </a:p>
+        </p:txBody>
+      </p:sp>
+      <p:sp>
+        <p:nvSpPr>
+          <p:cNvPr id="16" name="Text 10"/>
+          <p:cNvSpPr/>
+          <p:nvPr/>
+        </p:nvSpPr>
+        <p:spPr>
+          <a:xfrm>
+            <a:off x="8503047" y="4069258"/>
+            <a:ext cx="1990626" cy="1184672"/>
+          </a:xfrm>
+          <a:prstGeom prst="rect">
+            <a:avLst/>
+          </a:prstGeom>
+          <a:noFill/>
+          <a:ln/>
+        </p:spPr>
+        <p:txBody>
+          <a:bodyPr wrap="square" rtlCol="0" anchor="t"/>
+          <a:lstStyle/>
+          <a:p>
+            <a:pPr>
+              <a:lnSpc>
+                <a:spcPts val="2332"/>
+              </a:lnSpc>
+            </a:pPr>
+            <a:r>
+              <a:rPr lang="en-US" sz="1458" dirty="0">
+                <a:solidFill>
+                  <a:srgbClr val="2C3249"/>
+                </a:solidFill>
+                <a:latin typeface="Martel Sans" pitchFamily="34" charset="0"/>
+                <a:ea typeface="Martel Sans" pitchFamily="34" charset="-122"/>
+                <a:cs typeface="Martel Sans" pitchFamily="34" charset="-120"/>
+              </a:rPr>
+              <a:t>Tecnología que permite adaptar la maquetación al tamaño de la pantalla.</a:t>
+            </a:r>
+            <a:endParaRPr lang="en-US" sz="1458" dirty="0"/>
+          </a:p>
+        </p:txBody>
+      </p:sp>
+      <p:pic>
+        <p:nvPicPr>
+          <p:cNvPr id="17" name="Imagen 16">
             <a:extLst>
               <a:ext uri="{FF2B5EF4-FFF2-40B4-BE49-F238E27FC236}">
-                <a16:creationId xmlns:a16="http://schemas.microsoft.com/office/drawing/2014/main" id="{6F744B8A-01A2-018A-FC45-8288ACDA8FB0}"/>
+                <a16:creationId xmlns:a16="http://schemas.microsoft.com/office/drawing/2014/main" id="{471FC300-650D-739C-6BE2-01D92EB2411B}"/>
               </a:ext>
             </a:extLst>
           </p:cNvPr>
@@ -8785,7 +9365,7 @@
           <p:nvPr/>
         </p:nvPicPr>
         <p:blipFill>
-          <a:blip r:embed="rId3"/>
+          <a:blip r:embed="rId7"/>
           <a:stretch>
             <a:fillRect/>
           </a:stretch>
@@ -8802,10 +9382,10 @@
       </p:pic>
       <p:pic>
         <p:nvPicPr>
-          <p:cNvPr id="7" name="Imagen 6">
+          <p:cNvPr id="18" name="Imagen 17">
             <a:extLst>
               <a:ext uri="{FF2B5EF4-FFF2-40B4-BE49-F238E27FC236}">
-                <a16:creationId xmlns:a16="http://schemas.microsoft.com/office/drawing/2014/main" id="{C6880502-0D34-1E06-B106-33516EB5E83B}"/>
+                <a16:creationId xmlns:a16="http://schemas.microsoft.com/office/drawing/2014/main" id="{C444BEBB-DE3B-2C11-3AA8-6CE3CFD0094F}"/>
               </a:ext>
             </a:extLst>
           </p:cNvPr>
@@ -8815,7 +9395,7 @@
           <p:nvPr/>
         </p:nvPicPr>
         <p:blipFill>
-          <a:blip r:embed="rId4"/>
+          <a:blip r:embed="rId8"/>
           <a:stretch>
             <a:fillRect/>
           </a:stretch>
@@ -8903,7 +9483,7 @@
         </p:nvSpPr>
         <p:spPr>
           <a:xfrm>
-            <a:off x="1698328" y="1113731"/>
+            <a:off x="1698328" y="2072879"/>
             <a:ext cx="8795345" cy="1157288"/>
           </a:xfrm>
           <a:prstGeom prst="rect">
@@ -8930,7 +9510,7 @@
                 <a:ea typeface="Kanit" pitchFamily="34" charset="-122"/>
                 <a:cs typeface="Kanit" pitchFamily="34" charset="-120"/>
               </a:rPr>
-              <a:t>Tipos de maquetación web (responsive, adaptativa, fluida)</a:t>
+              <a:t>Principios de diseño en la maquetación web</a:t>
             </a:r>
             <a:endParaRPr lang="en-US" sz="3645" dirty="0"/>
           </a:p>
@@ -8944,49 +9524,8 @@
         </p:nvSpPr>
         <p:spPr>
           <a:xfrm>
-            <a:off x="1698328" y="2733874"/>
-            <a:ext cx="2630289" cy="578644"/>
-          </a:xfrm>
-          <a:prstGeom prst="rect">
-            <a:avLst/>
-          </a:prstGeom>
-          <a:noFill/>
-          <a:ln/>
-        </p:spPr>
-        <p:txBody>
-          <a:bodyPr wrap="square" rtlCol="0" anchor="t"/>
-          <a:lstStyle/>
-          <a:p>
-            <a:pPr>
-              <a:lnSpc>
-                <a:spcPts val="2278"/>
-              </a:lnSpc>
-            </a:pPr>
-            <a:r>
-              <a:rPr lang="en-US" sz="1822" dirty="0">
-                <a:solidFill>
-                  <a:srgbClr val="272D45"/>
-                </a:solidFill>
-                <a:latin typeface="Kanit" pitchFamily="34" charset="0"/>
-                <a:ea typeface="Kanit" pitchFamily="34" charset="-122"/>
-                <a:cs typeface="Kanit" pitchFamily="34" charset="-120"/>
-              </a:rPr>
-              <a:t>Maquetación Web Responsiva</a:t>
-            </a:r>
-            <a:endParaRPr lang="en-US" sz="1822" dirty="0"/>
-          </a:p>
-        </p:txBody>
-      </p:sp>
-      <p:sp>
-        <p:nvSpPr>
-          <p:cNvPr id="6" name="Text 4"/>
-          <p:cNvSpPr/>
-          <p:nvPr/>
-        </p:nvSpPr>
-        <p:spPr>
-          <a:xfrm>
-            <a:off x="1698328" y="3497660"/>
-            <a:ext cx="2630289" cy="2073176"/>
+            <a:off x="1698328" y="3600450"/>
+            <a:ext cx="8795345" cy="1184672"/>
           </a:xfrm>
           <a:prstGeom prst="rect">
             <a:avLst/>
@@ -9012,171 +9551,7 @@
                 <a:ea typeface="Martel Sans" pitchFamily="34" charset="-122"/>
                 <a:cs typeface="Martel Sans" pitchFamily="34" charset="-120"/>
               </a:rPr>
-              <a:t>Se adapta a diferentes tamaños de pantalla, proporcionando una experiencia de usuario consistente en dispositivos móviles, tablets y computadoras de escritorio.</a:t>
-            </a:r>
-            <a:endParaRPr lang="en-US" sz="1458" dirty="0"/>
-          </a:p>
-        </p:txBody>
-      </p:sp>
-      <p:sp>
-        <p:nvSpPr>
-          <p:cNvPr id="7" name="Text 5"/>
-          <p:cNvSpPr/>
-          <p:nvPr/>
-        </p:nvSpPr>
-        <p:spPr>
-          <a:xfrm>
-            <a:off x="4786611" y="2733874"/>
-            <a:ext cx="2630289" cy="578644"/>
-          </a:xfrm>
-          <a:prstGeom prst="rect">
-            <a:avLst/>
-          </a:prstGeom>
-          <a:noFill/>
-          <a:ln/>
-        </p:spPr>
-        <p:txBody>
-          <a:bodyPr wrap="square" rtlCol="0" anchor="t"/>
-          <a:lstStyle/>
-          <a:p>
-            <a:pPr>
-              <a:lnSpc>
-                <a:spcPts val="2278"/>
-              </a:lnSpc>
-            </a:pPr>
-            <a:r>
-              <a:rPr lang="en-US" sz="1822" dirty="0">
-                <a:solidFill>
-                  <a:srgbClr val="272D45"/>
-                </a:solidFill>
-                <a:latin typeface="Kanit" pitchFamily="34" charset="0"/>
-                <a:ea typeface="Kanit" pitchFamily="34" charset="-122"/>
-                <a:cs typeface="Kanit" pitchFamily="34" charset="-120"/>
-              </a:rPr>
-              <a:t>Maquetación Web Adaptativa</a:t>
-            </a:r>
-            <a:endParaRPr lang="en-US" sz="1822" dirty="0"/>
-          </a:p>
-        </p:txBody>
-      </p:sp>
-      <p:sp>
-        <p:nvSpPr>
-          <p:cNvPr id="8" name="Text 6"/>
-          <p:cNvSpPr/>
-          <p:nvPr/>
-        </p:nvSpPr>
-        <p:spPr>
-          <a:xfrm>
-            <a:off x="4786611" y="3497660"/>
-            <a:ext cx="2630289" cy="2073176"/>
-          </a:xfrm>
-          <a:prstGeom prst="rect">
-            <a:avLst/>
-          </a:prstGeom>
-          <a:noFill/>
-          <a:ln/>
-        </p:spPr>
-        <p:txBody>
-          <a:bodyPr wrap="square" rtlCol="0" anchor="t"/>
-          <a:lstStyle/>
-          <a:p>
-            <a:pPr>
-              <a:lnSpc>
-                <a:spcPts val="2332"/>
-              </a:lnSpc>
-            </a:pPr>
-            <a:r>
-              <a:rPr lang="en-US" sz="1458" dirty="0">
-                <a:solidFill>
-                  <a:srgbClr val="2C3249"/>
-                </a:solidFill>
-                <a:latin typeface="Martel Sans" pitchFamily="34" charset="0"/>
-                <a:ea typeface="Martel Sans" pitchFamily="34" charset="-122"/>
-                <a:cs typeface="Martel Sans" pitchFamily="34" charset="-120"/>
-              </a:rPr>
-              <a:t>Ajusta el diseño según el dispositivo, pero no necesariamente a todos los tamaños de pantalla. Generalmente se centra en grupos específicos de tamaños de dispositivo.</a:t>
-            </a:r>
-            <a:endParaRPr lang="en-US" sz="1458" dirty="0"/>
-          </a:p>
-        </p:txBody>
-      </p:sp>
-      <p:sp>
-        <p:nvSpPr>
-          <p:cNvPr id="9" name="Text 7"/>
-          <p:cNvSpPr/>
-          <p:nvPr/>
-        </p:nvSpPr>
-        <p:spPr>
-          <a:xfrm>
-            <a:off x="7874894" y="2733873"/>
-            <a:ext cx="2502198" cy="289322"/>
-          </a:xfrm>
-          <a:prstGeom prst="rect">
-            <a:avLst/>
-          </a:prstGeom>
-          <a:noFill/>
-          <a:ln/>
-        </p:spPr>
-        <p:txBody>
-          <a:bodyPr wrap="none" rtlCol="0" anchor="t"/>
-          <a:lstStyle/>
-          <a:p>
-            <a:pPr>
-              <a:lnSpc>
-                <a:spcPts val="2278"/>
-              </a:lnSpc>
-            </a:pPr>
-            <a:r>
-              <a:rPr lang="en-US" sz="1822" dirty="0">
-                <a:solidFill>
-                  <a:srgbClr val="272D45"/>
-                </a:solidFill>
-                <a:latin typeface="Kanit" pitchFamily="34" charset="0"/>
-                <a:ea typeface="Kanit" pitchFamily="34" charset="-122"/>
-                <a:cs typeface="Kanit" pitchFamily="34" charset="-120"/>
-              </a:rPr>
-              <a:t>Maquetación Web Flúida</a:t>
-            </a:r>
-            <a:endParaRPr lang="en-US" sz="1822" dirty="0"/>
-          </a:p>
-        </p:txBody>
-      </p:sp>
-      <p:sp>
-        <p:nvSpPr>
-          <p:cNvPr id="10" name="Text 8"/>
-          <p:cNvSpPr/>
-          <p:nvPr/>
-        </p:nvSpPr>
-        <p:spPr>
-          <a:xfrm>
-            <a:off x="7874894" y="3208338"/>
-            <a:ext cx="2630289" cy="2369344"/>
-          </a:xfrm>
-          <a:prstGeom prst="rect">
-            <a:avLst/>
-          </a:prstGeom>
-          <a:noFill/>
-          <a:ln/>
-        </p:spPr>
-        <p:txBody>
-          <a:bodyPr wrap="square" rtlCol="0" anchor="t"/>
-          <a:lstStyle/>
-          <a:p>
-            <a:pPr>
-              <a:lnSpc>
-                <a:spcPts val="2332"/>
-              </a:lnSpc>
-            </a:pPr>
-            <a:r>
-              <a:rPr lang="en-US" sz="1458" dirty="0">
-                <a:solidFill>
-                  <a:srgbClr val="2C3249"/>
-                </a:solidFill>
-                <a:latin typeface="Martel Sans" pitchFamily="34" charset="0"/>
-                <a:ea typeface="Martel Sans" pitchFamily="34" charset="-122"/>
-                <a:cs typeface="Martel Sans" pitchFamily="34" charset="-120"/>
-              </a:rPr>
-              <a:t>El diseño se adapta de forma continua y suave, utilizando porcentajes en lugar de valores fijos para los elementos, lo que permite una adaptación más flexible a diferentes tamaños de pantalla.</a:t>
+              <a:t>Los principios de diseño en la maquetación web son fundamentales para la usabilidad y la estética del sitio. La simplicidad, la consistencia y la jerarquía visual son aspectos clave a considerar. Por ejemplo, la simplicidad favorece la claridad, la consistencia asegura una experiencia coherente y la jerarquía visual guía la atención del usuario.</a:t>
             </a:r>
             <a:endParaRPr lang="en-US" sz="1458" dirty="0"/>
           </a:p>
@@ -9184,10 +9559,10 @@
       </p:sp>
       <p:pic>
         <p:nvPicPr>
-          <p:cNvPr id="11" name="Imagen 10">
+          <p:cNvPr id="6" name="Imagen 5">
             <a:extLst>
               <a:ext uri="{FF2B5EF4-FFF2-40B4-BE49-F238E27FC236}">
-                <a16:creationId xmlns:a16="http://schemas.microsoft.com/office/drawing/2014/main" id="{2C580550-A20E-E192-08A5-81E68FA7C006}"/>
+                <a16:creationId xmlns:a16="http://schemas.microsoft.com/office/drawing/2014/main" id="{6F744B8A-01A2-018A-FC45-8288ACDA8FB0}"/>
               </a:ext>
             </a:extLst>
           </p:cNvPr>
@@ -9214,10 +9589,10 @@
       </p:pic>
       <p:pic>
         <p:nvPicPr>
-          <p:cNvPr id="12" name="Imagen 11">
+          <p:cNvPr id="7" name="Imagen 6">
             <a:extLst>
               <a:ext uri="{FF2B5EF4-FFF2-40B4-BE49-F238E27FC236}">
-                <a16:creationId xmlns:a16="http://schemas.microsoft.com/office/drawing/2014/main" id="{69D319B6-E2BE-0D2C-E278-CB96E284B898}"/>
+                <a16:creationId xmlns:a16="http://schemas.microsoft.com/office/drawing/2014/main" id="{C6880502-0D34-1E06-B106-33516EB5E83B}"/>
               </a:ext>
             </a:extLst>
           </p:cNvPr>
@@ -9315,8 +9690,8 @@
         </p:nvSpPr>
         <p:spPr>
           <a:xfrm>
-            <a:off x="2256432" y="667048"/>
-            <a:ext cx="7679035" cy="1010245"/>
+            <a:off x="1698328" y="1113731"/>
+            <a:ext cx="8795345" cy="1157288"/>
           </a:xfrm>
           <a:prstGeom prst="rect">
             <a:avLst/>
@@ -9330,11 +9705,11 @@
           <a:p>
             <a:pPr>
               <a:lnSpc>
-                <a:spcPts val="3978"/>
+                <a:spcPts val="4556"/>
               </a:lnSpc>
             </a:pPr>
             <a:r>
-              <a:rPr lang="en-US" sz="3182" dirty="0">
+              <a:rPr lang="en-US" sz="3645" dirty="0">
                 <a:solidFill>
                   <a:srgbClr val="272D45"/>
                 </a:solidFill>
@@ -9342,9 +9717,9 @@
                 <a:ea typeface="Kanit" pitchFamily="34" charset="-122"/>
                 <a:cs typeface="Kanit" pitchFamily="34" charset="-120"/>
               </a:rPr>
-              <a:t>Pasos para realizar una maquetación web efectiva</a:t>
-            </a:r>
-            <a:endParaRPr lang="en-US" sz="3182" dirty="0"/>
+              <a:t>Tipos de maquetación web (responsive, adaptativa, fluida)</a:t>
+            </a:r>
+            <a:endParaRPr lang="en-US" sz="3645" dirty="0"/>
           </a:p>
         </p:txBody>
       </p:sp>
@@ -9356,8 +9731,8 @@
         </p:nvSpPr>
         <p:spPr>
           <a:xfrm>
-            <a:off x="2256433" y="1859161"/>
-            <a:ext cx="3718223" cy="484982"/>
+            <a:off x="1698328" y="2733874"/>
+            <a:ext cx="2630289" cy="578644"/>
           </a:xfrm>
           <a:prstGeom prst="rect">
             <a:avLst/>
@@ -9366,26 +9741,26 @@
           <a:ln/>
         </p:spPr>
         <p:txBody>
-          <a:bodyPr wrap="none" rtlCol="0" anchor="t"/>
-          <a:lstStyle/>
-          <a:p>
-            <a:pPr algn="ctr">
+          <a:bodyPr wrap="square" rtlCol="0" anchor="t"/>
+          <a:lstStyle/>
+          <a:p>
+            <a:pPr>
               <a:lnSpc>
-                <a:spcPts val="3819"/>
+                <a:spcPts val="2278"/>
               </a:lnSpc>
             </a:pPr>
             <a:r>
-              <a:rPr lang="en-US" sz="3819" dirty="0">
+              <a:rPr lang="en-US" sz="1822" dirty="0">
                 <a:solidFill>
-                  <a:srgbClr val="2C3249"/>
+                  <a:srgbClr val="272D45"/>
                 </a:solidFill>
                 <a:latin typeface="Kanit" pitchFamily="34" charset="0"/>
                 <a:ea typeface="Kanit" pitchFamily="34" charset="-122"/>
                 <a:cs typeface="Kanit" pitchFamily="34" charset="-120"/>
               </a:rPr>
-              <a:t>1</a:t>
-            </a:r>
-            <a:endParaRPr lang="en-US" sz="3819" dirty="0"/>
+              <a:t>Maquetación Web Responsiva</a:t>
+            </a:r>
+            <a:endParaRPr lang="en-US" sz="1822" dirty="0"/>
           </a:p>
         </p:txBody>
       </p:sp>
@@ -9397,8 +9772,8 @@
         </p:nvSpPr>
         <p:spPr>
           <a:xfrm>
-            <a:off x="3105150" y="2546152"/>
-            <a:ext cx="2020788" cy="252611"/>
+            <a:off x="1698328" y="3497660"/>
+            <a:ext cx="2630289" cy="2073176"/>
           </a:xfrm>
           <a:prstGeom prst="rect">
             <a:avLst/>
@@ -9407,57 +9782,16 @@
           <a:ln/>
         </p:spPr>
         <p:txBody>
-          <a:bodyPr wrap="none" rtlCol="0" anchor="t"/>
-          <a:lstStyle/>
-          <a:p>
-            <a:pPr algn="ctr">
+          <a:bodyPr wrap="square" rtlCol="0" anchor="t"/>
+          <a:lstStyle/>
+          <a:p>
+            <a:pPr>
               <a:lnSpc>
-                <a:spcPts val="1989"/>
+                <a:spcPts val="2332"/>
               </a:lnSpc>
             </a:pPr>
             <a:r>
-              <a:rPr lang="en-US" sz="1591" dirty="0">
-                <a:solidFill>
-                  <a:srgbClr val="2C3249"/>
-                </a:solidFill>
-                <a:latin typeface="Kanit" pitchFamily="34" charset="0"/>
-                <a:ea typeface="Kanit" pitchFamily="34" charset="-122"/>
-                <a:cs typeface="Kanit" pitchFamily="34" charset="-120"/>
-              </a:rPr>
-              <a:t>Planificación</a:t>
-            </a:r>
-            <a:endParaRPr lang="en-US" sz="1591" dirty="0"/>
-          </a:p>
-        </p:txBody>
-      </p:sp>
-      <p:sp>
-        <p:nvSpPr>
-          <p:cNvPr id="7" name="Text 5"/>
-          <p:cNvSpPr/>
-          <p:nvPr/>
-        </p:nvSpPr>
-        <p:spPr>
-          <a:xfrm>
-            <a:off x="2256433" y="2895700"/>
-            <a:ext cx="3718223" cy="258564"/>
-          </a:xfrm>
-          <a:prstGeom prst="rect">
-            <a:avLst/>
-          </a:prstGeom>
-          <a:noFill/>
-          <a:ln/>
-        </p:spPr>
-        <p:txBody>
-          <a:bodyPr wrap="none" rtlCol="0" anchor="t"/>
-          <a:lstStyle/>
-          <a:p>
-            <a:pPr algn="ctr">
-              <a:lnSpc>
-                <a:spcPts val="2037"/>
-              </a:lnSpc>
-            </a:pPr>
-            <a:r>
-              <a:rPr lang="en-US" sz="1273" dirty="0">
+              <a:rPr lang="en-US" sz="1458" dirty="0">
                 <a:solidFill>
                   <a:srgbClr val="2C3249"/>
                 </a:solidFill>
@@ -9465,22 +9799,22 @@
                 <a:ea typeface="Martel Sans" pitchFamily="34" charset="-122"/>
                 <a:cs typeface="Martel Sans" pitchFamily="34" charset="-120"/>
               </a:rPr>
-              <a:t>Definir objetivos y estructura del sitio.</a:t>
-            </a:r>
-            <a:endParaRPr lang="en-US" sz="1273" dirty="0"/>
-          </a:p>
-        </p:txBody>
-      </p:sp>
-      <p:sp>
-        <p:nvSpPr>
-          <p:cNvPr id="8" name="Text 6"/>
+              <a:t>Se adapta a diferentes tamaños de pantalla, proporcionando una experiencia de usuario consistente en dispositivos móviles, tablets y computadoras de escritorio.</a:t>
+            </a:r>
+            <a:endParaRPr lang="en-US" sz="1458" dirty="0"/>
+          </a:p>
+        </p:txBody>
+      </p:sp>
+      <p:sp>
+        <p:nvSpPr>
+          <p:cNvPr id="7" name="Text 5"/>
           <p:cNvSpPr/>
           <p:nvPr/>
         </p:nvSpPr>
         <p:spPr>
           <a:xfrm>
-            <a:off x="6217146" y="1859161"/>
-            <a:ext cx="3718322" cy="484982"/>
+            <a:off x="4786611" y="2733874"/>
+            <a:ext cx="2630289" cy="578644"/>
           </a:xfrm>
           <a:prstGeom prst="rect">
             <a:avLst/>
@@ -9489,39 +9823,39 @@
           <a:ln/>
         </p:spPr>
         <p:txBody>
-          <a:bodyPr wrap="none" rtlCol="0" anchor="t"/>
-          <a:lstStyle/>
-          <a:p>
-            <a:pPr algn="ctr">
+          <a:bodyPr wrap="square" rtlCol="0" anchor="t"/>
+          <a:lstStyle/>
+          <a:p>
+            <a:pPr>
               <a:lnSpc>
-                <a:spcPts val="3819"/>
+                <a:spcPts val="2278"/>
               </a:lnSpc>
             </a:pPr>
             <a:r>
-              <a:rPr lang="en-US" sz="3819" dirty="0">
+              <a:rPr lang="en-US" sz="1822" dirty="0">
                 <a:solidFill>
-                  <a:srgbClr val="2C3249"/>
+                  <a:srgbClr val="272D45"/>
                 </a:solidFill>
                 <a:latin typeface="Kanit" pitchFamily="34" charset="0"/>
                 <a:ea typeface="Kanit" pitchFamily="34" charset="-122"/>
                 <a:cs typeface="Kanit" pitchFamily="34" charset="-120"/>
               </a:rPr>
-              <a:t>2</a:t>
-            </a:r>
-            <a:endParaRPr lang="en-US" sz="3819" dirty="0"/>
-          </a:p>
-        </p:txBody>
-      </p:sp>
-      <p:sp>
-        <p:nvSpPr>
-          <p:cNvPr id="9" name="Text 7"/>
+              <a:t>Maquetación Web Adaptativa</a:t>
+            </a:r>
+            <a:endParaRPr lang="en-US" sz="1822" dirty="0"/>
+          </a:p>
+        </p:txBody>
+      </p:sp>
+      <p:sp>
+        <p:nvSpPr>
+          <p:cNvPr id="8" name="Text 6"/>
           <p:cNvSpPr/>
           <p:nvPr/>
         </p:nvSpPr>
         <p:spPr>
           <a:xfrm>
-            <a:off x="7065864" y="2546152"/>
-            <a:ext cx="2020788" cy="252611"/>
+            <a:off x="4786611" y="3497660"/>
+            <a:ext cx="2630289" cy="2073176"/>
           </a:xfrm>
           <a:prstGeom prst="rect">
             <a:avLst/>
@@ -9530,57 +9864,16 @@
           <a:ln/>
         </p:spPr>
         <p:txBody>
-          <a:bodyPr wrap="none" rtlCol="0" anchor="t"/>
-          <a:lstStyle/>
-          <a:p>
-            <a:pPr algn="ctr">
+          <a:bodyPr wrap="square" rtlCol="0" anchor="t"/>
+          <a:lstStyle/>
+          <a:p>
+            <a:pPr>
               <a:lnSpc>
-                <a:spcPts val="1989"/>
+                <a:spcPts val="2332"/>
               </a:lnSpc>
             </a:pPr>
             <a:r>
-              <a:rPr lang="en-US" sz="1591" dirty="0">
-                <a:solidFill>
-                  <a:srgbClr val="2C3249"/>
-                </a:solidFill>
-                <a:latin typeface="Kanit" pitchFamily="34" charset="0"/>
-                <a:ea typeface="Kanit" pitchFamily="34" charset="-122"/>
-                <a:cs typeface="Kanit" pitchFamily="34" charset="-120"/>
-              </a:rPr>
-              <a:t>Diseño</a:t>
-            </a:r>
-            <a:endParaRPr lang="en-US" sz="1591" dirty="0"/>
-          </a:p>
-        </p:txBody>
-      </p:sp>
-      <p:sp>
-        <p:nvSpPr>
-          <p:cNvPr id="10" name="Text 8"/>
-          <p:cNvSpPr/>
-          <p:nvPr/>
-        </p:nvSpPr>
-        <p:spPr>
-          <a:xfrm>
-            <a:off x="6217146" y="2895700"/>
-            <a:ext cx="3718322" cy="258564"/>
-          </a:xfrm>
-          <a:prstGeom prst="rect">
-            <a:avLst/>
-          </a:prstGeom>
-          <a:noFill/>
-          <a:ln/>
-        </p:spPr>
-        <p:txBody>
-          <a:bodyPr wrap="none" rtlCol="0" anchor="t"/>
-          <a:lstStyle/>
-          <a:p>
-            <a:pPr algn="ctr">
-              <a:lnSpc>
-                <a:spcPts val="2037"/>
-              </a:lnSpc>
-            </a:pPr>
-            <a:r>
-              <a:rPr lang="en-US" sz="1273" dirty="0">
+              <a:rPr lang="en-US" sz="1458" dirty="0">
                 <a:solidFill>
                   <a:srgbClr val="2C3249"/>
                 </a:solidFill>
@@ -9588,22 +9881,22 @@
                 <a:ea typeface="Martel Sans" pitchFamily="34" charset="-122"/>
                 <a:cs typeface="Martel Sans" pitchFamily="34" charset="-120"/>
               </a:rPr>
-              <a:t>Crear el mockup y definir la estética.</a:t>
-            </a:r>
-            <a:endParaRPr lang="en-US" sz="1273" dirty="0"/>
-          </a:p>
-        </p:txBody>
-      </p:sp>
-      <p:sp>
-        <p:nvSpPr>
-          <p:cNvPr id="11" name="Text 9"/>
+              <a:t>Ajusta el diseño según el dispositivo, pero no necesariamente a todos los tamaños de pantalla. Generalmente se centra en grupos específicos de tamaños de dispositivo.</a:t>
+            </a:r>
+            <a:endParaRPr lang="en-US" sz="1458" dirty="0"/>
+          </a:p>
+        </p:txBody>
+      </p:sp>
+      <p:sp>
+        <p:nvSpPr>
+          <p:cNvPr id="9" name="Text 7"/>
           <p:cNvSpPr/>
           <p:nvPr/>
         </p:nvSpPr>
         <p:spPr>
           <a:xfrm>
-            <a:off x="2256433" y="3720008"/>
-            <a:ext cx="3718223" cy="484982"/>
+            <a:off x="7874894" y="2733873"/>
+            <a:ext cx="2502198" cy="289322"/>
           </a:xfrm>
           <a:prstGeom prst="rect">
             <a:avLst/>
@@ -9615,36 +9908,36 @@
           <a:bodyPr wrap="none" rtlCol="0" anchor="t"/>
           <a:lstStyle/>
           <a:p>
-            <a:pPr algn="ctr">
+            <a:pPr>
               <a:lnSpc>
-                <a:spcPts val="3819"/>
+                <a:spcPts val="2278"/>
               </a:lnSpc>
             </a:pPr>
             <a:r>
-              <a:rPr lang="en-US" sz="3819" dirty="0">
+              <a:rPr lang="en-US" sz="1822" dirty="0">
                 <a:solidFill>
-                  <a:srgbClr val="2C3249"/>
+                  <a:srgbClr val="272D45"/>
                 </a:solidFill>
                 <a:latin typeface="Kanit" pitchFamily="34" charset="0"/>
                 <a:ea typeface="Kanit" pitchFamily="34" charset="-122"/>
                 <a:cs typeface="Kanit" pitchFamily="34" charset="-120"/>
               </a:rPr>
-              <a:t>3</a:t>
-            </a:r>
-            <a:endParaRPr lang="en-US" sz="3819" dirty="0"/>
-          </a:p>
-        </p:txBody>
-      </p:sp>
-      <p:sp>
-        <p:nvSpPr>
-          <p:cNvPr id="12" name="Text 10"/>
+              <a:t>Maquetación Web Flúida</a:t>
+            </a:r>
+            <a:endParaRPr lang="en-US" sz="1822" dirty="0"/>
+          </a:p>
+        </p:txBody>
+      </p:sp>
+      <p:sp>
+        <p:nvSpPr>
+          <p:cNvPr id="10" name="Text 8"/>
           <p:cNvSpPr/>
           <p:nvPr/>
         </p:nvSpPr>
         <p:spPr>
           <a:xfrm>
-            <a:off x="3105150" y="4407000"/>
-            <a:ext cx="2020788" cy="252611"/>
+            <a:off x="7874894" y="3208338"/>
+            <a:ext cx="2630289" cy="2369344"/>
           </a:xfrm>
           <a:prstGeom prst="rect">
             <a:avLst/>
@@ -9653,57 +9946,16 @@
           <a:ln/>
         </p:spPr>
         <p:txBody>
-          <a:bodyPr wrap="none" rtlCol="0" anchor="t"/>
-          <a:lstStyle/>
-          <a:p>
-            <a:pPr algn="ctr">
+          <a:bodyPr wrap="square" rtlCol="0" anchor="t"/>
+          <a:lstStyle/>
+          <a:p>
+            <a:pPr>
               <a:lnSpc>
-                <a:spcPts val="1989"/>
+                <a:spcPts val="2332"/>
               </a:lnSpc>
             </a:pPr>
             <a:r>
-              <a:rPr lang="en-US" sz="1591" dirty="0">
-                <a:solidFill>
-                  <a:srgbClr val="2C3249"/>
-                </a:solidFill>
-                <a:latin typeface="Kanit" pitchFamily="34" charset="0"/>
-                <a:ea typeface="Kanit" pitchFamily="34" charset="-122"/>
-                <a:cs typeface="Kanit" pitchFamily="34" charset="-120"/>
-              </a:rPr>
-              <a:t>Desarrollo</a:t>
-            </a:r>
-            <a:endParaRPr lang="en-US" sz="1591" dirty="0"/>
-          </a:p>
-        </p:txBody>
-      </p:sp>
-      <p:sp>
-        <p:nvSpPr>
-          <p:cNvPr id="13" name="Text 11"/>
-          <p:cNvSpPr/>
-          <p:nvPr/>
-        </p:nvSpPr>
-        <p:spPr>
-          <a:xfrm>
-            <a:off x="2256433" y="4756547"/>
-            <a:ext cx="3718223" cy="258564"/>
-          </a:xfrm>
-          <a:prstGeom prst="rect">
-            <a:avLst/>
-          </a:prstGeom>
-          <a:noFill/>
-          <a:ln/>
-        </p:spPr>
-        <p:txBody>
-          <a:bodyPr wrap="none" rtlCol="0" anchor="t"/>
-          <a:lstStyle/>
-          <a:p>
-            <a:pPr algn="ctr">
-              <a:lnSpc>
-                <a:spcPts val="2037"/>
-              </a:lnSpc>
-            </a:pPr>
-            <a:r>
-              <a:rPr lang="en-US" sz="1273" dirty="0">
+              <a:rPr lang="en-US" sz="1458" dirty="0">
                 <a:solidFill>
                   <a:srgbClr val="2C3249"/>
                 </a:solidFill>
@@ -9711,223 +9963,18 @@
                 <a:ea typeface="Martel Sans" pitchFamily="34" charset="-122"/>
                 <a:cs typeface="Martel Sans" pitchFamily="34" charset="-120"/>
               </a:rPr>
-              <a:t>Codificación del diseño en HTML/CSS.</a:t>
-            </a:r>
-            <a:endParaRPr lang="en-US" sz="1273" dirty="0"/>
-          </a:p>
-        </p:txBody>
-      </p:sp>
-      <p:sp>
-        <p:nvSpPr>
-          <p:cNvPr id="14" name="Text 12"/>
-          <p:cNvSpPr/>
-          <p:nvPr/>
-        </p:nvSpPr>
-        <p:spPr>
-          <a:xfrm>
-            <a:off x="6217146" y="3720008"/>
-            <a:ext cx="3718322" cy="484982"/>
-          </a:xfrm>
-          <a:prstGeom prst="rect">
-            <a:avLst/>
-          </a:prstGeom>
-          <a:noFill/>
-          <a:ln/>
-        </p:spPr>
-        <p:txBody>
-          <a:bodyPr wrap="none" rtlCol="0" anchor="t"/>
-          <a:lstStyle/>
-          <a:p>
-            <a:pPr algn="ctr">
-              <a:lnSpc>
-                <a:spcPts val="3819"/>
-              </a:lnSpc>
-            </a:pPr>
-            <a:r>
-              <a:rPr lang="en-US" sz="3819" dirty="0">
-                <a:solidFill>
-                  <a:srgbClr val="2C3249"/>
-                </a:solidFill>
-                <a:latin typeface="Kanit" pitchFamily="34" charset="0"/>
-                <a:ea typeface="Kanit" pitchFamily="34" charset="-122"/>
-                <a:cs typeface="Kanit" pitchFamily="34" charset="-120"/>
-              </a:rPr>
-              <a:t>4</a:t>
-            </a:r>
-            <a:endParaRPr lang="en-US" sz="3819" dirty="0"/>
-          </a:p>
-        </p:txBody>
-      </p:sp>
-      <p:sp>
-        <p:nvSpPr>
-          <p:cNvPr id="15" name="Text 13"/>
-          <p:cNvSpPr/>
-          <p:nvPr/>
-        </p:nvSpPr>
-        <p:spPr>
-          <a:xfrm>
-            <a:off x="7065864" y="4407000"/>
-            <a:ext cx="2020788" cy="252611"/>
-          </a:xfrm>
-          <a:prstGeom prst="rect">
-            <a:avLst/>
-          </a:prstGeom>
-          <a:noFill/>
-          <a:ln/>
-        </p:spPr>
-        <p:txBody>
-          <a:bodyPr wrap="none" rtlCol="0" anchor="t"/>
-          <a:lstStyle/>
-          <a:p>
-            <a:pPr algn="ctr">
-              <a:lnSpc>
-                <a:spcPts val="1989"/>
-              </a:lnSpc>
-            </a:pPr>
-            <a:r>
-              <a:rPr lang="en-US" sz="1591" dirty="0">
-                <a:solidFill>
-                  <a:srgbClr val="2C3249"/>
-                </a:solidFill>
-                <a:latin typeface="Kanit" pitchFamily="34" charset="0"/>
-                <a:ea typeface="Kanit" pitchFamily="34" charset="-122"/>
-                <a:cs typeface="Kanit" pitchFamily="34" charset="-120"/>
-              </a:rPr>
-              <a:t>Pruebas y ajustes</a:t>
-            </a:r>
-            <a:endParaRPr lang="en-US" sz="1591" dirty="0"/>
-          </a:p>
-        </p:txBody>
-      </p:sp>
-      <p:sp>
-        <p:nvSpPr>
-          <p:cNvPr id="16" name="Text 14"/>
-          <p:cNvSpPr/>
-          <p:nvPr/>
-        </p:nvSpPr>
-        <p:spPr>
-          <a:xfrm>
-            <a:off x="6217146" y="4756547"/>
-            <a:ext cx="3718322" cy="258564"/>
-          </a:xfrm>
-          <a:prstGeom prst="rect">
-            <a:avLst/>
-          </a:prstGeom>
-          <a:noFill/>
-          <a:ln/>
-        </p:spPr>
-        <p:txBody>
-          <a:bodyPr wrap="none" rtlCol="0" anchor="t"/>
-          <a:lstStyle/>
-          <a:p>
-            <a:pPr algn="ctr">
-              <a:lnSpc>
-                <a:spcPts val="2037"/>
-              </a:lnSpc>
-            </a:pPr>
-            <a:r>
-              <a:rPr lang="en-US" sz="1273" dirty="0">
-                <a:solidFill>
-                  <a:srgbClr val="2C3249"/>
-                </a:solidFill>
-                <a:latin typeface="Martel Sans" pitchFamily="34" charset="0"/>
-                <a:ea typeface="Martel Sans" pitchFamily="34" charset="-122"/>
-                <a:cs typeface="Martel Sans" pitchFamily="34" charset="-120"/>
-              </a:rPr>
-              <a:t>Verificar la funcionalidad y corregir errores.</a:t>
-            </a:r>
-            <a:endParaRPr lang="en-US" sz="1273" dirty="0"/>
-          </a:p>
-        </p:txBody>
-      </p:sp>
-      <p:sp>
-        <p:nvSpPr>
-          <p:cNvPr id="17" name="Text 15"/>
-          <p:cNvSpPr/>
-          <p:nvPr/>
-        </p:nvSpPr>
-        <p:spPr>
-          <a:xfrm>
-            <a:off x="2256433" y="5196979"/>
-            <a:ext cx="7679035" cy="517128"/>
-          </a:xfrm>
-          <a:prstGeom prst="rect">
-            <a:avLst/>
-          </a:prstGeom>
-          <a:noFill/>
-          <a:ln/>
-        </p:spPr>
-        <p:txBody>
-          <a:bodyPr wrap="square" rtlCol="0" anchor="t"/>
-          <a:lstStyle/>
-          <a:p>
-            <a:pPr>
-              <a:lnSpc>
-                <a:spcPts val="2037"/>
-              </a:lnSpc>
-            </a:pPr>
-            <a:r>
-              <a:rPr lang="en-US" sz="1273" dirty="0">
-                <a:solidFill>
-                  <a:srgbClr val="2C3249"/>
-                </a:solidFill>
-                <a:latin typeface="Martel Sans" pitchFamily="34" charset="0"/>
-                <a:ea typeface="Martel Sans" pitchFamily="34" charset="-122"/>
-                <a:cs typeface="Martel Sans" pitchFamily="34" charset="-120"/>
-              </a:rPr>
-              <a:t>Una maquetación web efectiva involucra una cuidadosa planificación, diseño, desarrollo, y pruebas exhaustivas. Cada paso es crucial para garantizar un resultado óptimo.</a:t>
-            </a:r>
-            <a:endParaRPr lang="en-US" sz="1273" dirty="0"/>
-          </a:p>
-        </p:txBody>
-      </p:sp>
-      <p:sp>
-        <p:nvSpPr>
-          <p:cNvPr id="18" name="Text 16"/>
-          <p:cNvSpPr/>
-          <p:nvPr/>
-        </p:nvSpPr>
-        <p:spPr>
-          <a:xfrm>
-            <a:off x="2256433" y="5895975"/>
-            <a:ext cx="7679035" cy="517128"/>
-          </a:xfrm>
-          <a:prstGeom prst="rect">
-            <a:avLst/>
-          </a:prstGeom>
-          <a:noFill/>
-          <a:ln/>
-        </p:spPr>
-        <p:txBody>
-          <a:bodyPr wrap="square" rtlCol="0" anchor="t"/>
-          <a:lstStyle/>
-          <a:p>
-            <a:pPr>
-              <a:lnSpc>
-                <a:spcPts val="2037"/>
-              </a:lnSpc>
-            </a:pPr>
-            <a:r>
-              <a:rPr lang="en-US" sz="1273" dirty="0">
-                <a:solidFill>
-                  <a:srgbClr val="2C3249"/>
-                </a:solidFill>
-                <a:latin typeface="Martel Sans" pitchFamily="34" charset="0"/>
-                <a:ea typeface="Martel Sans" pitchFamily="34" charset="-122"/>
-                <a:cs typeface="Martel Sans" pitchFamily="34" charset="-120"/>
-              </a:rPr>
-              <a:t>La coordinación entre los equipos de diseño y desarrollo es esencial para lograr coherencia y calidad en el producto final.</a:t>
-            </a:r>
-            <a:endParaRPr lang="en-US" sz="1273" dirty="0"/>
+              <a:t>El diseño se adapta de forma continua y suave, utilizando porcentajes en lugar de valores fijos para los elementos, lo que permite una adaptación más flexible a diferentes tamaños de pantalla.</a:t>
+            </a:r>
+            <a:endParaRPr lang="en-US" sz="1458" dirty="0"/>
           </a:p>
         </p:txBody>
       </p:sp>
       <p:pic>
         <p:nvPicPr>
-          <p:cNvPr id="19" name="Imagen 18">
+          <p:cNvPr id="11" name="Imagen 10">
             <a:extLst>
               <a:ext uri="{FF2B5EF4-FFF2-40B4-BE49-F238E27FC236}">
-                <a16:creationId xmlns:a16="http://schemas.microsoft.com/office/drawing/2014/main" id="{AE4905E8-8358-AC3D-8442-ED7942E01F53}"/>
+                <a16:creationId xmlns:a16="http://schemas.microsoft.com/office/drawing/2014/main" id="{2C580550-A20E-E192-08A5-81E68FA7C006}"/>
               </a:ext>
             </a:extLst>
           </p:cNvPr>
@@ -9946,6 +9993,36 @@
           <a:xfrm>
             <a:off x="55066" y="0"/>
             <a:ext cx="11896725" cy="676275"/>
+          </a:xfrm>
+          <a:prstGeom prst="rect">
+            <a:avLst/>
+          </a:prstGeom>
+        </p:spPr>
+      </p:pic>
+      <p:pic>
+        <p:nvPicPr>
+          <p:cNvPr id="12" name="Imagen 11">
+            <a:extLst>
+              <a:ext uri="{FF2B5EF4-FFF2-40B4-BE49-F238E27FC236}">
+                <a16:creationId xmlns:a16="http://schemas.microsoft.com/office/drawing/2014/main" id="{69D319B6-E2BE-0D2C-E278-CB96E284B898}"/>
+              </a:ext>
+            </a:extLst>
+          </p:cNvPr>
+          <p:cNvPicPr>
+            <a:picLocks noChangeAspect="1"/>
+          </p:cNvPicPr>
+          <p:nvPr/>
+        </p:nvPicPr>
+        <p:blipFill>
+          <a:blip r:embed="rId4"/>
+          <a:stretch>
+            <a:fillRect/>
+          </a:stretch>
+        </p:blipFill>
+        <p:spPr>
+          <a:xfrm>
+            <a:off x="0" y="6143625"/>
+            <a:ext cx="11087100" cy="714375"/>
           </a:xfrm>
           <a:prstGeom prst="rect">
             <a:avLst/>
@@ -10017,9 +10094,630 @@
           <a:ln/>
         </p:spPr>
       </p:sp>
+      <p:sp>
+        <p:nvSpPr>
+          <p:cNvPr id="4" name="Text 2"/>
+          <p:cNvSpPr/>
+          <p:nvPr/>
+        </p:nvSpPr>
+        <p:spPr>
+          <a:xfrm>
+            <a:off x="2256432" y="667048"/>
+            <a:ext cx="7679035" cy="1010245"/>
+          </a:xfrm>
+          <a:prstGeom prst="rect">
+            <a:avLst/>
+          </a:prstGeom>
+          <a:noFill/>
+          <a:ln/>
+        </p:spPr>
+        <p:txBody>
+          <a:bodyPr wrap="square" rtlCol="0" anchor="t"/>
+          <a:lstStyle/>
+          <a:p>
+            <a:pPr>
+              <a:lnSpc>
+                <a:spcPts val="3978"/>
+              </a:lnSpc>
+            </a:pPr>
+            <a:r>
+              <a:rPr lang="en-US" sz="3182" dirty="0">
+                <a:solidFill>
+                  <a:srgbClr val="272D45"/>
+                </a:solidFill>
+                <a:latin typeface="Kanit" pitchFamily="34" charset="0"/>
+                <a:ea typeface="Kanit" pitchFamily="34" charset="-122"/>
+                <a:cs typeface="Kanit" pitchFamily="34" charset="-120"/>
+              </a:rPr>
+              <a:t>Pasos para realizar una maquetación web efectiva</a:t>
+            </a:r>
+            <a:endParaRPr lang="en-US" sz="3182" dirty="0"/>
+          </a:p>
+        </p:txBody>
+      </p:sp>
+      <p:sp>
+        <p:nvSpPr>
+          <p:cNvPr id="5" name="Text 3"/>
+          <p:cNvSpPr/>
+          <p:nvPr/>
+        </p:nvSpPr>
+        <p:spPr>
+          <a:xfrm>
+            <a:off x="2256433" y="1859161"/>
+            <a:ext cx="3718223" cy="484982"/>
+          </a:xfrm>
+          <a:prstGeom prst="rect">
+            <a:avLst/>
+          </a:prstGeom>
+          <a:noFill/>
+          <a:ln/>
+        </p:spPr>
+        <p:txBody>
+          <a:bodyPr wrap="none" rtlCol="0" anchor="t"/>
+          <a:lstStyle/>
+          <a:p>
+            <a:pPr algn="ctr">
+              <a:lnSpc>
+                <a:spcPts val="3819"/>
+              </a:lnSpc>
+            </a:pPr>
+            <a:r>
+              <a:rPr lang="en-US" sz="3819" dirty="0">
+                <a:solidFill>
+                  <a:srgbClr val="2C3249"/>
+                </a:solidFill>
+                <a:latin typeface="Kanit" pitchFamily="34" charset="0"/>
+                <a:ea typeface="Kanit" pitchFamily="34" charset="-122"/>
+                <a:cs typeface="Kanit" pitchFamily="34" charset="-120"/>
+              </a:rPr>
+              <a:t>1</a:t>
+            </a:r>
+            <a:endParaRPr lang="en-US" sz="3819" dirty="0"/>
+          </a:p>
+        </p:txBody>
+      </p:sp>
+      <p:sp>
+        <p:nvSpPr>
+          <p:cNvPr id="6" name="Text 4"/>
+          <p:cNvSpPr/>
+          <p:nvPr/>
+        </p:nvSpPr>
+        <p:spPr>
+          <a:xfrm>
+            <a:off x="3105150" y="2546152"/>
+            <a:ext cx="2020788" cy="252611"/>
+          </a:xfrm>
+          <a:prstGeom prst="rect">
+            <a:avLst/>
+          </a:prstGeom>
+          <a:noFill/>
+          <a:ln/>
+        </p:spPr>
+        <p:txBody>
+          <a:bodyPr wrap="none" rtlCol="0" anchor="t"/>
+          <a:lstStyle/>
+          <a:p>
+            <a:pPr algn="ctr">
+              <a:lnSpc>
+                <a:spcPts val="1989"/>
+              </a:lnSpc>
+            </a:pPr>
+            <a:r>
+              <a:rPr lang="en-US" sz="1591" dirty="0">
+                <a:solidFill>
+                  <a:srgbClr val="2C3249"/>
+                </a:solidFill>
+                <a:latin typeface="Kanit" pitchFamily="34" charset="0"/>
+                <a:ea typeface="Kanit" pitchFamily="34" charset="-122"/>
+                <a:cs typeface="Kanit" pitchFamily="34" charset="-120"/>
+              </a:rPr>
+              <a:t>Planificación</a:t>
+            </a:r>
+            <a:endParaRPr lang="en-US" sz="1591" dirty="0"/>
+          </a:p>
+        </p:txBody>
+      </p:sp>
+      <p:sp>
+        <p:nvSpPr>
+          <p:cNvPr id="7" name="Text 5"/>
+          <p:cNvSpPr/>
+          <p:nvPr/>
+        </p:nvSpPr>
+        <p:spPr>
+          <a:xfrm>
+            <a:off x="2256433" y="2895700"/>
+            <a:ext cx="3718223" cy="258564"/>
+          </a:xfrm>
+          <a:prstGeom prst="rect">
+            <a:avLst/>
+          </a:prstGeom>
+          <a:noFill/>
+          <a:ln/>
+        </p:spPr>
+        <p:txBody>
+          <a:bodyPr wrap="none" rtlCol="0" anchor="t"/>
+          <a:lstStyle/>
+          <a:p>
+            <a:pPr algn="ctr">
+              <a:lnSpc>
+                <a:spcPts val="2037"/>
+              </a:lnSpc>
+            </a:pPr>
+            <a:r>
+              <a:rPr lang="en-US" sz="1273" dirty="0">
+                <a:solidFill>
+                  <a:srgbClr val="2C3249"/>
+                </a:solidFill>
+                <a:latin typeface="Martel Sans" pitchFamily="34" charset="0"/>
+                <a:ea typeface="Martel Sans" pitchFamily="34" charset="-122"/>
+                <a:cs typeface="Martel Sans" pitchFamily="34" charset="-120"/>
+              </a:rPr>
+              <a:t>Definir objetivos y estructura del sitio.</a:t>
+            </a:r>
+            <a:endParaRPr lang="en-US" sz="1273" dirty="0"/>
+          </a:p>
+        </p:txBody>
+      </p:sp>
+      <p:sp>
+        <p:nvSpPr>
+          <p:cNvPr id="8" name="Text 6"/>
+          <p:cNvSpPr/>
+          <p:nvPr/>
+        </p:nvSpPr>
+        <p:spPr>
+          <a:xfrm>
+            <a:off x="6217146" y="1859161"/>
+            <a:ext cx="3718322" cy="484982"/>
+          </a:xfrm>
+          <a:prstGeom prst="rect">
+            <a:avLst/>
+          </a:prstGeom>
+          <a:noFill/>
+          <a:ln/>
+        </p:spPr>
+        <p:txBody>
+          <a:bodyPr wrap="none" rtlCol="0" anchor="t"/>
+          <a:lstStyle/>
+          <a:p>
+            <a:pPr algn="ctr">
+              <a:lnSpc>
+                <a:spcPts val="3819"/>
+              </a:lnSpc>
+            </a:pPr>
+            <a:r>
+              <a:rPr lang="en-US" sz="3819" dirty="0">
+                <a:solidFill>
+                  <a:srgbClr val="2C3249"/>
+                </a:solidFill>
+                <a:latin typeface="Kanit" pitchFamily="34" charset="0"/>
+                <a:ea typeface="Kanit" pitchFamily="34" charset="-122"/>
+                <a:cs typeface="Kanit" pitchFamily="34" charset="-120"/>
+              </a:rPr>
+              <a:t>2</a:t>
+            </a:r>
+            <a:endParaRPr lang="en-US" sz="3819" dirty="0"/>
+          </a:p>
+        </p:txBody>
+      </p:sp>
+      <p:sp>
+        <p:nvSpPr>
+          <p:cNvPr id="9" name="Text 7"/>
+          <p:cNvSpPr/>
+          <p:nvPr/>
+        </p:nvSpPr>
+        <p:spPr>
+          <a:xfrm>
+            <a:off x="7065864" y="2546152"/>
+            <a:ext cx="2020788" cy="252611"/>
+          </a:xfrm>
+          <a:prstGeom prst="rect">
+            <a:avLst/>
+          </a:prstGeom>
+          <a:noFill/>
+          <a:ln/>
+        </p:spPr>
+        <p:txBody>
+          <a:bodyPr wrap="none" rtlCol="0" anchor="t"/>
+          <a:lstStyle/>
+          <a:p>
+            <a:pPr algn="ctr">
+              <a:lnSpc>
+                <a:spcPts val="1989"/>
+              </a:lnSpc>
+            </a:pPr>
+            <a:r>
+              <a:rPr lang="en-US" sz="1591" dirty="0">
+                <a:solidFill>
+                  <a:srgbClr val="2C3249"/>
+                </a:solidFill>
+                <a:latin typeface="Kanit" pitchFamily="34" charset="0"/>
+                <a:ea typeface="Kanit" pitchFamily="34" charset="-122"/>
+                <a:cs typeface="Kanit" pitchFamily="34" charset="-120"/>
+              </a:rPr>
+              <a:t>Diseño</a:t>
+            </a:r>
+            <a:endParaRPr lang="en-US" sz="1591" dirty="0"/>
+          </a:p>
+        </p:txBody>
+      </p:sp>
+      <p:sp>
+        <p:nvSpPr>
+          <p:cNvPr id="10" name="Text 8"/>
+          <p:cNvSpPr/>
+          <p:nvPr/>
+        </p:nvSpPr>
+        <p:spPr>
+          <a:xfrm>
+            <a:off x="6217146" y="2895700"/>
+            <a:ext cx="3718322" cy="258564"/>
+          </a:xfrm>
+          <a:prstGeom prst="rect">
+            <a:avLst/>
+          </a:prstGeom>
+          <a:noFill/>
+          <a:ln/>
+        </p:spPr>
+        <p:txBody>
+          <a:bodyPr wrap="none" rtlCol="0" anchor="t"/>
+          <a:lstStyle/>
+          <a:p>
+            <a:pPr algn="ctr">
+              <a:lnSpc>
+                <a:spcPts val="2037"/>
+              </a:lnSpc>
+            </a:pPr>
+            <a:r>
+              <a:rPr lang="en-US" sz="1273" dirty="0">
+                <a:solidFill>
+                  <a:srgbClr val="2C3249"/>
+                </a:solidFill>
+                <a:latin typeface="Martel Sans" pitchFamily="34" charset="0"/>
+                <a:ea typeface="Martel Sans" pitchFamily="34" charset="-122"/>
+                <a:cs typeface="Martel Sans" pitchFamily="34" charset="-120"/>
+              </a:rPr>
+              <a:t>Crear el mockup y definir la estética.</a:t>
+            </a:r>
+            <a:endParaRPr lang="en-US" sz="1273" dirty="0"/>
+          </a:p>
+        </p:txBody>
+      </p:sp>
+      <p:sp>
+        <p:nvSpPr>
+          <p:cNvPr id="11" name="Text 9"/>
+          <p:cNvSpPr/>
+          <p:nvPr/>
+        </p:nvSpPr>
+        <p:spPr>
+          <a:xfrm>
+            <a:off x="2256433" y="3720008"/>
+            <a:ext cx="3718223" cy="484982"/>
+          </a:xfrm>
+          <a:prstGeom prst="rect">
+            <a:avLst/>
+          </a:prstGeom>
+          <a:noFill/>
+          <a:ln/>
+        </p:spPr>
+        <p:txBody>
+          <a:bodyPr wrap="none" rtlCol="0" anchor="t"/>
+          <a:lstStyle/>
+          <a:p>
+            <a:pPr algn="ctr">
+              <a:lnSpc>
+                <a:spcPts val="3819"/>
+              </a:lnSpc>
+            </a:pPr>
+            <a:r>
+              <a:rPr lang="en-US" sz="3819" dirty="0">
+                <a:solidFill>
+                  <a:srgbClr val="2C3249"/>
+                </a:solidFill>
+                <a:latin typeface="Kanit" pitchFamily="34" charset="0"/>
+                <a:ea typeface="Kanit" pitchFamily="34" charset="-122"/>
+                <a:cs typeface="Kanit" pitchFamily="34" charset="-120"/>
+              </a:rPr>
+              <a:t>3</a:t>
+            </a:r>
+            <a:endParaRPr lang="en-US" sz="3819" dirty="0"/>
+          </a:p>
+        </p:txBody>
+      </p:sp>
+      <p:sp>
+        <p:nvSpPr>
+          <p:cNvPr id="12" name="Text 10"/>
+          <p:cNvSpPr/>
+          <p:nvPr/>
+        </p:nvSpPr>
+        <p:spPr>
+          <a:xfrm>
+            <a:off x="3105150" y="4407000"/>
+            <a:ext cx="2020788" cy="252611"/>
+          </a:xfrm>
+          <a:prstGeom prst="rect">
+            <a:avLst/>
+          </a:prstGeom>
+          <a:noFill/>
+          <a:ln/>
+        </p:spPr>
+        <p:txBody>
+          <a:bodyPr wrap="none" rtlCol="0" anchor="t"/>
+          <a:lstStyle/>
+          <a:p>
+            <a:pPr algn="ctr">
+              <a:lnSpc>
+                <a:spcPts val="1989"/>
+              </a:lnSpc>
+            </a:pPr>
+            <a:r>
+              <a:rPr lang="en-US" sz="1591" dirty="0">
+                <a:solidFill>
+                  <a:srgbClr val="2C3249"/>
+                </a:solidFill>
+                <a:latin typeface="Kanit" pitchFamily="34" charset="0"/>
+                <a:ea typeface="Kanit" pitchFamily="34" charset="-122"/>
+                <a:cs typeface="Kanit" pitchFamily="34" charset="-120"/>
+              </a:rPr>
+              <a:t>Desarrollo</a:t>
+            </a:r>
+            <a:endParaRPr lang="en-US" sz="1591" dirty="0"/>
+          </a:p>
+        </p:txBody>
+      </p:sp>
+      <p:sp>
+        <p:nvSpPr>
+          <p:cNvPr id="13" name="Text 11"/>
+          <p:cNvSpPr/>
+          <p:nvPr/>
+        </p:nvSpPr>
+        <p:spPr>
+          <a:xfrm>
+            <a:off x="2256433" y="4756547"/>
+            <a:ext cx="3718223" cy="258564"/>
+          </a:xfrm>
+          <a:prstGeom prst="rect">
+            <a:avLst/>
+          </a:prstGeom>
+          <a:noFill/>
+          <a:ln/>
+        </p:spPr>
+        <p:txBody>
+          <a:bodyPr wrap="none" rtlCol="0" anchor="t"/>
+          <a:lstStyle/>
+          <a:p>
+            <a:pPr algn="ctr">
+              <a:lnSpc>
+                <a:spcPts val="2037"/>
+              </a:lnSpc>
+            </a:pPr>
+            <a:r>
+              <a:rPr lang="en-US" sz="1273" dirty="0">
+                <a:solidFill>
+                  <a:srgbClr val="2C3249"/>
+                </a:solidFill>
+                <a:latin typeface="Martel Sans" pitchFamily="34" charset="0"/>
+                <a:ea typeface="Martel Sans" pitchFamily="34" charset="-122"/>
+                <a:cs typeface="Martel Sans" pitchFamily="34" charset="-120"/>
+              </a:rPr>
+              <a:t>Codificación del diseño en HTML/CSS.</a:t>
+            </a:r>
+            <a:endParaRPr lang="en-US" sz="1273" dirty="0"/>
+          </a:p>
+        </p:txBody>
+      </p:sp>
+      <p:sp>
+        <p:nvSpPr>
+          <p:cNvPr id="14" name="Text 12"/>
+          <p:cNvSpPr/>
+          <p:nvPr/>
+        </p:nvSpPr>
+        <p:spPr>
+          <a:xfrm>
+            <a:off x="6217146" y="3720008"/>
+            <a:ext cx="3718322" cy="484982"/>
+          </a:xfrm>
+          <a:prstGeom prst="rect">
+            <a:avLst/>
+          </a:prstGeom>
+          <a:noFill/>
+          <a:ln/>
+        </p:spPr>
+        <p:txBody>
+          <a:bodyPr wrap="none" rtlCol="0" anchor="t"/>
+          <a:lstStyle/>
+          <a:p>
+            <a:pPr algn="ctr">
+              <a:lnSpc>
+                <a:spcPts val="3819"/>
+              </a:lnSpc>
+            </a:pPr>
+            <a:r>
+              <a:rPr lang="en-US" sz="3819" dirty="0">
+                <a:solidFill>
+                  <a:srgbClr val="2C3249"/>
+                </a:solidFill>
+                <a:latin typeface="Kanit" pitchFamily="34" charset="0"/>
+                <a:ea typeface="Kanit" pitchFamily="34" charset="-122"/>
+                <a:cs typeface="Kanit" pitchFamily="34" charset="-120"/>
+              </a:rPr>
+              <a:t>4</a:t>
+            </a:r>
+            <a:endParaRPr lang="en-US" sz="3819" dirty="0"/>
+          </a:p>
+        </p:txBody>
+      </p:sp>
+      <p:sp>
+        <p:nvSpPr>
+          <p:cNvPr id="15" name="Text 13"/>
+          <p:cNvSpPr/>
+          <p:nvPr/>
+        </p:nvSpPr>
+        <p:spPr>
+          <a:xfrm>
+            <a:off x="7065864" y="4407000"/>
+            <a:ext cx="2020788" cy="252611"/>
+          </a:xfrm>
+          <a:prstGeom prst="rect">
+            <a:avLst/>
+          </a:prstGeom>
+          <a:noFill/>
+          <a:ln/>
+        </p:spPr>
+        <p:txBody>
+          <a:bodyPr wrap="none" rtlCol="0" anchor="t"/>
+          <a:lstStyle/>
+          <a:p>
+            <a:pPr algn="ctr">
+              <a:lnSpc>
+                <a:spcPts val="1989"/>
+              </a:lnSpc>
+            </a:pPr>
+            <a:r>
+              <a:rPr lang="en-US" sz="1591" dirty="0">
+                <a:solidFill>
+                  <a:srgbClr val="2C3249"/>
+                </a:solidFill>
+                <a:latin typeface="Kanit" pitchFamily="34" charset="0"/>
+                <a:ea typeface="Kanit" pitchFamily="34" charset="-122"/>
+                <a:cs typeface="Kanit" pitchFamily="34" charset="-120"/>
+              </a:rPr>
+              <a:t>Pruebas y ajustes</a:t>
+            </a:r>
+            <a:endParaRPr lang="en-US" sz="1591" dirty="0"/>
+          </a:p>
+        </p:txBody>
+      </p:sp>
+      <p:sp>
+        <p:nvSpPr>
+          <p:cNvPr id="16" name="Text 14"/>
+          <p:cNvSpPr/>
+          <p:nvPr/>
+        </p:nvSpPr>
+        <p:spPr>
+          <a:xfrm>
+            <a:off x="6217146" y="4756547"/>
+            <a:ext cx="3718322" cy="258564"/>
+          </a:xfrm>
+          <a:prstGeom prst="rect">
+            <a:avLst/>
+          </a:prstGeom>
+          <a:noFill/>
+          <a:ln/>
+        </p:spPr>
+        <p:txBody>
+          <a:bodyPr wrap="none" rtlCol="0" anchor="t"/>
+          <a:lstStyle/>
+          <a:p>
+            <a:pPr algn="ctr">
+              <a:lnSpc>
+                <a:spcPts val="2037"/>
+              </a:lnSpc>
+            </a:pPr>
+            <a:r>
+              <a:rPr lang="en-US" sz="1273" dirty="0">
+                <a:solidFill>
+                  <a:srgbClr val="2C3249"/>
+                </a:solidFill>
+                <a:latin typeface="Martel Sans" pitchFamily="34" charset="0"/>
+                <a:ea typeface="Martel Sans" pitchFamily="34" charset="-122"/>
+                <a:cs typeface="Martel Sans" pitchFamily="34" charset="-120"/>
+              </a:rPr>
+              <a:t>Verificar la funcionalidad y corregir errores.</a:t>
+            </a:r>
+            <a:endParaRPr lang="en-US" sz="1273" dirty="0"/>
+          </a:p>
+        </p:txBody>
+      </p:sp>
+      <p:sp>
+        <p:nvSpPr>
+          <p:cNvPr id="17" name="Text 15"/>
+          <p:cNvSpPr/>
+          <p:nvPr/>
+        </p:nvSpPr>
+        <p:spPr>
+          <a:xfrm>
+            <a:off x="2256433" y="5196979"/>
+            <a:ext cx="7679035" cy="517128"/>
+          </a:xfrm>
+          <a:prstGeom prst="rect">
+            <a:avLst/>
+          </a:prstGeom>
+          <a:noFill/>
+          <a:ln/>
+        </p:spPr>
+        <p:txBody>
+          <a:bodyPr wrap="square" rtlCol="0" anchor="t"/>
+          <a:lstStyle/>
+          <a:p>
+            <a:pPr>
+              <a:lnSpc>
+                <a:spcPts val="2037"/>
+              </a:lnSpc>
+            </a:pPr>
+            <a:r>
+              <a:rPr lang="en-US" sz="1273" dirty="0">
+                <a:solidFill>
+                  <a:srgbClr val="2C3249"/>
+                </a:solidFill>
+                <a:latin typeface="Martel Sans" pitchFamily="34" charset="0"/>
+                <a:ea typeface="Martel Sans" pitchFamily="34" charset="-122"/>
+                <a:cs typeface="Martel Sans" pitchFamily="34" charset="-120"/>
+              </a:rPr>
+              <a:t>Una maquetación web efectiva involucra una cuidadosa planificación, diseño, desarrollo, y pruebas exhaustivas. Cada paso es crucial para garantizar un resultado óptimo.</a:t>
+            </a:r>
+            <a:endParaRPr lang="en-US" sz="1273" dirty="0"/>
+          </a:p>
+        </p:txBody>
+      </p:sp>
+      <p:sp>
+        <p:nvSpPr>
+          <p:cNvPr id="18" name="Text 16"/>
+          <p:cNvSpPr/>
+          <p:nvPr/>
+        </p:nvSpPr>
+        <p:spPr>
+          <a:xfrm>
+            <a:off x="2256433" y="5895975"/>
+            <a:ext cx="7679035" cy="517128"/>
+          </a:xfrm>
+          <a:prstGeom prst="rect">
+            <a:avLst/>
+          </a:prstGeom>
+          <a:noFill/>
+          <a:ln/>
+        </p:spPr>
+        <p:txBody>
+          <a:bodyPr wrap="square" rtlCol="0" anchor="t"/>
+          <a:lstStyle/>
+          <a:p>
+            <a:pPr>
+              <a:lnSpc>
+                <a:spcPts val="2037"/>
+              </a:lnSpc>
+            </a:pPr>
+            <a:r>
+              <a:rPr lang="en-US" sz="1273" dirty="0">
+                <a:solidFill>
+                  <a:srgbClr val="2C3249"/>
+                </a:solidFill>
+                <a:latin typeface="Martel Sans" pitchFamily="34" charset="0"/>
+                <a:ea typeface="Martel Sans" pitchFamily="34" charset="-122"/>
+                <a:cs typeface="Martel Sans" pitchFamily="34" charset="-120"/>
+              </a:rPr>
+              <a:t>La coordinación entre los equipos de diseño y desarrollo es esencial para lograr coherencia y calidad en el producto final.</a:t>
+            </a:r>
+            <a:endParaRPr lang="en-US" sz="1273" dirty="0"/>
+          </a:p>
+        </p:txBody>
+      </p:sp>
       <p:pic>
         <p:nvPicPr>
-          <p:cNvPr id="4" name="Image 0" descr="preencoded.png"/>
+          <p:cNvPr id="19" name="Imagen 18">
+            <a:extLst>
+              <a:ext uri="{FF2B5EF4-FFF2-40B4-BE49-F238E27FC236}">
+                <a16:creationId xmlns:a16="http://schemas.microsoft.com/office/drawing/2014/main" id="{AE4905E8-8358-AC3D-8442-ED7942E01F53}"/>
+              </a:ext>
+            </a:extLst>
+          </p:cNvPr>
           <p:cNvPicPr>
             <a:picLocks noChangeAspect="1"/>
           </p:cNvPicPr>
@@ -10033,373 +10731,14 @@
         </p:blipFill>
         <p:spPr>
           <a:xfrm>
-            <a:off x="0" y="0"/>
-            <a:ext cx="12192000" cy="1880890"/>
+            <a:off x="55066" y="0"/>
+            <a:ext cx="11896725" cy="676275"/>
           </a:xfrm>
           <a:prstGeom prst="rect">
             <a:avLst/>
           </a:prstGeom>
         </p:spPr>
       </p:pic>
-      <p:sp>
-        <p:nvSpPr>
-          <p:cNvPr id="5" name="Text 2"/>
-          <p:cNvSpPr/>
-          <p:nvPr/>
-        </p:nvSpPr>
-        <p:spPr>
-          <a:xfrm>
-            <a:off x="2522240" y="2294930"/>
-            <a:ext cx="7147421" cy="940197"/>
-          </a:xfrm>
-          <a:prstGeom prst="rect">
-            <a:avLst/>
-          </a:prstGeom>
-          <a:noFill/>
-          <a:ln/>
-        </p:spPr>
-        <p:txBody>
-          <a:bodyPr wrap="square" rtlCol="0" anchor="t"/>
-          <a:lstStyle/>
-          <a:p>
-            <a:pPr>
-              <a:lnSpc>
-                <a:spcPts val="3702"/>
-              </a:lnSpc>
-            </a:pPr>
-            <a:r>
-              <a:rPr lang="en-US" sz="2962" dirty="0">
-                <a:solidFill>
-                  <a:srgbClr val="272D45"/>
-                </a:solidFill>
-                <a:latin typeface="Kanit" pitchFamily="34" charset="0"/>
-                <a:ea typeface="Kanit" pitchFamily="34" charset="-122"/>
-                <a:cs typeface="Kanit" pitchFamily="34" charset="-120"/>
-              </a:rPr>
-              <a:t>Consideraciones de accesibilidad en la maquetación web</a:t>
-            </a:r>
-            <a:endParaRPr lang="en-US" sz="2962" dirty="0"/>
-          </a:p>
-        </p:txBody>
-      </p:sp>
-      <p:pic>
-        <p:nvPicPr>
-          <p:cNvPr id="6" name="Image 1" descr="preencoded.png"/>
-          <p:cNvPicPr>
-            <a:picLocks noChangeAspect="1"/>
-          </p:cNvPicPr>
-          <p:nvPr/>
-        </p:nvPicPr>
-        <p:blipFill>
-          <a:blip r:embed="rId4"/>
-          <a:stretch>
-            <a:fillRect/>
-          </a:stretch>
-        </p:blipFill>
-        <p:spPr>
-          <a:xfrm>
-            <a:off x="2522240" y="3460750"/>
-            <a:ext cx="2382441" cy="601861"/>
-          </a:xfrm>
-          <a:prstGeom prst="rect">
-            <a:avLst/>
-          </a:prstGeom>
-        </p:spPr>
-      </p:pic>
-      <p:sp>
-        <p:nvSpPr>
-          <p:cNvPr id="7" name="Text 3"/>
-          <p:cNvSpPr/>
-          <p:nvPr/>
-        </p:nvSpPr>
-        <p:spPr>
-          <a:xfrm>
-            <a:off x="2672656" y="4288234"/>
-            <a:ext cx="1880890" cy="235148"/>
-          </a:xfrm>
-          <a:prstGeom prst="rect">
-            <a:avLst/>
-          </a:prstGeom>
-          <a:noFill/>
-          <a:ln/>
-        </p:spPr>
-        <p:txBody>
-          <a:bodyPr wrap="none" rtlCol="0" anchor="t"/>
-          <a:lstStyle/>
-          <a:p>
-            <a:pPr>
-              <a:lnSpc>
-                <a:spcPts val="1852"/>
-              </a:lnSpc>
-            </a:pPr>
-            <a:r>
-              <a:rPr lang="en-US" sz="1481" dirty="0">
-                <a:solidFill>
-                  <a:srgbClr val="2C3249"/>
-                </a:solidFill>
-                <a:latin typeface="Kanit" pitchFamily="34" charset="0"/>
-                <a:ea typeface="Kanit" pitchFamily="34" charset="-122"/>
-                <a:cs typeface="Kanit" pitchFamily="34" charset="-120"/>
-              </a:rPr>
-              <a:t>Contraste de color</a:t>
-            </a:r>
-            <a:endParaRPr lang="en-US" sz="1481" dirty="0"/>
-          </a:p>
-        </p:txBody>
-      </p:sp>
-      <p:sp>
-        <p:nvSpPr>
-          <p:cNvPr id="8" name="Text 4"/>
-          <p:cNvSpPr/>
-          <p:nvPr/>
-        </p:nvSpPr>
-        <p:spPr>
-          <a:xfrm>
-            <a:off x="2672656" y="4613573"/>
-            <a:ext cx="2081609" cy="1204019"/>
-          </a:xfrm>
-          <a:prstGeom prst="rect">
-            <a:avLst/>
-          </a:prstGeom>
-          <a:noFill/>
-          <a:ln/>
-        </p:spPr>
-        <p:txBody>
-          <a:bodyPr wrap="square" rtlCol="0" anchor="t"/>
-          <a:lstStyle/>
-          <a:p>
-            <a:pPr>
-              <a:lnSpc>
-                <a:spcPts val="1896"/>
-              </a:lnSpc>
-            </a:pPr>
-            <a:r>
-              <a:rPr lang="en-US" sz="1185" dirty="0">
-                <a:solidFill>
-                  <a:srgbClr val="2C3249"/>
-                </a:solidFill>
-                <a:latin typeface="Martel Sans" pitchFamily="34" charset="0"/>
-                <a:ea typeface="Martel Sans" pitchFamily="34" charset="-122"/>
-                <a:cs typeface="Martel Sans" pitchFamily="34" charset="-120"/>
-              </a:rPr>
-              <a:t>Es crucial garantizar un alto contraste entre el texto y el fondo para facilitar la lectura a personas con discapacidad visual.</a:t>
-            </a:r>
-            <a:endParaRPr lang="en-US" sz="1185" dirty="0"/>
-          </a:p>
-        </p:txBody>
-      </p:sp>
-      <p:pic>
-        <p:nvPicPr>
-          <p:cNvPr id="9" name="Image 2" descr="preencoded.png"/>
-          <p:cNvPicPr>
-            <a:picLocks noChangeAspect="1"/>
-          </p:cNvPicPr>
-          <p:nvPr/>
-        </p:nvPicPr>
-        <p:blipFill>
-          <a:blip r:embed="rId5"/>
-          <a:stretch>
-            <a:fillRect/>
-          </a:stretch>
-        </p:blipFill>
-        <p:spPr>
-          <a:xfrm>
-            <a:off x="4904681" y="3460750"/>
-            <a:ext cx="2382441" cy="601861"/>
-          </a:xfrm>
-          <a:prstGeom prst="rect">
-            <a:avLst/>
-          </a:prstGeom>
-        </p:spPr>
-      </p:pic>
-      <p:sp>
-        <p:nvSpPr>
-          <p:cNvPr id="10" name="Text 5"/>
-          <p:cNvSpPr/>
-          <p:nvPr/>
-        </p:nvSpPr>
-        <p:spPr>
-          <a:xfrm>
-            <a:off x="5055096" y="4288234"/>
-            <a:ext cx="2081609" cy="470297"/>
-          </a:xfrm>
-          <a:prstGeom prst="rect">
-            <a:avLst/>
-          </a:prstGeom>
-          <a:noFill/>
-          <a:ln/>
-        </p:spPr>
-        <p:txBody>
-          <a:bodyPr wrap="square" rtlCol="0" anchor="t"/>
-          <a:lstStyle/>
-          <a:p>
-            <a:pPr>
-              <a:lnSpc>
-                <a:spcPts val="1852"/>
-              </a:lnSpc>
-            </a:pPr>
-            <a:r>
-              <a:rPr lang="en-US" sz="1481" dirty="0">
-                <a:solidFill>
-                  <a:srgbClr val="2C3249"/>
-                </a:solidFill>
-                <a:latin typeface="Kanit" pitchFamily="34" charset="0"/>
-                <a:ea typeface="Kanit" pitchFamily="34" charset="-122"/>
-                <a:cs typeface="Kanit" pitchFamily="34" charset="-120"/>
-              </a:rPr>
-              <a:t>Compatibilidad con lectores de pantalla</a:t>
-            </a:r>
-            <a:endParaRPr lang="en-US" sz="1481" dirty="0"/>
-          </a:p>
-        </p:txBody>
-      </p:sp>
-      <p:sp>
-        <p:nvSpPr>
-          <p:cNvPr id="11" name="Text 6"/>
-          <p:cNvSpPr/>
-          <p:nvPr/>
-        </p:nvSpPr>
-        <p:spPr>
-          <a:xfrm>
-            <a:off x="5055096" y="4848721"/>
-            <a:ext cx="2081609" cy="1444823"/>
-          </a:xfrm>
-          <a:prstGeom prst="rect">
-            <a:avLst/>
-          </a:prstGeom>
-          <a:noFill/>
-          <a:ln/>
-        </p:spPr>
-        <p:txBody>
-          <a:bodyPr wrap="square" rtlCol="0" anchor="t"/>
-          <a:lstStyle/>
-          <a:p>
-            <a:pPr>
-              <a:lnSpc>
-                <a:spcPts val="1896"/>
-              </a:lnSpc>
-            </a:pPr>
-            <a:r>
-              <a:rPr lang="en-US" sz="1185" dirty="0">
-                <a:solidFill>
-                  <a:srgbClr val="2C3249"/>
-                </a:solidFill>
-                <a:latin typeface="Martel Sans" pitchFamily="34" charset="0"/>
-                <a:ea typeface="Martel Sans" pitchFamily="34" charset="-122"/>
-                <a:cs typeface="Martel Sans" pitchFamily="34" charset="-120"/>
-              </a:rPr>
-              <a:t>Utilizar etiquetas y atributos adecuados para que el contenido sea comprensible a través de lectores de pantalla para personas con discapacidad visual.</a:t>
-            </a:r>
-            <a:endParaRPr lang="en-US" sz="1185" dirty="0"/>
-          </a:p>
-        </p:txBody>
-      </p:sp>
-      <p:pic>
-        <p:nvPicPr>
-          <p:cNvPr id="12" name="Image 3" descr="preencoded.png"/>
-          <p:cNvPicPr>
-            <a:picLocks noChangeAspect="1"/>
-          </p:cNvPicPr>
-          <p:nvPr/>
-        </p:nvPicPr>
-        <p:blipFill>
-          <a:blip r:embed="rId6"/>
-          <a:stretch>
-            <a:fillRect/>
-          </a:stretch>
-        </p:blipFill>
-        <p:spPr>
-          <a:xfrm>
-            <a:off x="7287121" y="3460750"/>
-            <a:ext cx="2382540" cy="601861"/>
-          </a:xfrm>
-          <a:prstGeom prst="rect">
-            <a:avLst/>
-          </a:prstGeom>
-        </p:spPr>
-      </p:pic>
-      <p:sp>
-        <p:nvSpPr>
-          <p:cNvPr id="13" name="Text 7"/>
-          <p:cNvSpPr/>
-          <p:nvPr/>
-        </p:nvSpPr>
-        <p:spPr>
-          <a:xfrm>
-            <a:off x="7437537" y="4288234"/>
-            <a:ext cx="1975544" cy="235148"/>
-          </a:xfrm>
-          <a:prstGeom prst="rect">
-            <a:avLst/>
-          </a:prstGeom>
-          <a:noFill/>
-          <a:ln/>
-        </p:spPr>
-        <p:txBody>
-          <a:bodyPr wrap="none" rtlCol="0" anchor="t"/>
-          <a:lstStyle/>
-          <a:p>
-            <a:pPr>
-              <a:lnSpc>
-                <a:spcPts val="1852"/>
-              </a:lnSpc>
-            </a:pPr>
-            <a:r>
-              <a:rPr lang="en-US" sz="1481" dirty="0">
-                <a:solidFill>
-                  <a:srgbClr val="2C3249"/>
-                </a:solidFill>
-                <a:latin typeface="Kanit" pitchFamily="34" charset="0"/>
-                <a:ea typeface="Kanit" pitchFamily="34" charset="-122"/>
-                <a:cs typeface="Kanit" pitchFamily="34" charset="-120"/>
-              </a:rPr>
-              <a:t>Facilidad de navegación</a:t>
-            </a:r>
-            <a:endParaRPr lang="en-US" sz="1481" dirty="0"/>
-          </a:p>
-        </p:txBody>
-      </p:sp>
-      <p:sp>
-        <p:nvSpPr>
-          <p:cNvPr id="14" name="Text 8"/>
-          <p:cNvSpPr/>
-          <p:nvPr/>
-        </p:nvSpPr>
-        <p:spPr>
-          <a:xfrm>
-            <a:off x="7437537" y="4613573"/>
-            <a:ext cx="2081708" cy="1444823"/>
-          </a:xfrm>
-          <a:prstGeom prst="rect">
-            <a:avLst/>
-          </a:prstGeom>
-          <a:noFill/>
-          <a:ln/>
-        </p:spPr>
-        <p:txBody>
-          <a:bodyPr wrap="square" rtlCol="0" anchor="t"/>
-          <a:lstStyle/>
-          <a:p>
-            <a:pPr>
-              <a:lnSpc>
-                <a:spcPts val="1896"/>
-              </a:lnSpc>
-            </a:pPr>
-            <a:r>
-              <a:rPr lang="en-US" sz="1185" dirty="0">
-                <a:solidFill>
-                  <a:srgbClr val="2C3249"/>
-                </a:solidFill>
-                <a:latin typeface="Martel Sans" pitchFamily="34" charset="0"/>
-                <a:ea typeface="Martel Sans" pitchFamily="34" charset="-122"/>
-                <a:cs typeface="Martel Sans" pitchFamily="34" charset="-120"/>
-              </a:rPr>
-              <a:t>Crear una estructura clara y lógica de navegación que permita a los usuarios con discapacidades motoras recorrer el sitio web con facilidad.</a:t>
-            </a:r>
-            <a:endParaRPr lang="en-US" sz="1185" dirty="0"/>
-          </a:p>
-        </p:txBody>
-      </p:sp>
     </p:spTree>
   </p:cSld>
   <p:clrMapOvr>
